--- a/Powerpoint/chord templates.pptx
+++ b/Powerpoint/chord templates.pptx
@@ -7,6 +7,7 @@
   <p:sldIdLst>
     <p:sldId id="256" r:id="rId2"/>
     <p:sldId id="257" r:id="rId3"/>
+    <p:sldId id="258" r:id="rId4"/>
   </p:sldIdLst>
   <p:sldSz cx="12192000" cy="6858000"/>
   <p:notesSz cx="6858000" cy="9144000"/>
@@ -116,7 +117,7 @@
 <file path=ppt/revisionInfo.xml><?xml version="1.0" encoding="utf-8"?>
 <p1510:revInfo xmlns:a="http://schemas.openxmlformats.org/drawingml/2006/main" xmlns:r="http://schemas.openxmlformats.org/officeDocument/2006/relationships" xmlns:p1510="http://schemas.microsoft.com/office/powerpoint/2015/10/main">
   <p1510:revLst>
-    <p1510:client id="{CCF5780B-6743-4FA7-91E0-BAC6A2606DEC}" v="6" dt="2021-03-14T16:58:12.149"/>
+    <p1510:client id="{A198776E-7B19-4223-B512-F0153567CC7B}" v="12" dt="2021-04-14T01:12:46.300"/>
   </p1510:revLst>
 </p1510:revInfo>
 </file>
@@ -1310,6 +1311,1069 @@
             <pc:docMk/>
             <pc:sldMk cId="3227390067" sldId="257"/>
             <ac:cxnSpMk id="249" creationId="{92CB599C-1F03-484D-83F9-FBC1A6D6B7A0}"/>
+          </ac:cxnSpMkLst>
+        </pc:cxnChg>
+      </pc:sldChg>
+    </pc:docChg>
+  </pc:docChgLst>
+  <pc:docChgLst>
+    <pc:chgData name="Paul Butler" userId="df8f2140a6bcd2b8" providerId="LiveId" clId="{A198776E-7B19-4223-B512-F0153567CC7B}"/>
+    <pc:docChg chg="undo custSel addSld modSld">
+      <pc:chgData name="Paul Butler" userId="df8f2140a6bcd2b8" providerId="LiveId" clId="{A198776E-7B19-4223-B512-F0153567CC7B}" dt="2021-04-14T01:14:13.831" v="50" actId="478"/>
+      <pc:docMkLst>
+        <pc:docMk/>
+      </pc:docMkLst>
+      <pc:sldChg chg="addSp delSp modSp mod">
+        <pc:chgData name="Paul Butler" userId="df8f2140a6bcd2b8" providerId="LiveId" clId="{A198776E-7B19-4223-B512-F0153567CC7B}" dt="2021-04-14T01:14:13.831" v="50" actId="478"/>
+        <pc:sldMkLst>
+          <pc:docMk/>
+          <pc:sldMk cId="3227390067" sldId="257"/>
+        </pc:sldMkLst>
+        <pc:spChg chg="add del mod">
+          <ac:chgData name="Paul Butler" userId="df8f2140a6bcd2b8" providerId="LiveId" clId="{A198776E-7B19-4223-B512-F0153567CC7B}" dt="2021-04-14T01:14:13.831" v="50" actId="478"/>
+          <ac:spMkLst>
+            <pc:docMk/>
+            <pc:sldMk cId="3227390067" sldId="257"/>
+            <ac:spMk id="4" creationId="{E03A7472-6FCE-4AFF-9161-B0E2E6340549}"/>
+          </ac:spMkLst>
+        </pc:spChg>
+        <pc:spChg chg="mod">
+          <ac:chgData name="Paul Butler" userId="df8f2140a6bcd2b8" providerId="LiveId" clId="{A198776E-7B19-4223-B512-F0153567CC7B}" dt="2021-04-14T01:13:33.459" v="47" actId="1076"/>
+          <ac:spMkLst>
+            <pc:docMk/>
+            <pc:sldMk cId="3227390067" sldId="257"/>
+            <ac:spMk id="64" creationId="{FB253AE3-075D-405E-8F12-6839EE7EE730}"/>
+          </ac:spMkLst>
+        </pc:spChg>
+        <pc:spChg chg="mod">
+          <ac:chgData name="Paul Butler" userId="df8f2140a6bcd2b8" providerId="LiveId" clId="{A198776E-7B19-4223-B512-F0153567CC7B}" dt="2021-04-14T01:12:35.211" v="43" actId="571"/>
+          <ac:spMkLst>
+            <pc:docMk/>
+            <pc:sldMk cId="3227390067" sldId="257"/>
+            <ac:spMk id="255" creationId="{ACA1CD1A-58E5-4537-BC33-7B4BFB060D37}"/>
+          </ac:spMkLst>
+        </pc:spChg>
+        <pc:spChg chg="add mod">
+          <ac:chgData name="Paul Butler" userId="df8f2140a6bcd2b8" providerId="LiveId" clId="{A198776E-7B19-4223-B512-F0153567CC7B}" dt="2021-04-14T01:12:41.734" v="44" actId="571"/>
+          <ac:spMkLst>
+            <pc:docMk/>
+            <pc:sldMk cId="3227390067" sldId="257"/>
+            <ac:spMk id="261" creationId="{51F51303-9B5A-4428-B9F4-5117BBD5DAF0}"/>
+          </ac:spMkLst>
+        </pc:spChg>
+        <pc:spChg chg="add mod">
+          <ac:chgData name="Paul Butler" userId="df8f2140a6bcd2b8" providerId="LiveId" clId="{A198776E-7B19-4223-B512-F0153567CC7B}" dt="2021-04-14T01:12:46.299" v="45" actId="571"/>
+          <ac:spMkLst>
+            <pc:docMk/>
+            <pc:sldMk cId="3227390067" sldId="257"/>
+            <ac:spMk id="262" creationId="{41A95F36-9762-4F62-88B9-BCD4E78CBC70}"/>
+          </ac:spMkLst>
+        </pc:spChg>
+        <pc:grpChg chg="add mod">
+          <ac:chgData name="Paul Butler" userId="df8f2140a6bcd2b8" providerId="LiveId" clId="{A198776E-7B19-4223-B512-F0153567CC7B}" dt="2021-04-14T01:12:35.211" v="43" actId="571"/>
+          <ac:grpSpMkLst>
+            <pc:docMk/>
+            <pc:sldMk cId="3227390067" sldId="257"/>
+            <ac:grpSpMk id="252" creationId="{FD14A52B-E0F1-4AA2-9607-C219D04E4978}"/>
+          </ac:grpSpMkLst>
+        </pc:grpChg>
+        <pc:grpChg chg="mod">
+          <ac:chgData name="Paul Butler" userId="df8f2140a6bcd2b8" providerId="LiveId" clId="{A198776E-7B19-4223-B512-F0153567CC7B}" dt="2021-04-14T01:12:35.211" v="43" actId="571"/>
+          <ac:grpSpMkLst>
+            <pc:docMk/>
+            <pc:sldMk cId="3227390067" sldId="257"/>
+            <ac:grpSpMk id="253" creationId="{D1105C4F-4B3F-41FD-8CD8-7CF2AF7896B6}"/>
+          </ac:grpSpMkLst>
+        </pc:grpChg>
+        <pc:cxnChg chg="mod">
+          <ac:chgData name="Paul Butler" userId="df8f2140a6bcd2b8" providerId="LiveId" clId="{A198776E-7B19-4223-B512-F0153567CC7B}" dt="2021-04-14T01:12:35.211" v="43" actId="571"/>
+          <ac:cxnSpMkLst>
+            <pc:docMk/>
+            <pc:sldMk cId="3227390067" sldId="257"/>
+            <ac:cxnSpMk id="254" creationId="{0048179E-3B16-41BB-87D7-5A3E8B757D0C}"/>
+          </ac:cxnSpMkLst>
+        </pc:cxnChg>
+        <pc:cxnChg chg="mod">
+          <ac:chgData name="Paul Butler" userId="df8f2140a6bcd2b8" providerId="LiveId" clId="{A198776E-7B19-4223-B512-F0153567CC7B}" dt="2021-04-14T01:12:35.211" v="43" actId="571"/>
+          <ac:cxnSpMkLst>
+            <pc:docMk/>
+            <pc:sldMk cId="3227390067" sldId="257"/>
+            <ac:cxnSpMk id="256" creationId="{F58609F2-F4AC-48DD-A866-F7896A5EDC4B}"/>
+          </ac:cxnSpMkLst>
+        </pc:cxnChg>
+        <pc:cxnChg chg="mod">
+          <ac:chgData name="Paul Butler" userId="df8f2140a6bcd2b8" providerId="LiveId" clId="{A198776E-7B19-4223-B512-F0153567CC7B}" dt="2021-04-14T01:12:35.211" v="43" actId="571"/>
+          <ac:cxnSpMkLst>
+            <pc:docMk/>
+            <pc:sldMk cId="3227390067" sldId="257"/>
+            <ac:cxnSpMk id="257" creationId="{15081300-9192-4A24-95DE-A020FB8D3026}"/>
+          </ac:cxnSpMkLst>
+        </pc:cxnChg>
+        <pc:cxnChg chg="mod">
+          <ac:chgData name="Paul Butler" userId="df8f2140a6bcd2b8" providerId="LiveId" clId="{A198776E-7B19-4223-B512-F0153567CC7B}" dt="2021-04-14T01:12:35.211" v="43" actId="571"/>
+          <ac:cxnSpMkLst>
+            <pc:docMk/>
+            <pc:sldMk cId="3227390067" sldId="257"/>
+            <ac:cxnSpMk id="258" creationId="{ABD70997-87FA-4236-AFBB-B372ACFFC1CA}"/>
+          </ac:cxnSpMkLst>
+        </pc:cxnChg>
+        <pc:cxnChg chg="mod">
+          <ac:chgData name="Paul Butler" userId="df8f2140a6bcd2b8" providerId="LiveId" clId="{A198776E-7B19-4223-B512-F0153567CC7B}" dt="2021-04-14T01:12:35.211" v="43" actId="571"/>
+          <ac:cxnSpMkLst>
+            <pc:docMk/>
+            <pc:sldMk cId="3227390067" sldId="257"/>
+            <ac:cxnSpMk id="259" creationId="{B2E5166E-64B6-44A0-9EF7-0897B952729A}"/>
+          </ac:cxnSpMkLst>
+        </pc:cxnChg>
+        <pc:cxnChg chg="mod">
+          <ac:chgData name="Paul Butler" userId="df8f2140a6bcd2b8" providerId="LiveId" clId="{A198776E-7B19-4223-B512-F0153567CC7B}" dt="2021-04-14T01:12:35.211" v="43" actId="571"/>
+          <ac:cxnSpMkLst>
+            <pc:docMk/>
+            <pc:sldMk cId="3227390067" sldId="257"/>
+            <ac:cxnSpMk id="260" creationId="{D99D71B7-9261-4125-9D19-1967019C588A}"/>
+          </ac:cxnSpMkLst>
+        </pc:cxnChg>
+      </pc:sldChg>
+      <pc:sldChg chg="addSp delSp modSp new mod">
+        <pc:chgData name="Paul Butler" userId="df8f2140a6bcd2b8" providerId="LiveId" clId="{A198776E-7B19-4223-B512-F0153567CC7B}" dt="2021-04-10T18:05:13.483" v="42" actId="1076"/>
+        <pc:sldMkLst>
+          <pc:docMk/>
+          <pc:sldMk cId="3120181636" sldId="258"/>
+        </pc:sldMkLst>
+        <pc:spChg chg="del">
+          <ac:chgData name="Paul Butler" userId="df8f2140a6bcd2b8" providerId="LiveId" clId="{A198776E-7B19-4223-B512-F0153567CC7B}" dt="2021-04-10T03:28:37.918" v="3" actId="478"/>
+          <ac:spMkLst>
+            <pc:docMk/>
+            <pc:sldMk cId="3120181636" sldId="258"/>
+            <ac:spMk id="3" creationId="{E4F294E4-7297-43D2-B795-E84EA221E363}"/>
+          </ac:spMkLst>
+        </pc:spChg>
+        <pc:spChg chg="mod">
+          <ac:chgData name="Paul Butler" userId="df8f2140a6bcd2b8" providerId="LiveId" clId="{A198776E-7B19-4223-B512-F0153567CC7B}" dt="2021-04-10T18:03:39.108" v="33" actId="1076"/>
+          <ac:spMkLst>
+            <pc:docMk/>
+            <pc:sldMk cId="3120181636" sldId="258"/>
+            <ac:spMk id="6" creationId="{67EA0591-E0E4-4B91-8AA9-FBA18C3A207C}"/>
+          </ac:spMkLst>
+        </pc:spChg>
+        <pc:spChg chg="mod">
+          <ac:chgData name="Paul Butler" userId="df8f2140a6bcd2b8" providerId="LiveId" clId="{A198776E-7B19-4223-B512-F0153567CC7B}" dt="2021-04-10T03:28:24.489" v="1"/>
+          <ac:spMkLst>
+            <pc:docMk/>
+            <pc:sldMk cId="3120181636" sldId="258"/>
+            <ac:spMk id="9" creationId="{925DCE53-47B6-4192-B9FE-FAE9B0DA128E}"/>
+          </ac:spMkLst>
+        </pc:spChg>
+        <pc:spChg chg="mod">
+          <ac:chgData name="Paul Butler" userId="df8f2140a6bcd2b8" providerId="LiveId" clId="{A198776E-7B19-4223-B512-F0153567CC7B}" dt="2021-04-10T03:29:02.298" v="5"/>
+          <ac:spMkLst>
+            <pc:docMk/>
+            <pc:sldMk cId="3120181636" sldId="258"/>
+            <ac:spMk id="17" creationId="{9BA3399D-076B-444C-A184-891A4CE0915D}"/>
+          </ac:spMkLst>
+        </pc:spChg>
+        <pc:spChg chg="del mod">
+          <ac:chgData name="Paul Butler" userId="df8f2140a6bcd2b8" providerId="LiveId" clId="{A198776E-7B19-4223-B512-F0153567CC7B}" dt="2021-04-10T03:29:19.288" v="8" actId="478"/>
+          <ac:spMkLst>
+            <pc:docMk/>
+            <pc:sldMk cId="3120181636" sldId="258"/>
+            <ac:spMk id="18" creationId="{10114D07-2B10-4E2C-8904-BF8699BFF38E}"/>
+          </ac:spMkLst>
+        </pc:spChg>
+        <pc:spChg chg="mod">
+          <ac:chgData name="Paul Butler" userId="df8f2140a6bcd2b8" providerId="LiveId" clId="{A198776E-7B19-4223-B512-F0153567CC7B}" dt="2021-04-10T03:29:02.298" v="5"/>
+          <ac:spMkLst>
+            <pc:docMk/>
+            <pc:sldMk cId="3120181636" sldId="258"/>
+            <ac:spMk id="19" creationId="{8FFDD11A-E0CC-4EF9-9579-587890AB14A4}"/>
+          </ac:spMkLst>
+        </pc:spChg>
+        <pc:spChg chg="mod">
+          <ac:chgData name="Paul Butler" userId="df8f2140a6bcd2b8" providerId="LiveId" clId="{A198776E-7B19-4223-B512-F0153567CC7B}" dt="2021-04-10T03:29:16.561" v="7" actId="1076"/>
+          <ac:spMkLst>
+            <pc:docMk/>
+            <pc:sldMk cId="3120181636" sldId="258"/>
+            <ac:spMk id="20" creationId="{047C1606-2507-4ACF-AC20-D7ED47E74952}"/>
+          </ac:spMkLst>
+        </pc:spChg>
+        <pc:spChg chg="mod">
+          <ac:chgData name="Paul Butler" userId="df8f2140a6bcd2b8" providerId="LiveId" clId="{A198776E-7B19-4223-B512-F0153567CC7B}" dt="2021-04-10T03:29:02.298" v="5"/>
+          <ac:spMkLst>
+            <pc:docMk/>
+            <pc:sldMk cId="3120181636" sldId="258"/>
+            <ac:spMk id="23" creationId="{9E897321-4A78-40A5-A6E2-D7C6C8682F41}"/>
+          </ac:spMkLst>
+        </pc:spChg>
+        <pc:spChg chg="mod">
+          <ac:chgData name="Paul Butler" userId="df8f2140a6bcd2b8" providerId="LiveId" clId="{A198776E-7B19-4223-B512-F0153567CC7B}" dt="2021-04-10T03:29:28.071" v="10"/>
+          <ac:spMkLst>
+            <pc:docMk/>
+            <pc:sldMk cId="3120181636" sldId="258"/>
+            <ac:spMk id="31" creationId="{4A8FB22C-82C4-4099-9E60-BB1DE8FA26D6}"/>
+          </ac:spMkLst>
+        </pc:spChg>
+        <pc:spChg chg="mod">
+          <ac:chgData name="Paul Butler" userId="df8f2140a6bcd2b8" providerId="LiveId" clId="{A198776E-7B19-4223-B512-F0153567CC7B}" dt="2021-04-10T03:29:44.266" v="13" actId="1076"/>
+          <ac:spMkLst>
+            <pc:docMk/>
+            <pc:sldMk cId="3120181636" sldId="258"/>
+            <ac:spMk id="32" creationId="{2453544B-8FD9-4E7B-BD88-CD35EF2FC220}"/>
+          </ac:spMkLst>
+        </pc:spChg>
+        <pc:spChg chg="mod">
+          <ac:chgData name="Paul Butler" userId="df8f2140a6bcd2b8" providerId="LiveId" clId="{A198776E-7B19-4223-B512-F0153567CC7B}" dt="2021-04-10T03:29:28.071" v="10"/>
+          <ac:spMkLst>
+            <pc:docMk/>
+            <pc:sldMk cId="3120181636" sldId="258"/>
+            <ac:spMk id="33" creationId="{538E6BAD-99C6-41F9-A2CD-F048D5650ABD}"/>
+          </ac:spMkLst>
+        </pc:spChg>
+        <pc:spChg chg="mod">
+          <ac:chgData name="Paul Butler" userId="df8f2140a6bcd2b8" providerId="LiveId" clId="{A198776E-7B19-4223-B512-F0153567CC7B}" dt="2021-04-10T03:29:28.071" v="10"/>
+          <ac:spMkLst>
+            <pc:docMk/>
+            <pc:sldMk cId="3120181636" sldId="258"/>
+            <ac:spMk id="36" creationId="{D1E7E3C6-073A-482B-8353-7F9D86FD280F}"/>
+          </ac:spMkLst>
+        </pc:spChg>
+        <pc:spChg chg="mod">
+          <ac:chgData name="Paul Butler" userId="df8f2140a6bcd2b8" providerId="LiveId" clId="{A198776E-7B19-4223-B512-F0153567CC7B}" dt="2021-04-10T03:31:03.101" v="20" actId="1076"/>
+          <ac:spMkLst>
+            <pc:docMk/>
+            <pc:sldMk cId="3120181636" sldId="258"/>
+            <ac:spMk id="43" creationId="{7FA4DA22-3B93-449B-8C6E-34D4F9426669}"/>
+          </ac:spMkLst>
+        </pc:spChg>
+        <pc:spChg chg="mod">
+          <ac:chgData name="Paul Butler" userId="df8f2140a6bcd2b8" providerId="LiveId" clId="{A198776E-7B19-4223-B512-F0153567CC7B}" dt="2021-04-10T03:30:41.901" v="17" actId="1076"/>
+          <ac:spMkLst>
+            <pc:docMk/>
+            <pc:sldMk cId="3120181636" sldId="258"/>
+            <ac:spMk id="45" creationId="{0748E85A-C508-4FCB-B469-6B9EEE75B5FC}"/>
+          </ac:spMkLst>
+        </pc:spChg>
+        <pc:spChg chg="mod">
+          <ac:chgData name="Paul Butler" userId="df8f2140a6bcd2b8" providerId="LiveId" clId="{A198776E-7B19-4223-B512-F0153567CC7B}" dt="2021-04-10T03:31:17.645" v="21" actId="1076"/>
+          <ac:spMkLst>
+            <pc:docMk/>
+            <pc:sldMk cId="3120181636" sldId="258"/>
+            <ac:spMk id="46" creationId="{226E2D9B-84A2-4B69-A75E-061DB71012F9}"/>
+          </ac:spMkLst>
+        </pc:spChg>
+        <pc:spChg chg="mod">
+          <ac:chgData name="Paul Butler" userId="df8f2140a6bcd2b8" providerId="LiveId" clId="{A198776E-7B19-4223-B512-F0153567CC7B}" dt="2021-04-10T03:30:33.101" v="16" actId="1076"/>
+          <ac:spMkLst>
+            <pc:docMk/>
+            <pc:sldMk cId="3120181636" sldId="258"/>
+            <ac:spMk id="47" creationId="{521AD12A-EF34-44E9-B5E3-C686749BD6CA}"/>
+          </ac:spMkLst>
+        </pc:spChg>
+        <pc:spChg chg="mod">
+          <ac:chgData name="Paul Butler" userId="df8f2140a6bcd2b8" providerId="LiveId" clId="{A198776E-7B19-4223-B512-F0153567CC7B}" dt="2021-04-10T03:30:14.040" v="14"/>
+          <ac:spMkLst>
+            <pc:docMk/>
+            <pc:sldMk cId="3120181636" sldId="258"/>
+            <ac:spMk id="50" creationId="{C8C65A16-1D55-4677-9711-F44E655354F0}"/>
+          </ac:spMkLst>
+        </pc:spChg>
+        <pc:spChg chg="mod">
+          <ac:chgData name="Paul Butler" userId="df8f2140a6bcd2b8" providerId="LiveId" clId="{A198776E-7B19-4223-B512-F0153567CC7B}" dt="2021-04-10T17:58:41.177" v="27"/>
+          <ac:spMkLst>
+            <pc:docMk/>
+            <pc:sldMk cId="3120181636" sldId="258"/>
+            <ac:spMk id="57" creationId="{854D3576-CCAA-4B88-BB93-BAB966EF1B65}"/>
+          </ac:spMkLst>
+        </pc:spChg>
+        <pc:spChg chg="del mod">
+          <ac:chgData name="Paul Butler" userId="df8f2140a6bcd2b8" providerId="LiveId" clId="{A198776E-7B19-4223-B512-F0153567CC7B}" dt="2021-04-10T17:58:52.369" v="29" actId="478"/>
+          <ac:spMkLst>
+            <pc:docMk/>
+            <pc:sldMk cId="3120181636" sldId="258"/>
+            <ac:spMk id="59" creationId="{5EF59EA2-3DB5-42EC-8740-3E9B445609AF}"/>
+          </ac:spMkLst>
+        </pc:spChg>
+        <pc:spChg chg="del mod">
+          <ac:chgData name="Paul Butler" userId="df8f2140a6bcd2b8" providerId="LiveId" clId="{A198776E-7B19-4223-B512-F0153567CC7B}" dt="2021-04-10T17:58:55.244" v="30" actId="478"/>
+          <ac:spMkLst>
+            <pc:docMk/>
+            <pc:sldMk cId="3120181636" sldId="258"/>
+            <ac:spMk id="60" creationId="{BCD66EA0-71A6-479E-8A2A-D7D2EA0B9E0D}"/>
+          </ac:spMkLst>
+        </pc:spChg>
+        <pc:spChg chg="mod">
+          <ac:chgData name="Paul Butler" userId="df8f2140a6bcd2b8" providerId="LiveId" clId="{A198776E-7B19-4223-B512-F0153567CC7B}" dt="2021-04-10T17:58:41.177" v="27"/>
+          <ac:spMkLst>
+            <pc:docMk/>
+            <pc:sldMk cId="3120181636" sldId="258"/>
+            <ac:spMk id="61" creationId="{5A5285F6-5570-47B1-8AFB-021F69729813}"/>
+          </ac:spMkLst>
+        </pc:spChg>
+        <pc:spChg chg="mod">
+          <ac:chgData name="Paul Butler" userId="df8f2140a6bcd2b8" providerId="LiveId" clId="{A198776E-7B19-4223-B512-F0153567CC7B}" dt="2021-04-10T17:58:41.177" v="27"/>
+          <ac:spMkLst>
+            <pc:docMk/>
+            <pc:sldMk cId="3120181636" sldId="258"/>
+            <ac:spMk id="64" creationId="{1A84370D-A97E-47A8-AFD6-224697B2F611}"/>
+          </ac:spMkLst>
+        </pc:spChg>
+        <pc:spChg chg="mod">
+          <ac:chgData name="Paul Butler" userId="df8f2140a6bcd2b8" providerId="LiveId" clId="{A198776E-7B19-4223-B512-F0153567CC7B}" dt="2021-04-10T18:03:32.260" v="32" actId="571"/>
+          <ac:spMkLst>
+            <pc:docMk/>
+            <pc:sldMk cId="3120181636" sldId="258"/>
+            <ac:spMk id="72" creationId="{33E1B98B-4348-441C-9AD6-F25E7FE60D2D}"/>
+          </ac:spMkLst>
+        </pc:spChg>
+        <pc:spChg chg="mod">
+          <ac:chgData name="Paul Butler" userId="df8f2140a6bcd2b8" providerId="LiveId" clId="{A198776E-7B19-4223-B512-F0153567CC7B}" dt="2021-04-10T18:03:32.260" v="32" actId="571"/>
+          <ac:spMkLst>
+            <pc:docMk/>
+            <pc:sldMk cId="3120181636" sldId="258"/>
+            <ac:spMk id="75" creationId="{69064978-59DF-46E4-B97D-28AC3F85ED8D}"/>
+          </ac:spMkLst>
+        </pc:spChg>
+        <pc:spChg chg="mod">
+          <ac:chgData name="Paul Butler" userId="df8f2140a6bcd2b8" providerId="LiveId" clId="{A198776E-7B19-4223-B512-F0153567CC7B}" dt="2021-04-10T18:03:49.242" v="34" actId="571"/>
+          <ac:spMkLst>
+            <pc:docMk/>
+            <pc:sldMk cId="3120181636" sldId="258"/>
+            <ac:spMk id="82" creationId="{2F9CD883-571C-4310-B59F-51E0A00ED459}"/>
+          </ac:spMkLst>
+        </pc:spChg>
+        <pc:spChg chg="mod">
+          <ac:chgData name="Paul Butler" userId="df8f2140a6bcd2b8" providerId="LiveId" clId="{A198776E-7B19-4223-B512-F0153567CC7B}" dt="2021-04-10T18:03:49.242" v="34" actId="571"/>
+          <ac:spMkLst>
+            <pc:docMk/>
+            <pc:sldMk cId="3120181636" sldId="258"/>
+            <ac:spMk id="84" creationId="{6355331F-6551-440D-867C-3AE52E24ECB9}"/>
+          </ac:spMkLst>
+        </pc:spChg>
+        <pc:spChg chg="del mod">
+          <ac:chgData name="Paul Butler" userId="df8f2140a6bcd2b8" providerId="LiveId" clId="{A198776E-7B19-4223-B512-F0153567CC7B}" dt="2021-04-10T18:03:52.552" v="35" actId="478"/>
+          <ac:spMkLst>
+            <pc:docMk/>
+            <pc:sldMk cId="3120181636" sldId="258"/>
+            <ac:spMk id="85" creationId="{F6F1AB01-4FA6-46EE-B235-911D2DF96E0A}"/>
+          </ac:spMkLst>
+        </pc:spChg>
+        <pc:spChg chg="mod">
+          <ac:chgData name="Paul Butler" userId="df8f2140a6bcd2b8" providerId="LiveId" clId="{A198776E-7B19-4223-B512-F0153567CC7B}" dt="2021-04-10T18:03:49.242" v="34" actId="571"/>
+          <ac:spMkLst>
+            <pc:docMk/>
+            <pc:sldMk cId="3120181636" sldId="258"/>
+            <ac:spMk id="86" creationId="{64055AC5-D6E8-493B-A4F5-8E670023ED59}"/>
+          </ac:spMkLst>
+        </pc:spChg>
+        <pc:spChg chg="mod">
+          <ac:chgData name="Paul Butler" userId="df8f2140a6bcd2b8" providerId="LiveId" clId="{A198776E-7B19-4223-B512-F0153567CC7B}" dt="2021-04-10T18:03:49.242" v="34" actId="571"/>
+          <ac:spMkLst>
+            <pc:docMk/>
+            <pc:sldMk cId="3120181636" sldId="258"/>
+            <ac:spMk id="89" creationId="{678D45A3-A8E2-485E-9680-D577A3EC4B56}"/>
+          </ac:spMkLst>
+        </pc:spChg>
+        <pc:spChg chg="mod ord">
+          <ac:chgData name="Paul Butler" userId="df8f2140a6bcd2b8" providerId="LiveId" clId="{A198776E-7B19-4223-B512-F0153567CC7B}" dt="2021-04-10T18:04:49.612" v="40" actId="1076"/>
+          <ac:spMkLst>
+            <pc:docMk/>
+            <pc:sldMk cId="3120181636" sldId="258"/>
+            <ac:spMk id="96" creationId="{63766960-EB8D-4D8F-8A0C-2FC0BC5CFE39}"/>
+          </ac:spMkLst>
+        </pc:spChg>
+        <pc:spChg chg="mod">
+          <ac:chgData name="Paul Butler" userId="df8f2140a6bcd2b8" providerId="LiveId" clId="{A198776E-7B19-4223-B512-F0153567CC7B}" dt="2021-04-10T18:04:00.958" v="36" actId="571"/>
+          <ac:spMkLst>
+            <pc:docMk/>
+            <pc:sldMk cId="3120181636" sldId="258"/>
+            <ac:spMk id="98" creationId="{D375399B-B139-4F4E-A48D-55D5A6371CFF}"/>
+          </ac:spMkLst>
+        </pc:spChg>
+        <pc:spChg chg="mod">
+          <ac:chgData name="Paul Butler" userId="df8f2140a6bcd2b8" providerId="LiveId" clId="{A198776E-7B19-4223-B512-F0153567CC7B}" dt="2021-04-10T18:04:00.958" v="36" actId="571"/>
+          <ac:spMkLst>
+            <pc:docMk/>
+            <pc:sldMk cId="3120181636" sldId="258"/>
+            <ac:spMk id="101" creationId="{4E54ED85-E555-4673-88B0-482C386441D4}"/>
+          </ac:spMkLst>
+        </pc:spChg>
+        <pc:spChg chg="mod">
+          <ac:chgData name="Paul Butler" userId="df8f2140a6bcd2b8" providerId="LiveId" clId="{A198776E-7B19-4223-B512-F0153567CC7B}" dt="2021-04-10T18:05:13.483" v="42" actId="1076"/>
+          <ac:spMkLst>
+            <pc:docMk/>
+            <pc:sldMk cId="3120181636" sldId="258"/>
+            <ac:spMk id="109" creationId="{10F0E26F-1DDE-4B09-8B3B-0809E49A5427}"/>
+          </ac:spMkLst>
+        </pc:spChg>
+        <pc:spChg chg="mod">
+          <ac:chgData name="Paul Butler" userId="df8f2140a6bcd2b8" providerId="LiveId" clId="{A198776E-7B19-4223-B512-F0153567CC7B}" dt="2021-04-10T18:05:04.666" v="41" actId="571"/>
+          <ac:spMkLst>
+            <pc:docMk/>
+            <pc:sldMk cId="3120181636" sldId="258"/>
+            <ac:spMk id="110" creationId="{016E325B-0E81-4610-9EBD-DE0CDBEE9643}"/>
+          </ac:spMkLst>
+        </pc:spChg>
+        <pc:spChg chg="mod">
+          <ac:chgData name="Paul Butler" userId="df8f2140a6bcd2b8" providerId="LiveId" clId="{A198776E-7B19-4223-B512-F0153567CC7B}" dt="2021-04-10T18:05:04.666" v="41" actId="571"/>
+          <ac:spMkLst>
+            <pc:docMk/>
+            <pc:sldMk cId="3120181636" sldId="258"/>
+            <ac:spMk id="111" creationId="{E6A82C53-5B44-4F06-BA0D-41A01DABD29C}"/>
+          </ac:spMkLst>
+        </pc:spChg>
+        <pc:spChg chg="mod">
+          <ac:chgData name="Paul Butler" userId="df8f2140a6bcd2b8" providerId="LiveId" clId="{A198776E-7B19-4223-B512-F0153567CC7B}" dt="2021-04-10T18:05:04.666" v="41" actId="571"/>
+          <ac:spMkLst>
+            <pc:docMk/>
+            <pc:sldMk cId="3120181636" sldId="258"/>
+            <ac:spMk id="114" creationId="{A8E263DD-3A03-4AAF-BF99-C7BABFF7F5C5}"/>
+          </ac:spMkLst>
+        </pc:spChg>
+        <pc:grpChg chg="add mod">
+          <ac:chgData name="Paul Butler" userId="df8f2140a6bcd2b8" providerId="LiveId" clId="{A198776E-7B19-4223-B512-F0153567CC7B}" dt="2021-04-10T18:03:27.973" v="31" actId="1076"/>
+          <ac:grpSpMkLst>
+            <pc:docMk/>
+            <pc:sldMk cId="3120181636" sldId="258"/>
+            <ac:grpSpMk id="4" creationId="{6981C58C-AA58-4E75-BCC7-0BE0C88031EF}"/>
+          </ac:grpSpMkLst>
+        </pc:grpChg>
+        <pc:grpChg chg="mod">
+          <ac:chgData name="Paul Butler" userId="df8f2140a6bcd2b8" providerId="LiveId" clId="{A198776E-7B19-4223-B512-F0153567CC7B}" dt="2021-04-10T03:28:24.489" v="1"/>
+          <ac:grpSpMkLst>
+            <pc:docMk/>
+            <pc:sldMk cId="3120181636" sldId="258"/>
+            <ac:grpSpMk id="5" creationId="{681169C4-AC65-4157-8B5F-1D89DD0A485E}"/>
+          </ac:grpSpMkLst>
+        </pc:grpChg>
+        <pc:grpChg chg="mod">
+          <ac:chgData name="Paul Butler" userId="df8f2140a6bcd2b8" providerId="LiveId" clId="{A198776E-7B19-4223-B512-F0153567CC7B}" dt="2021-04-10T03:28:24.489" v="1"/>
+          <ac:grpSpMkLst>
+            <pc:docMk/>
+            <pc:sldMk cId="3120181636" sldId="258"/>
+            <ac:grpSpMk id="7" creationId="{C9DDEAE1-D5C4-4CDF-8CB2-B47C9350ED02}"/>
+          </ac:grpSpMkLst>
+        </pc:grpChg>
+        <pc:grpChg chg="add mod">
+          <ac:chgData name="Paul Butler" userId="df8f2140a6bcd2b8" providerId="LiveId" clId="{A198776E-7B19-4223-B512-F0153567CC7B}" dt="2021-04-10T03:38:40.983" v="26" actId="14100"/>
+          <ac:grpSpMkLst>
+            <pc:docMk/>
+            <pc:sldMk cId="3120181636" sldId="258"/>
+            <ac:grpSpMk id="15" creationId="{ED4CEEC3-8A23-4499-891D-14946A4063F0}"/>
+          </ac:grpSpMkLst>
+        </pc:grpChg>
+        <pc:grpChg chg="mod">
+          <ac:chgData name="Paul Butler" userId="df8f2140a6bcd2b8" providerId="LiveId" clId="{A198776E-7B19-4223-B512-F0153567CC7B}" dt="2021-04-10T03:29:02.298" v="5"/>
+          <ac:grpSpMkLst>
+            <pc:docMk/>
+            <pc:sldMk cId="3120181636" sldId="258"/>
+            <ac:grpSpMk id="16" creationId="{65B51F1E-0337-47EE-B253-DC53A07313E3}"/>
+          </ac:grpSpMkLst>
+        </pc:grpChg>
+        <pc:grpChg chg="mod">
+          <ac:chgData name="Paul Butler" userId="df8f2140a6bcd2b8" providerId="LiveId" clId="{A198776E-7B19-4223-B512-F0153567CC7B}" dt="2021-04-10T03:29:02.298" v="5"/>
+          <ac:grpSpMkLst>
+            <pc:docMk/>
+            <pc:sldMk cId="3120181636" sldId="258"/>
+            <ac:grpSpMk id="21" creationId="{8588B341-0D61-4965-9AF3-097653DF77A6}"/>
+          </ac:grpSpMkLst>
+        </pc:grpChg>
+        <pc:grpChg chg="add mod">
+          <ac:chgData name="Paul Butler" userId="df8f2140a6bcd2b8" providerId="LiveId" clId="{A198776E-7B19-4223-B512-F0153567CC7B}" dt="2021-04-10T03:38:40.983" v="26" actId="14100"/>
+          <ac:grpSpMkLst>
+            <pc:docMk/>
+            <pc:sldMk cId="3120181636" sldId="258"/>
+            <ac:grpSpMk id="29" creationId="{475D6823-6ACD-49DE-9567-0B2BF259B195}"/>
+          </ac:grpSpMkLst>
+        </pc:grpChg>
+        <pc:grpChg chg="mod">
+          <ac:chgData name="Paul Butler" userId="df8f2140a6bcd2b8" providerId="LiveId" clId="{A198776E-7B19-4223-B512-F0153567CC7B}" dt="2021-04-10T03:29:28.071" v="10"/>
+          <ac:grpSpMkLst>
+            <pc:docMk/>
+            <pc:sldMk cId="3120181636" sldId="258"/>
+            <ac:grpSpMk id="30" creationId="{E654405F-79B1-4632-9E91-382D9EB03AB3}"/>
+          </ac:grpSpMkLst>
+        </pc:grpChg>
+        <pc:grpChg chg="mod">
+          <ac:chgData name="Paul Butler" userId="df8f2140a6bcd2b8" providerId="LiveId" clId="{A198776E-7B19-4223-B512-F0153567CC7B}" dt="2021-04-10T03:29:28.071" v="10"/>
+          <ac:grpSpMkLst>
+            <pc:docMk/>
+            <pc:sldMk cId="3120181636" sldId="258"/>
+            <ac:grpSpMk id="34" creationId="{22703A36-6680-41CF-AC38-21DC740F10F8}"/>
+          </ac:grpSpMkLst>
+        </pc:grpChg>
+        <pc:grpChg chg="add mod">
+          <ac:chgData name="Paul Butler" userId="df8f2140a6bcd2b8" providerId="LiveId" clId="{A198776E-7B19-4223-B512-F0153567CC7B}" dt="2021-04-10T03:38:40.983" v="26" actId="14100"/>
+          <ac:grpSpMkLst>
+            <pc:docMk/>
+            <pc:sldMk cId="3120181636" sldId="258"/>
+            <ac:grpSpMk id="42" creationId="{8D041900-2D41-4F1F-8EE0-FC6534761F0C}"/>
+          </ac:grpSpMkLst>
+        </pc:grpChg>
+        <pc:grpChg chg="mod">
+          <ac:chgData name="Paul Butler" userId="df8f2140a6bcd2b8" providerId="LiveId" clId="{A198776E-7B19-4223-B512-F0153567CC7B}" dt="2021-04-10T03:30:14.040" v="14"/>
+          <ac:grpSpMkLst>
+            <pc:docMk/>
+            <pc:sldMk cId="3120181636" sldId="258"/>
+            <ac:grpSpMk id="44" creationId="{44C5E2C7-CC8C-4BCD-995F-E50704942A9E}"/>
+          </ac:grpSpMkLst>
+        </pc:grpChg>
+        <pc:grpChg chg="mod">
+          <ac:chgData name="Paul Butler" userId="df8f2140a6bcd2b8" providerId="LiveId" clId="{A198776E-7B19-4223-B512-F0153567CC7B}" dt="2021-04-10T03:30:14.040" v="14"/>
+          <ac:grpSpMkLst>
+            <pc:docMk/>
+            <pc:sldMk cId="3120181636" sldId="258"/>
+            <ac:grpSpMk id="48" creationId="{58163767-91BF-4433-9119-B6429ACDDCFC}"/>
+          </ac:grpSpMkLst>
+        </pc:grpChg>
+        <pc:grpChg chg="add mod">
+          <ac:chgData name="Paul Butler" userId="df8f2140a6bcd2b8" providerId="LiveId" clId="{A198776E-7B19-4223-B512-F0153567CC7B}" dt="2021-04-10T17:58:44.351" v="28" actId="1076"/>
+          <ac:grpSpMkLst>
+            <pc:docMk/>
+            <pc:sldMk cId="3120181636" sldId="258"/>
+            <ac:grpSpMk id="56" creationId="{75C26D6A-4E84-48BD-A814-13CB3E72D560}"/>
+          </ac:grpSpMkLst>
+        </pc:grpChg>
+        <pc:grpChg chg="mod">
+          <ac:chgData name="Paul Butler" userId="df8f2140a6bcd2b8" providerId="LiveId" clId="{A198776E-7B19-4223-B512-F0153567CC7B}" dt="2021-04-10T17:58:41.177" v="27"/>
+          <ac:grpSpMkLst>
+            <pc:docMk/>
+            <pc:sldMk cId="3120181636" sldId="258"/>
+            <ac:grpSpMk id="58" creationId="{31D27A2F-CCA8-4FD9-8E14-59F9F9774120}"/>
+          </ac:grpSpMkLst>
+        </pc:grpChg>
+        <pc:grpChg chg="mod">
+          <ac:chgData name="Paul Butler" userId="df8f2140a6bcd2b8" providerId="LiveId" clId="{A198776E-7B19-4223-B512-F0153567CC7B}" dt="2021-04-10T17:58:41.177" v="27"/>
+          <ac:grpSpMkLst>
+            <pc:docMk/>
+            <pc:sldMk cId="3120181636" sldId="258"/>
+            <ac:grpSpMk id="62" creationId="{B0EE8C60-F937-4E26-A6D6-8F8F87C86C75}"/>
+          </ac:grpSpMkLst>
+        </pc:grpChg>
+        <pc:grpChg chg="add mod">
+          <ac:chgData name="Paul Butler" userId="df8f2140a6bcd2b8" providerId="LiveId" clId="{A198776E-7B19-4223-B512-F0153567CC7B}" dt="2021-04-10T18:03:32.260" v="32" actId="571"/>
+          <ac:grpSpMkLst>
+            <pc:docMk/>
+            <pc:sldMk cId="3120181636" sldId="258"/>
+            <ac:grpSpMk id="70" creationId="{4183EBF2-F464-4FF2-A103-BE6BCBB38A64}"/>
+          </ac:grpSpMkLst>
+        </pc:grpChg>
+        <pc:grpChg chg="mod">
+          <ac:chgData name="Paul Butler" userId="df8f2140a6bcd2b8" providerId="LiveId" clId="{A198776E-7B19-4223-B512-F0153567CC7B}" dt="2021-04-10T18:03:32.260" v="32" actId="571"/>
+          <ac:grpSpMkLst>
+            <pc:docMk/>
+            <pc:sldMk cId="3120181636" sldId="258"/>
+            <ac:grpSpMk id="71" creationId="{47D29031-7241-456F-A94F-80CB7F46D8C9}"/>
+          </ac:grpSpMkLst>
+        </pc:grpChg>
+        <pc:grpChg chg="mod">
+          <ac:chgData name="Paul Butler" userId="df8f2140a6bcd2b8" providerId="LiveId" clId="{A198776E-7B19-4223-B512-F0153567CC7B}" dt="2021-04-10T18:03:32.260" v="32" actId="571"/>
+          <ac:grpSpMkLst>
+            <pc:docMk/>
+            <pc:sldMk cId="3120181636" sldId="258"/>
+            <ac:grpSpMk id="73" creationId="{C13BD5B2-B5FA-4B43-ABBF-268628DA5FD3}"/>
+          </ac:grpSpMkLst>
+        </pc:grpChg>
+        <pc:grpChg chg="add mod">
+          <ac:chgData name="Paul Butler" userId="df8f2140a6bcd2b8" providerId="LiveId" clId="{A198776E-7B19-4223-B512-F0153567CC7B}" dt="2021-04-10T18:03:49.242" v="34" actId="571"/>
+          <ac:grpSpMkLst>
+            <pc:docMk/>
+            <pc:sldMk cId="3120181636" sldId="258"/>
+            <ac:grpSpMk id="81" creationId="{56F3F044-85BC-4A5E-AA42-3234A1F4C7F0}"/>
+          </ac:grpSpMkLst>
+        </pc:grpChg>
+        <pc:grpChg chg="mod">
+          <ac:chgData name="Paul Butler" userId="df8f2140a6bcd2b8" providerId="LiveId" clId="{A198776E-7B19-4223-B512-F0153567CC7B}" dt="2021-04-10T18:03:49.242" v="34" actId="571"/>
+          <ac:grpSpMkLst>
+            <pc:docMk/>
+            <pc:sldMk cId="3120181636" sldId="258"/>
+            <ac:grpSpMk id="83" creationId="{27B2CBC0-9DF4-438C-8CCE-07EC30B7E70D}"/>
+          </ac:grpSpMkLst>
+        </pc:grpChg>
+        <pc:grpChg chg="mod">
+          <ac:chgData name="Paul Butler" userId="df8f2140a6bcd2b8" providerId="LiveId" clId="{A198776E-7B19-4223-B512-F0153567CC7B}" dt="2021-04-10T18:03:49.242" v="34" actId="571"/>
+          <ac:grpSpMkLst>
+            <pc:docMk/>
+            <pc:sldMk cId="3120181636" sldId="258"/>
+            <ac:grpSpMk id="87" creationId="{A2A62405-E286-4CE4-BDFC-88F562CD3AB1}"/>
+          </ac:grpSpMkLst>
+        </pc:grpChg>
+        <pc:grpChg chg="add mod">
+          <ac:chgData name="Paul Butler" userId="df8f2140a6bcd2b8" providerId="LiveId" clId="{A198776E-7B19-4223-B512-F0153567CC7B}" dt="2021-04-10T18:04:00.958" v="36" actId="571"/>
+          <ac:grpSpMkLst>
+            <pc:docMk/>
+            <pc:sldMk cId="3120181636" sldId="258"/>
+            <ac:grpSpMk id="95" creationId="{837645F2-32D6-4C41-B291-A201D7B538DE}"/>
+          </ac:grpSpMkLst>
+        </pc:grpChg>
+        <pc:grpChg chg="mod">
+          <ac:chgData name="Paul Butler" userId="df8f2140a6bcd2b8" providerId="LiveId" clId="{A198776E-7B19-4223-B512-F0153567CC7B}" dt="2021-04-10T18:04:00.958" v="36" actId="571"/>
+          <ac:grpSpMkLst>
+            <pc:docMk/>
+            <pc:sldMk cId="3120181636" sldId="258"/>
+            <ac:grpSpMk id="97" creationId="{70C634F6-418E-4757-846A-5D28892DF71B}"/>
+          </ac:grpSpMkLst>
+        </pc:grpChg>
+        <pc:grpChg chg="mod">
+          <ac:chgData name="Paul Butler" userId="df8f2140a6bcd2b8" providerId="LiveId" clId="{A198776E-7B19-4223-B512-F0153567CC7B}" dt="2021-04-10T18:04:00.958" v="36" actId="571"/>
+          <ac:grpSpMkLst>
+            <pc:docMk/>
+            <pc:sldMk cId="3120181636" sldId="258"/>
+            <ac:grpSpMk id="99" creationId="{7B25D868-9A56-4BC8-B4EC-427D4F97589C}"/>
+          </ac:grpSpMkLst>
+        </pc:grpChg>
+        <pc:grpChg chg="add mod">
+          <ac:chgData name="Paul Butler" userId="df8f2140a6bcd2b8" providerId="LiveId" clId="{A198776E-7B19-4223-B512-F0153567CC7B}" dt="2021-04-10T18:05:04.666" v="41" actId="571"/>
+          <ac:grpSpMkLst>
+            <pc:docMk/>
+            <pc:sldMk cId="3120181636" sldId="258"/>
+            <ac:grpSpMk id="107" creationId="{5A999C65-2FBB-4300-B543-9A3068E63820}"/>
+          </ac:grpSpMkLst>
+        </pc:grpChg>
+        <pc:grpChg chg="mod">
+          <ac:chgData name="Paul Butler" userId="df8f2140a6bcd2b8" providerId="LiveId" clId="{A198776E-7B19-4223-B512-F0153567CC7B}" dt="2021-04-10T18:05:04.666" v="41" actId="571"/>
+          <ac:grpSpMkLst>
+            <pc:docMk/>
+            <pc:sldMk cId="3120181636" sldId="258"/>
+            <ac:grpSpMk id="108" creationId="{37069436-F529-43E4-9C52-DF7E3431C227}"/>
+          </ac:grpSpMkLst>
+        </pc:grpChg>
+        <pc:grpChg chg="mod">
+          <ac:chgData name="Paul Butler" userId="df8f2140a6bcd2b8" providerId="LiveId" clId="{A198776E-7B19-4223-B512-F0153567CC7B}" dt="2021-04-10T18:05:04.666" v="41" actId="571"/>
+          <ac:grpSpMkLst>
+            <pc:docMk/>
+            <pc:sldMk cId="3120181636" sldId="258"/>
+            <ac:grpSpMk id="112" creationId="{B56EB15D-B1BF-4510-A135-EF7A0C508264}"/>
+          </ac:grpSpMkLst>
+        </pc:grpChg>
+        <pc:cxnChg chg="mod">
+          <ac:chgData name="Paul Butler" userId="df8f2140a6bcd2b8" providerId="LiveId" clId="{A198776E-7B19-4223-B512-F0153567CC7B}" dt="2021-04-10T03:37:55.802" v="22" actId="14100"/>
+          <ac:cxnSpMkLst>
+            <pc:docMk/>
+            <pc:sldMk cId="3120181636" sldId="258"/>
+            <ac:cxnSpMk id="8" creationId="{1476DCC0-40AB-4E9B-98E4-D62CC9466142}"/>
+          </ac:cxnSpMkLst>
+        </pc:cxnChg>
+        <pc:cxnChg chg="mod">
+          <ac:chgData name="Paul Butler" userId="df8f2140a6bcd2b8" providerId="LiveId" clId="{A198776E-7B19-4223-B512-F0153567CC7B}" dt="2021-04-10T03:28:24.489" v="1"/>
+          <ac:cxnSpMkLst>
+            <pc:docMk/>
+            <pc:sldMk cId="3120181636" sldId="258"/>
+            <ac:cxnSpMk id="10" creationId="{F6D2EE63-C952-4A4C-B999-62F45B2B8A79}"/>
+          </ac:cxnSpMkLst>
+        </pc:cxnChg>
+        <pc:cxnChg chg="mod">
+          <ac:chgData name="Paul Butler" userId="df8f2140a6bcd2b8" providerId="LiveId" clId="{A198776E-7B19-4223-B512-F0153567CC7B}" dt="2021-04-10T03:28:24.489" v="1"/>
+          <ac:cxnSpMkLst>
+            <pc:docMk/>
+            <pc:sldMk cId="3120181636" sldId="258"/>
+            <ac:cxnSpMk id="11" creationId="{B5911EDD-F74F-4B25-A480-47267EF568E8}"/>
+          </ac:cxnSpMkLst>
+        </pc:cxnChg>
+        <pc:cxnChg chg="mod">
+          <ac:chgData name="Paul Butler" userId="df8f2140a6bcd2b8" providerId="LiveId" clId="{A198776E-7B19-4223-B512-F0153567CC7B}" dt="2021-04-10T03:28:24.489" v="1"/>
+          <ac:cxnSpMkLst>
+            <pc:docMk/>
+            <pc:sldMk cId="3120181636" sldId="258"/>
+            <ac:cxnSpMk id="12" creationId="{834A3DAF-B0AE-4380-B876-F0FF08B2B15C}"/>
+          </ac:cxnSpMkLst>
+        </pc:cxnChg>
+        <pc:cxnChg chg="mod">
+          <ac:chgData name="Paul Butler" userId="df8f2140a6bcd2b8" providerId="LiveId" clId="{A198776E-7B19-4223-B512-F0153567CC7B}" dt="2021-04-10T03:28:24.489" v="1"/>
+          <ac:cxnSpMkLst>
+            <pc:docMk/>
+            <pc:sldMk cId="3120181636" sldId="258"/>
+            <ac:cxnSpMk id="13" creationId="{1B77A008-AA46-46D6-8D6D-7FD5864BF4F9}"/>
+          </ac:cxnSpMkLst>
+        </pc:cxnChg>
+        <pc:cxnChg chg="mod">
+          <ac:chgData name="Paul Butler" userId="df8f2140a6bcd2b8" providerId="LiveId" clId="{A198776E-7B19-4223-B512-F0153567CC7B}" dt="2021-04-10T03:28:24.489" v="1"/>
+          <ac:cxnSpMkLst>
+            <pc:docMk/>
+            <pc:sldMk cId="3120181636" sldId="258"/>
+            <ac:cxnSpMk id="14" creationId="{E9005E65-3204-49DC-83D9-BDFA4F003223}"/>
+          </ac:cxnSpMkLst>
+        </pc:cxnChg>
+        <pc:cxnChg chg="mod">
+          <ac:chgData name="Paul Butler" userId="df8f2140a6bcd2b8" providerId="LiveId" clId="{A198776E-7B19-4223-B512-F0153567CC7B}" dt="2021-04-10T03:29:02.298" v="5"/>
+          <ac:cxnSpMkLst>
+            <pc:docMk/>
+            <pc:sldMk cId="3120181636" sldId="258"/>
+            <ac:cxnSpMk id="22" creationId="{EB67E8EE-41DA-4D4E-9443-55A1C3D4AAAC}"/>
+          </ac:cxnSpMkLst>
+        </pc:cxnChg>
+        <pc:cxnChg chg="mod">
+          <ac:chgData name="Paul Butler" userId="df8f2140a6bcd2b8" providerId="LiveId" clId="{A198776E-7B19-4223-B512-F0153567CC7B}" dt="2021-04-10T03:29:02.298" v="5"/>
+          <ac:cxnSpMkLst>
+            <pc:docMk/>
+            <pc:sldMk cId="3120181636" sldId="258"/>
+            <ac:cxnSpMk id="24" creationId="{16FA282D-5EE0-4069-853C-A3ACC1E72810}"/>
+          </ac:cxnSpMkLst>
+        </pc:cxnChg>
+        <pc:cxnChg chg="mod">
+          <ac:chgData name="Paul Butler" userId="df8f2140a6bcd2b8" providerId="LiveId" clId="{A198776E-7B19-4223-B512-F0153567CC7B}" dt="2021-04-10T03:29:02.298" v="5"/>
+          <ac:cxnSpMkLst>
+            <pc:docMk/>
+            <pc:sldMk cId="3120181636" sldId="258"/>
+            <ac:cxnSpMk id="25" creationId="{0E6C7F50-4980-4F7E-AC93-91137A976317}"/>
+          </ac:cxnSpMkLst>
+        </pc:cxnChg>
+        <pc:cxnChg chg="mod">
+          <ac:chgData name="Paul Butler" userId="df8f2140a6bcd2b8" providerId="LiveId" clId="{A198776E-7B19-4223-B512-F0153567CC7B}" dt="2021-04-10T03:29:02.298" v="5"/>
+          <ac:cxnSpMkLst>
+            <pc:docMk/>
+            <pc:sldMk cId="3120181636" sldId="258"/>
+            <ac:cxnSpMk id="26" creationId="{626B9044-0F41-468F-AA95-E6F014C85D5E}"/>
+          </ac:cxnSpMkLst>
+        </pc:cxnChg>
+        <pc:cxnChg chg="mod">
+          <ac:chgData name="Paul Butler" userId="df8f2140a6bcd2b8" providerId="LiveId" clId="{A198776E-7B19-4223-B512-F0153567CC7B}" dt="2021-04-10T03:29:02.298" v="5"/>
+          <ac:cxnSpMkLst>
+            <pc:docMk/>
+            <pc:sldMk cId="3120181636" sldId="258"/>
+            <ac:cxnSpMk id="27" creationId="{8AFA6C29-592C-4C5C-A5C3-0A152C3EC508}"/>
+          </ac:cxnSpMkLst>
+        </pc:cxnChg>
+        <pc:cxnChg chg="mod">
+          <ac:chgData name="Paul Butler" userId="df8f2140a6bcd2b8" providerId="LiveId" clId="{A198776E-7B19-4223-B512-F0153567CC7B}" dt="2021-04-10T03:29:02.298" v="5"/>
+          <ac:cxnSpMkLst>
+            <pc:docMk/>
+            <pc:sldMk cId="3120181636" sldId="258"/>
+            <ac:cxnSpMk id="28" creationId="{0A9F87F1-B365-4826-98A2-5175082DC487}"/>
+          </ac:cxnSpMkLst>
+        </pc:cxnChg>
+        <pc:cxnChg chg="mod">
+          <ac:chgData name="Paul Butler" userId="df8f2140a6bcd2b8" providerId="LiveId" clId="{A198776E-7B19-4223-B512-F0153567CC7B}" dt="2021-04-10T03:29:28.071" v="10"/>
+          <ac:cxnSpMkLst>
+            <pc:docMk/>
+            <pc:sldMk cId="3120181636" sldId="258"/>
+            <ac:cxnSpMk id="35" creationId="{8AF19847-35B3-4536-9398-829FA4202C56}"/>
+          </ac:cxnSpMkLst>
+        </pc:cxnChg>
+        <pc:cxnChg chg="mod">
+          <ac:chgData name="Paul Butler" userId="df8f2140a6bcd2b8" providerId="LiveId" clId="{A198776E-7B19-4223-B512-F0153567CC7B}" dt="2021-04-10T03:29:28.071" v="10"/>
+          <ac:cxnSpMkLst>
+            <pc:docMk/>
+            <pc:sldMk cId="3120181636" sldId="258"/>
+            <ac:cxnSpMk id="37" creationId="{6BAF9194-ABA2-4B07-ADCF-3963564DD698}"/>
+          </ac:cxnSpMkLst>
+        </pc:cxnChg>
+        <pc:cxnChg chg="mod">
+          <ac:chgData name="Paul Butler" userId="df8f2140a6bcd2b8" providerId="LiveId" clId="{A198776E-7B19-4223-B512-F0153567CC7B}" dt="2021-04-10T03:29:28.071" v="10"/>
+          <ac:cxnSpMkLst>
+            <pc:docMk/>
+            <pc:sldMk cId="3120181636" sldId="258"/>
+            <ac:cxnSpMk id="38" creationId="{B5DA9E20-A7E0-4325-91B8-630959E76F6A}"/>
+          </ac:cxnSpMkLst>
+        </pc:cxnChg>
+        <pc:cxnChg chg="mod">
+          <ac:chgData name="Paul Butler" userId="df8f2140a6bcd2b8" providerId="LiveId" clId="{A198776E-7B19-4223-B512-F0153567CC7B}" dt="2021-04-10T03:29:28.071" v="10"/>
+          <ac:cxnSpMkLst>
+            <pc:docMk/>
+            <pc:sldMk cId="3120181636" sldId="258"/>
+            <ac:cxnSpMk id="39" creationId="{8C908C04-1966-4D7C-AB0A-732ED593EB2D}"/>
+          </ac:cxnSpMkLst>
+        </pc:cxnChg>
+        <pc:cxnChg chg="mod">
+          <ac:chgData name="Paul Butler" userId="df8f2140a6bcd2b8" providerId="LiveId" clId="{A198776E-7B19-4223-B512-F0153567CC7B}" dt="2021-04-10T03:29:28.071" v="10"/>
+          <ac:cxnSpMkLst>
+            <pc:docMk/>
+            <pc:sldMk cId="3120181636" sldId="258"/>
+            <ac:cxnSpMk id="40" creationId="{1DC5B2FF-F60E-4994-9ACA-474370A07B74}"/>
+          </ac:cxnSpMkLst>
+        </pc:cxnChg>
+        <pc:cxnChg chg="mod">
+          <ac:chgData name="Paul Butler" userId="df8f2140a6bcd2b8" providerId="LiveId" clId="{A198776E-7B19-4223-B512-F0153567CC7B}" dt="2021-04-10T03:29:28.071" v="10"/>
+          <ac:cxnSpMkLst>
+            <pc:docMk/>
+            <pc:sldMk cId="3120181636" sldId="258"/>
+            <ac:cxnSpMk id="41" creationId="{31B1B0E5-0CFA-4A05-B058-3829518F1E3F}"/>
+          </ac:cxnSpMkLst>
+        </pc:cxnChg>
+        <pc:cxnChg chg="mod">
+          <ac:chgData name="Paul Butler" userId="df8f2140a6bcd2b8" providerId="LiveId" clId="{A198776E-7B19-4223-B512-F0153567CC7B}" dt="2021-04-10T03:30:14.040" v="14"/>
+          <ac:cxnSpMkLst>
+            <pc:docMk/>
+            <pc:sldMk cId="3120181636" sldId="258"/>
+            <ac:cxnSpMk id="49" creationId="{CAA24B1B-0FF4-4369-A77C-476E12E6CE39}"/>
+          </ac:cxnSpMkLst>
+        </pc:cxnChg>
+        <pc:cxnChg chg="mod">
+          <ac:chgData name="Paul Butler" userId="df8f2140a6bcd2b8" providerId="LiveId" clId="{A198776E-7B19-4223-B512-F0153567CC7B}" dt="2021-04-10T03:30:52.505" v="19" actId="1076"/>
+          <ac:cxnSpMkLst>
+            <pc:docMk/>
+            <pc:sldMk cId="3120181636" sldId="258"/>
+            <ac:cxnSpMk id="51" creationId="{097DFCD6-8FF9-4502-9890-E154422611FB}"/>
+          </ac:cxnSpMkLst>
+        </pc:cxnChg>
+        <pc:cxnChg chg="mod">
+          <ac:chgData name="Paul Butler" userId="df8f2140a6bcd2b8" providerId="LiveId" clId="{A198776E-7B19-4223-B512-F0153567CC7B}" dt="2021-04-10T03:30:14.040" v="14"/>
+          <ac:cxnSpMkLst>
+            <pc:docMk/>
+            <pc:sldMk cId="3120181636" sldId="258"/>
+            <ac:cxnSpMk id="52" creationId="{0FB35111-2049-4824-9343-41FE2B2407F4}"/>
+          </ac:cxnSpMkLst>
+        </pc:cxnChg>
+        <pc:cxnChg chg="mod">
+          <ac:chgData name="Paul Butler" userId="df8f2140a6bcd2b8" providerId="LiveId" clId="{A198776E-7B19-4223-B512-F0153567CC7B}" dt="2021-04-10T03:30:14.040" v="14"/>
+          <ac:cxnSpMkLst>
+            <pc:docMk/>
+            <pc:sldMk cId="3120181636" sldId="258"/>
+            <ac:cxnSpMk id="53" creationId="{4B085F4F-A1AE-42B2-A1B4-A19CD311D2A5}"/>
+          </ac:cxnSpMkLst>
+        </pc:cxnChg>
+        <pc:cxnChg chg="mod">
+          <ac:chgData name="Paul Butler" userId="df8f2140a6bcd2b8" providerId="LiveId" clId="{A198776E-7B19-4223-B512-F0153567CC7B}" dt="2021-04-10T03:30:14.040" v="14"/>
+          <ac:cxnSpMkLst>
+            <pc:docMk/>
+            <pc:sldMk cId="3120181636" sldId="258"/>
+            <ac:cxnSpMk id="54" creationId="{604DC1C2-73AD-45F3-8790-4285A88FEDD2}"/>
+          </ac:cxnSpMkLst>
+        </pc:cxnChg>
+        <pc:cxnChg chg="mod">
+          <ac:chgData name="Paul Butler" userId="df8f2140a6bcd2b8" providerId="LiveId" clId="{A198776E-7B19-4223-B512-F0153567CC7B}" dt="2021-04-10T03:30:14.040" v="14"/>
+          <ac:cxnSpMkLst>
+            <pc:docMk/>
+            <pc:sldMk cId="3120181636" sldId="258"/>
+            <ac:cxnSpMk id="55" creationId="{1BC87D78-6183-428A-BA0F-E167E7D4DE28}"/>
+          </ac:cxnSpMkLst>
+        </pc:cxnChg>
+        <pc:cxnChg chg="mod">
+          <ac:chgData name="Paul Butler" userId="df8f2140a6bcd2b8" providerId="LiveId" clId="{A198776E-7B19-4223-B512-F0153567CC7B}" dt="2021-04-10T17:58:41.177" v="27"/>
+          <ac:cxnSpMkLst>
+            <pc:docMk/>
+            <pc:sldMk cId="3120181636" sldId="258"/>
+            <ac:cxnSpMk id="63" creationId="{69CCC4CB-F2AA-4173-927A-BB2F9904D7DF}"/>
+          </ac:cxnSpMkLst>
+        </pc:cxnChg>
+        <pc:cxnChg chg="mod">
+          <ac:chgData name="Paul Butler" userId="df8f2140a6bcd2b8" providerId="LiveId" clId="{A198776E-7B19-4223-B512-F0153567CC7B}" dt="2021-04-10T17:58:41.177" v="27"/>
+          <ac:cxnSpMkLst>
+            <pc:docMk/>
+            <pc:sldMk cId="3120181636" sldId="258"/>
+            <ac:cxnSpMk id="65" creationId="{5709C44F-4CDD-4229-B7FF-E9D823FFAFEA}"/>
+          </ac:cxnSpMkLst>
+        </pc:cxnChg>
+        <pc:cxnChg chg="mod">
+          <ac:chgData name="Paul Butler" userId="df8f2140a6bcd2b8" providerId="LiveId" clId="{A198776E-7B19-4223-B512-F0153567CC7B}" dt="2021-04-10T17:58:41.177" v="27"/>
+          <ac:cxnSpMkLst>
+            <pc:docMk/>
+            <pc:sldMk cId="3120181636" sldId="258"/>
+            <ac:cxnSpMk id="66" creationId="{11880393-8588-4C35-9B93-2318B87B7004}"/>
+          </ac:cxnSpMkLst>
+        </pc:cxnChg>
+        <pc:cxnChg chg="mod">
+          <ac:chgData name="Paul Butler" userId="df8f2140a6bcd2b8" providerId="LiveId" clId="{A198776E-7B19-4223-B512-F0153567CC7B}" dt="2021-04-10T17:58:41.177" v="27"/>
+          <ac:cxnSpMkLst>
+            <pc:docMk/>
+            <pc:sldMk cId="3120181636" sldId="258"/>
+            <ac:cxnSpMk id="67" creationId="{7ECDB555-2922-4D38-9A61-6F58FD186CF4}"/>
+          </ac:cxnSpMkLst>
+        </pc:cxnChg>
+        <pc:cxnChg chg="mod">
+          <ac:chgData name="Paul Butler" userId="df8f2140a6bcd2b8" providerId="LiveId" clId="{A198776E-7B19-4223-B512-F0153567CC7B}" dt="2021-04-10T17:58:41.177" v="27"/>
+          <ac:cxnSpMkLst>
+            <pc:docMk/>
+            <pc:sldMk cId="3120181636" sldId="258"/>
+            <ac:cxnSpMk id="68" creationId="{C1AFD4FA-2BDB-4D6F-B941-817606F21368}"/>
+          </ac:cxnSpMkLst>
+        </pc:cxnChg>
+        <pc:cxnChg chg="mod">
+          <ac:chgData name="Paul Butler" userId="df8f2140a6bcd2b8" providerId="LiveId" clId="{A198776E-7B19-4223-B512-F0153567CC7B}" dt="2021-04-10T17:58:41.177" v="27"/>
+          <ac:cxnSpMkLst>
+            <pc:docMk/>
+            <pc:sldMk cId="3120181636" sldId="258"/>
+            <ac:cxnSpMk id="69" creationId="{A485BE96-5BB9-4E16-A107-9EFD6035B6C9}"/>
+          </ac:cxnSpMkLst>
+        </pc:cxnChg>
+        <pc:cxnChg chg="mod">
+          <ac:chgData name="Paul Butler" userId="df8f2140a6bcd2b8" providerId="LiveId" clId="{A198776E-7B19-4223-B512-F0153567CC7B}" dt="2021-04-10T18:03:32.260" v="32" actId="571"/>
+          <ac:cxnSpMkLst>
+            <pc:docMk/>
+            <pc:sldMk cId="3120181636" sldId="258"/>
+            <ac:cxnSpMk id="74" creationId="{A040600A-89D0-4179-9E40-995BD40AA7CA}"/>
+          </ac:cxnSpMkLst>
+        </pc:cxnChg>
+        <pc:cxnChg chg="mod">
+          <ac:chgData name="Paul Butler" userId="df8f2140a6bcd2b8" providerId="LiveId" clId="{A198776E-7B19-4223-B512-F0153567CC7B}" dt="2021-04-10T18:03:32.260" v="32" actId="571"/>
+          <ac:cxnSpMkLst>
+            <pc:docMk/>
+            <pc:sldMk cId="3120181636" sldId="258"/>
+            <ac:cxnSpMk id="76" creationId="{F4C16CD6-D182-4198-93C0-32E37CC113A3}"/>
+          </ac:cxnSpMkLst>
+        </pc:cxnChg>
+        <pc:cxnChg chg="mod">
+          <ac:chgData name="Paul Butler" userId="df8f2140a6bcd2b8" providerId="LiveId" clId="{A198776E-7B19-4223-B512-F0153567CC7B}" dt="2021-04-10T18:03:32.260" v="32" actId="571"/>
+          <ac:cxnSpMkLst>
+            <pc:docMk/>
+            <pc:sldMk cId="3120181636" sldId="258"/>
+            <ac:cxnSpMk id="77" creationId="{F28D54C7-EF13-40E6-96C9-274C39C885F0}"/>
+          </ac:cxnSpMkLst>
+        </pc:cxnChg>
+        <pc:cxnChg chg="mod">
+          <ac:chgData name="Paul Butler" userId="df8f2140a6bcd2b8" providerId="LiveId" clId="{A198776E-7B19-4223-B512-F0153567CC7B}" dt="2021-04-10T18:03:32.260" v="32" actId="571"/>
+          <ac:cxnSpMkLst>
+            <pc:docMk/>
+            <pc:sldMk cId="3120181636" sldId="258"/>
+            <ac:cxnSpMk id="78" creationId="{90750AD5-1267-43BE-BDF8-E1EB0ED468E4}"/>
+          </ac:cxnSpMkLst>
+        </pc:cxnChg>
+        <pc:cxnChg chg="mod">
+          <ac:chgData name="Paul Butler" userId="df8f2140a6bcd2b8" providerId="LiveId" clId="{A198776E-7B19-4223-B512-F0153567CC7B}" dt="2021-04-10T18:03:32.260" v="32" actId="571"/>
+          <ac:cxnSpMkLst>
+            <pc:docMk/>
+            <pc:sldMk cId="3120181636" sldId="258"/>
+            <ac:cxnSpMk id="79" creationId="{3F6ACCD3-CEB2-4906-ACF0-8C35AF661698}"/>
+          </ac:cxnSpMkLst>
+        </pc:cxnChg>
+        <pc:cxnChg chg="mod">
+          <ac:chgData name="Paul Butler" userId="df8f2140a6bcd2b8" providerId="LiveId" clId="{A198776E-7B19-4223-B512-F0153567CC7B}" dt="2021-04-10T18:03:32.260" v="32" actId="571"/>
+          <ac:cxnSpMkLst>
+            <pc:docMk/>
+            <pc:sldMk cId="3120181636" sldId="258"/>
+            <ac:cxnSpMk id="80" creationId="{6B51723E-54A5-4E82-A23C-672E481CAD94}"/>
+          </ac:cxnSpMkLst>
+        </pc:cxnChg>
+        <pc:cxnChg chg="mod">
+          <ac:chgData name="Paul Butler" userId="df8f2140a6bcd2b8" providerId="LiveId" clId="{A198776E-7B19-4223-B512-F0153567CC7B}" dt="2021-04-10T18:03:49.242" v="34" actId="571"/>
+          <ac:cxnSpMkLst>
+            <pc:docMk/>
+            <pc:sldMk cId="3120181636" sldId="258"/>
+            <ac:cxnSpMk id="88" creationId="{B33FB7BB-BDB9-4B8F-847E-969026FA6BC0}"/>
+          </ac:cxnSpMkLst>
+        </pc:cxnChg>
+        <pc:cxnChg chg="mod">
+          <ac:chgData name="Paul Butler" userId="df8f2140a6bcd2b8" providerId="LiveId" clId="{A198776E-7B19-4223-B512-F0153567CC7B}" dt="2021-04-10T18:03:49.242" v="34" actId="571"/>
+          <ac:cxnSpMkLst>
+            <pc:docMk/>
+            <pc:sldMk cId="3120181636" sldId="258"/>
+            <ac:cxnSpMk id="90" creationId="{2C5C9A26-1A60-4F6F-A7B9-36570197D904}"/>
+          </ac:cxnSpMkLst>
+        </pc:cxnChg>
+        <pc:cxnChg chg="mod">
+          <ac:chgData name="Paul Butler" userId="df8f2140a6bcd2b8" providerId="LiveId" clId="{A198776E-7B19-4223-B512-F0153567CC7B}" dt="2021-04-10T18:03:49.242" v="34" actId="571"/>
+          <ac:cxnSpMkLst>
+            <pc:docMk/>
+            <pc:sldMk cId="3120181636" sldId="258"/>
+            <ac:cxnSpMk id="91" creationId="{3FAFC547-BA96-45F4-925E-A75AB4041C61}"/>
+          </ac:cxnSpMkLst>
+        </pc:cxnChg>
+        <pc:cxnChg chg="mod">
+          <ac:chgData name="Paul Butler" userId="df8f2140a6bcd2b8" providerId="LiveId" clId="{A198776E-7B19-4223-B512-F0153567CC7B}" dt="2021-04-10T18:03:49.242" v="34" actId="571"/>
+          <ac:cxnSpMkLst>
+            <pc:docMk/>
+            <pc:sldMk cId="3120181636" sldId="258"/>
+            <ac:cxnSpMk id="92" creationId="{3CAF6599-CEC1-4BB7-9EB2-541EC18B6D84}"/>
+          </ac:cxnSpMkLst>
+        </pc:cxnChg>
+        <pc:cxnChg chg="mod">
+          <ac:chgData name="Paul Butler" userId="df8f2140a6bcd2b8" providerId="LiveId" clId="{A198776E-7B19-4223-B512-F0153567CC7B}" dt="2021-04-10T18:03:49.242" v="34" actId="571"/>
+          <ac:cxnSpMkLst>
+            <pc:docMk/>
+            <pc:sldMk cId="3120181636" sldId="258"/>
+            <ac:cxnSpMk id="93" creationId="{33DA2E61-FD36-4616-9FC4-B18FA6829008}"/>
+          </ac:cxnSpMkLst>
+        </pc:cxnChg>
+        <pc:cxnChg chg="mod">
+          <ac:chgData name="Paul Butler" userId="df8f2140a6bcd2b8" providerId="LiveId" clId="{A198776E-7B19-4223-B512-F0153567CC7B}" dt="2021-04-10T18:03:49.242" v="34" actId="571"/>
+          <ac:cxnSpMkLst>
+            <pc:docMk/>
+            <pc:sldMk cId="3120181636" sldId="258"/>
+            <ac:cxnSpMk id="94" creationId="{F84DEDDA-AB59-4CA0-AA75-6A6C528D3181}"/>
+          </ac:cxnSpMkLst>
+        </pc:cxnChg>
+        <pc:cxnChg chg="mod">
+          <ac:chgData name="Paul Butler" userId="df8f2140a6bcd2b8" providerId="LiveId" clId="{A198776E-7B19-4223-B512-F0153567CC7B}" dt="2021-04-10T18:04:00.958" v="36" actId="571"/>
+          <ac:cxnSpMkLst>
+            <pc:docMk/>
+            <pc:sldMk cId="3120181636" sldId="258"/>
+            <ac:cxnSpMk id="100" creationId="{A87C3BD6-B43F-4AED-87C3-AB7EAB8A090E}"/>
+          </ac:cxnSpMkLst>
+        </pc:cxnChg>
+        <pc:cxnChg chg="mod ord">
+          <ac:chgData name="Paul Butler" userId="df8f2140a6bcd2b8" providerId="LiveId" clId="{A198776E-7B19-4223-B512-F0153567CC7B}" dt="2021-04-10T18:04:33.356" v="38" actId="166"/>
+          <ac:cxnSpMkLst>
+            <pc:docMk/>
+            <pc:sldMk cId="3120181636" sldId="258"/>
+            <ac:cxnSpMk id="102" creationId="{8A250BAB-DEE3-4A99-A5DB-1E9F29FAC906}"/>
+          </ac:cxnSpMkLst>
+        </pc:cxnChg>
+        <pc:cxnChg chg="mod">
+          <ac:chgData name="Paul Butler" userId="df8f2140a6bcd2b8" providerId="LiveId" clId="{A198776E-7B19-4223-B512-F0153567CC7B}" dt="2021-04-10T18:04:00.958" v="36" actId="571"/>
+          <ac:cxnSpMkLst>
+            <pc:docMk/>
+            <pc:sldMk cId="3120181636" sldId="258"/>
+            <ac:cxnSpMk id="103" creationId="{5D583CD6-2CE5-4DC3-AC3B-B35976AED800}"/>
+          </ac:cxnSpMkLst>
+        </pc:cxnChg>
+        <pc:cxnChg chg="mod">
+          <ac:chgData name="Paul Butler" userId="df8f2140a6bcd2b8" providerId="LiveId" clId="{A198776E-7B19-4223-B512-F0153567CC7B}" dt="2021-04-10T18:04:00.958" v="36" actId="571"/>
+          <ac:cxnSpMkLst>
+            <pc:docMk/>
+            <pc:sldMk cId="3120181636" sldId="258"/>
+            <ac:cxnSpMk id="104" creationId="{A5BFA1A8-CFF8-4505-A307-20925F449546}"/>
+          </ac:cxnSpMkLst>
+        </pc:cxnChg>
+        <pc:cxnChg chg="mod">
+          <ac:chgData name="Paul Butler" userId="df8f2140a6bcd2b8" providerId="LiveId" clId="{A198776E-7B19-4223-B512-F0153567CC7B}" dt="2021-04-10T18:04:00.958" v="36" actId="571"/>
+          <ac:cxnSpMkLst>
+            <pc:docMk/>
+            <pc:sldMk cId="3120181636" sldId="258"/>
+            <ac:cxnSpMk id="105" creationId="{36D44157-0049-4A1D-BF0B-D84A19F86280}"/>
+          </ac:cxnSpMkLst>
+        </pc:cxnChg>
+        <pc:cxnChg chg="mod">
+          <ac:chgData name="Paul Butler" userId="df8f2140a6bcd2b8" providerId="LiveId" clId="{A198776E-7B19-4223-B512-F0153567CC7B}" dt="2021-04-10T18:04:00.958" v="36" actId="571"/>
+          <ac:cxnSpMkLst>
+            <pc:docMk/>
+            <pc:sldMk cId="3120181636" sldId="258"/>
+            <ac:cxnSpMk id="106" creationId="{1D164F0A-AC6C-49E4-B97D-ECEE882D4E3F}"/>
+          </ac:cxnSpMkLst>
+        </pc:cxnChg>
+        <pc:cxnChg chg="mod">
+          <ac:chgData name="Paul Butler" userId="df8f2140a6bcd2b8" providerId="LiveId" clId="{A198776E-7B19-4223-B512-F0153567CC7B}" dt="2021-04-10T18:05:04.666" v="41" actId="571"/>
+          <ac:cxnSpMkLst>
+            <pc:docMk/>
+            <pc:sldMk cId="3120181636" sldId="258"/>
+            <ac:cxnSpMk id="113" creationId="{9978DC76-6820-49E7-BE26-C5D2D544AECF}"/>
+          </ac:cxnSpMkLst>
+        </pc:cxnChg>
+        <pc:cxnChg chg="mod">
+          <ac:chgData name="Paul Butler" userId="df8f2140a6bcd2b8" providerId="LiveId" clId="{A198776E-7B19-4223-B512-F0153567CC7B}" dt="2021-04-10T18:05:04.666" v="41" actId="571"/>
+          <ac:cxnSpMkLst>
+            <pc:docMk/>
+            <pc:sldMk cId="3120181636" sldId="258"/>
+            <ac:cxnSpMk id="115" creationId="{16367067-8ECC-457C-88A2-6F6623F2CB13}"/>
+          </ac:cxnSpMkLst>
+        </pc:cxnChg>
+        <pc:cxnChg chg="mod">
+          <ac:chgData name="Paul Butler" userId="df8f2140a6bcd2b8" providerId="LiveId" clId="{A198776E-7B19-4223-B512-F0153567CC7B}" dt="2021-04-10T18:05:04.666" v="41" actId="571"/>
+          <ac:cxnSpMkLst>
+            <pc:docMk/>
+            <pc:sldMk cId="3120181636" sldId="258"/>
+            <ac:cxnSpMk id="116" creationId="{FA837831-90A5-4BA6-A146-046F0DAEA447}"/>
+          </ac:cxnSpMkLst>
+        </pc:cxnChg>
+        <pc:cxnChg chg="mod">
+          <ac:chgData name="Paul Butler" userId="df8f2140a6bcd2b8" providerId="LiveId" clId="{A198776E-7B19-4223-B512-F0153567CC7B}" dt="2021-04-10T18:05:04.666" v="41" actId="571"/>
+          <ac:cxnSpMkLst>
+            <pc:docMk/>
+            <pc:sldMk cId="3120181636" sldId="258"/>
+            <ac:cxnSpMk id="117" creationId="{9313C83E-58B0-49E2-9B8D-484B6749CFA1}"/>
+          </ac:cxnSpMkLst>
+        </pc:cxnChg>
+        <pc:cxnChg chg="mod">
+          <ac:chgData name="Paul Butler" userId="df8f2140a6bcd2b8" providerId="LiveId" clId="{A198776E-7B19-4223-B512-F0153567CC7B}" dt="2021-04-10T18:05:04.666" v="41" actId="571"/>
+          <ac:cxnSpMkLst>
+            <pc:docMk/>
+            <pc:sldMk cId="3120181636" sldId="258"/>
+            <ac:cxnSpMk id="118" creationId="{D8A225A8-427C-464D-A8DB-7EF3D13428C4}"/>
+          </ac:cxnSpMkLst>
+        </pc:cxnChg>
+        <pc:cxnChg chg="mod">
+          <ac:chgData name="Paul Butler" userId="df8f2140a6bcd2b8" providerId="LiveId" clId="{A198776E-7B19-4223-B512-F0153567CC7B}" dt="2021-04-10T18:05:04.666" v="41" actId="571"/>
+          <ac:cxnSpMkLst>
+            <pc:docMk/>
+            <pc:sldMk cId="3120181636" sldId="258"/>
+            <ac:cxnSpMk id="119" creationId="{AC3D5C24-C41E-4A46-9DF0-C7065FD6C281}"/>
           </ac:cxnSpMkLst>
         </pc:cxnChg>
       </pc:sldChg>
@@ -1465,7 +2529,7 @@
           <a:p>
             <a:fld id="{EC76D87C-8368-4C5D-8FA6-9A6C5E9BAEE5}" type="datetimeFigureOut">
               <a:rPr lang="en-US" smtClean="0"/>
-              <a:t>3/14/2021</a:t>
+              <a:t>4/11/2021</a:t>
             </a:fld>
             <a:endParaRPr lang="en-US"/>
           </a:p>
@@ -1663,7 +2727,7 @@
           <a:p>
             <a:fld id="{EC76D87C-8368-4C5D-8FA6-9A6C5E9BAEE5}" type="datetimeFigureOut">
               <a:rPr lang="en-US" smtClean="0"/>
-              <a:t>3/14/2021</a:t>
+              <a:t>4/11/2021</a:t>
             </a:fld>
             <a:endParaRPr lang="en-US"/>
           </a:p>
@@ -1871,7 +2935,7 @@
           <a:p>
             <a:fld id="{EC76D87C-8368-4C5D-8FA6-9A6C5E9BAEE5}" type="datetimeFigureOut">
               <a:rPr lang="en-US" smtClean="0"/>
-              <a:t>3/14/2021</a:t>
+              <a:t>4/11/2021</a:t>
             </a:fld>
             <a:endParaRPr lang="en-US"/>
           </a:p>
@@ -2069,7 +3133,7 @@
           <a:p>
             <a:fld id="{EC76D87C-8368-4C5D-8FA6-9A6C5E9BAEE5}" type="datetimeFigureOut">
               <a:rPr lang="en-US" smtClean="0"/>
-              <a:t>3/14/2021</a:t>
+              <a:t>4/11/2021</a:t>
             </a:fld>
             <a:endParaRPr lang="en-US"/>
           </a:p>
@@ -2344,7 +3408,7 @@
           <a:p>
             <a:fld id="{EC76D87C-8368-4C5D-8FA6-9A6C5E9BAEE5}" type="datetimeFigureOut">
               <a:rPr lang="en-US" smtClean="0"/>
-              <a:t>3/14/2021</a:t>
+              <a:t>4/11/2021</a:t>
             </a:fld>
             <a:endParaRPr lang="en-US"/>
           </a:p>
@@ -2609,7 +3673,7 @@
           <a:p>
             <a:fld id="{EC76D87C-8368-4C5D-8FA6-9A6C5E9BAEE5}" type="datetimeFigureOut">
               <a:rPr lang="en-US" smtClean="0"/>
-              <a:t>3/14/2021</a:t>
+              <a:t>4/11/2021</a:t>
             </a:fld>
             <a:endParaRPr lang="en-US"/>
           </a:p>
@@ -3021,7 +4085,7 @@
           <a:p>
             <a:fld id="{EC76D87C-8368-4C5D-8FA6-9A6C5E9BAEE5}" type="datetimeFigureOut">
               <a:rPr lang="en-US" smtClean="0"/>
-              <a:t>3/14/2021</a:t>
+              <a:t>4/11/2021</a:t>
             </a:fld>
             <a:endParaRPr lang="en-US"/>
           </a:p>
@@ -3162,7 +4226,7 @@
           <a:p>
             <a:fld id="{EC76D87C-8368-4C5D-8FA6-9A6C5E9BAEE5}" type="datetimeFigureOut">
               <a:rPr lang="en-US" smtClean="0"/>
-              <a:t>3/14/2021</a:t>
+              <a:t>4/11/2021</a:t>
             </a:fld>
             <a:endParaRPr lang="en-US"/>
           </a:p>
@@ -3275,7 +4339,7 @@
           <a:p>
             <a:fld id="{EC76D87C-8368-4C5D-8FA6-9A6C5E9BAEE5}" type="datetimeFigureOut">
               <a:rPr lang="en-US" smtClean="0"/>
-              <a:t>3/14/2021</a:t>
+              <a:t>4/11/2021</a:t>
             </a:fld>
             <a:endParaRPr lang="en-US"/>
           </a:p>
@@ -3586,7 +4650,7 @@
           <a:p>
             <a:fld id="{EC76D87C-8368-4C5D-8FA6-9A6C5E9BAEE5}" type="datetimeFigureOut">
               <a:rPr lang="en-US" smtClean="0"/>
-              <a:t>3/14/2021</a:t>
+              <a:t>4/11/2021</a:t>
             </a:fld>
             <a:endParaRPr lang="en-US"/>
           </a:p>
@@ -3874,7 +4938,7 @@
           <a:p>
             <a:fld id="{EC76D87C-8368-4C5D-8FA6-9A6C5E9BAEE5}" type="datetimeFigureOut">
               <a:rPr lang="en-US" smtClean="0"/>
-              <a:t>3/14/2021</a:t>
+              <a:t>4/11/2021</a:t>
             </a:fld>
             <a:endParaRPr lang="en-US"/>
           </a:p>
@@ -4115,7 +5179,7 @@
           <a:p>
             <a:fld id="{EC76D87C-8368-4C5D-8FA6-9A6C5E9BAEE5}" type="datetimeFigureOut">
               <a:rPr lang="en-US" smtClean="0"/>
-              <a:t>3/14/2021</a:t>
+              <a:t>4/11/2021</a:t>
             </a:fld>
             <a:endParaRPr lang="en-US"/>
           </a:p>
@@ -5842,7 +6906,7 @@
         </p:nvSpPr>
         <p:spPr>
           <a:xfrm>
-            <a:off x="10001378" y="1965011"/>
+            <a:off x="9995028" y="1830806"/>
             <a:ext cx="178676" cy="178676"/>
           </a:xfrm>
           <a:prstGeom prst="ellipse">
@@ -12145,10 +13209,4994 @@
           </p:txBody>
         </p:sp>
       </p:grpSp>
+      <p:grpSp>
+        <p:nvGrpSpPr>
+          <p:cNvPr id="252" name="Group 251">
+            <a:extLst>
+              <a:ext uri="{FF2B5EF4-FFF2-40B4-BE49-F238E27FC236}">
+                <a16:creationId xmlns:a16="http://schemas.microsoft.com/office/drawing/2014/main" id="{FD14A52B-E0F1-4AA2-9607-C219D04E4978}"/>
+              </a:ext>
+            </a:extLst>
+          </p:cNvPr>
+          <p:cNvGrpSpPr/>
+          <p:nvPr/>
+        </p:nvGrpSpPr>
+        <p:grpSpPr>
+          <a:xfrm>
+            <a:off x="10634676" y="2578105"/>
+            <a:ext cx="678244" cy="945930"/>
+            <a:chOff x="5070915" y="3804746"/>
+            <a:chExt cx="678244" cy="945930"/>
+          </a:xfrm>
+        </p:grpSpPr>
+        <p:grpSp>
+          <p:nvGrpSpPr>
+            <p:cNvPr id="253" name="Group 252">
+              <a:extLst>
+                <a:ext uri="{FF2B5EF4-FFF2-40B4-BE49-F238E27FC236}">
+                  <a16:creationId xmlns:a16="http://schemas.microsoft.com/office/drawing/2014/main" id="{D1105C4F-4B3F-41FD-8CD8-7CF2AF7896B6}"/>
+                </a:ext>
+              </a:extLst>
+            </p:cNvPr>
+            <p:cNvGrpSpPr/>
+            <p:nvPr/>
+          </p:nvGrpSpPr>
+          <p:grpSpPr>
+            <a:xfrm>
+              <a:off x="5070915" y="3804746"/>
+              <a:ext cx="678244" cy="945930"/>
+              <a:chOff x="4466895" y="3090041"/>
+              <a:chExt cx="2007476" cy="2375339"/>
+            </a:xfrm>
+          </p:grpSpPr>
+          <p:sp>
+            <p:nvSpPr>
+              <p:cNvPr id="255" name="Rectangle 254">
+                <a:extLst>
+                  <a:ext uri="{FF2B5EF4-FFF2-40B4-BE49-F238E27FC236}">
+                    <a16:creationId xmlns:a16="http://schemas.microsoft.com/office/drawing/2014/main" id="{ACA1CD1A-58E5-4537-BC33-7B4BFB060D37}"/>
+                  </a:ext>
+                </a:extLst>
+              </p:cNvPr>
+              <p:cNvSpPr/>
+              <p:nvPr/>
+            </p:nvSpPr>
+            <p:spPr>
+              <a:xfrm>
+                <a:off x="4466896" y="3090042"/>
+                <a:ext cx="2007475" cy="2375338"/>
+              </a:xfrm>
+              <a:prstGeom prst="rect">
+                <a:avLst/>
+              </a:prstGeom>
+              <a:noFill/>
+              <a:ln w="19050">
+                <a:solidFill>
+                  <a:schemeClr val="tx1"/>
+                </a:solidFill>
+              </a:ln>
+            </p:spPr>
+            <p:style>
+              <a:lnRef idx="2">
+                <a:schemeClr val="accent1">
+                  <a:shade val="50000"/>
+                </a:schemeClr>
+              </a:lnRef>
+              <a:fillRef idx="1">
+                <a:schemeClr val="accent1"/>
+              </a:fillRef>
+              <a:effectRef idx="0">
+                <a:schemeClr val="accent1"/>
+              </a:effectRef>
+              <a:fontRef idx="minor">
+                <a:schemeClr val="lt1"/>
+              </a:fontRef>
+            </p:style>
+            <p:txBody>
+              <a:bodyPr rtlCol="0" anchor="ctr"/>
+              <a:lstStyle/>
+              <a:p>
+                <a:pPr algn="ctr"/>
+                <a:endParaRPr lang="en-US"/>
+              </a:p>
+            </p:txBody>
+          </p:sp>
+          <p:cxnSp>
+            <p:nvCxnSpPr>
+              <p:cNvPr id="256" name="Straight Connector 255">
+                <a:extLst>
+                  <a:ext uri="{FF2B5EF4-FFF2-40B4-BE49-F238E27FC236}">
+                    <a16:creationId xmlns:a16="http://schemas.microsoft.com/office/drawing/2014/main" id="{F58609F2-F4AC-48DD-A866-F7896A5EDC4B}"/>
+                  </a:ext>
+                </a:extLst>
+              </p:cNvPr>
+              <p:cNvCxnSpPr>
+                <a:cxnSpLocks/>
+              </p:cNvCxnSpPr>
+              <p:nvPr/>
+            </p:nvCxnSpPr>
+            <p:spPr>
+              <a:xfrm>
+                <a:off x="5806965" y="3090041"/>
+                <a:ext cx="0" cy="2375339"/>
+              </a:xfrm>
+              <a:prstGeom prst="line">
+                <a:avLst/>
+              </a:prstGeom>
+              <a:ln w="19050">
+                <a:solidFill>
+                  <a:schemeClr val="tx1"/>
+                </a:solidFill>
+              </a:ln>
+            </p:spPr>
+            <p:style>
+              <a:lnRef idx="1">
+                <a:schemeClr val="accent1"/>
+              </a:lnRef>
+              <a:fillRef idx="0">
+                <a:schemeClr val="accent1"/>
+              </a:fillRef>
+              <a:effectRef idx="0">
+                <a:schemeClr val="accent1"/>
+              </a:effectRef>
+              <a:fontRef idx="minor">
+                <a:schemeClr val="tx1"/>
+              </a:fontRef>
+            </p:style>
+          </p:cxnSp>
+          <p:cxnSp>
+            <p:nvCxnSpPr>
+              <p:cNvPr id="257" name="Straight Connector 256">
+                <a:extLst>
+                  <a:ext uri="{FF2B5EF4-FFF2-40B4-BE49-F238E27FC236}">
+                    <a16:creationId xmlns:a16="http://schemas.microsoft.com/office/drawing/2014/main" id="{15081300-9192-4A24-95DE-A020FB8D3026}"/>
+                  </a:ext>
+                </a:extLst>
+              </p:cNvPr>
+              <p:cNvCxnSpPr/>
+              <p:nvPr/>
+            </p:nvCxnSpPr>
+            <p:spPr>
+              <a:xfrm>
+                <a:off x="4466896" y="3626070"/>
+                <a:ext cx="2007475" cy="0"/>
+              </a:xfrm>
+              <a:prstGeom prst="line">
+                <a:avLst/>
+              </a:prstGeom>
+              <a:ln w="19050">
+                <a:solidFill>
+                  <a:schemeClr val="tx1"/>
+                </a:solidFill>
+              </a:ln>
+            </p:spPr>
+            <p:style>
+              <a:lnRef idx="1">
+                <a:schemeClr val="accent1"/>
+              </a:lnRef>
+              <a:fillRef idx="0">
+                <a:schemeClr val="accent1"/>
+              </a:fillRef>
+              <a:effectRef idx="0">
+                <a:schemeClr val="accent1"/>
+              </a:effectRef>
+              <a:fontRef idx="minor">
+                <a:schemeClr val="tx1"/>
+              </a:fontRef>
+            </p:style>
+          </p:cxnSp>
+          <p:cxnSp>
+            <p:nvCxnSpPr>
+              <p:cNvPr id="258" name="Straight Connector 257">
+                <a:extLst>
+                  <a:ext uri="{FF2B5EF4-FFF2-40B4-BE49-F238E27FC236}">
+                    <a16:creationId xmlns:a16="http://schemas.microsoft.com/office/drawing/2014/main" id="{ABD70997-87FA-4236-AFBB-B372ACFFC1CA}"/>
+                  </a:ext>
+                </a:extLst>
+              </p:cNvPr>
+              <p:cNvCxnSpPr/>
+              <p:nvPr/>
+            </p:nvCxnSpPr>
+            <p:spPr>
+              <a:xfrm>
+                <a:off x="4466895" y="4261945"/>
+                <a:ext cx="2007475" cy="0"/>
+              </a:xfrm>
+              <a:prstGeom prst="line">
+                <a:avLst/>
+              </a:prstGeom>
+              <a:ln w="19050">
+                <a:solidFill>
+                  <a:schemeClr val="tx1"/>
+                </a:solidFill>
+              </a:ln>
+            </p:spPr>
+            <p:style>
+              <a:lnRef idx="1">
+                <a:schemeClr val="accent1"/>
+              </a:lnRef>
+              <a:fillRef idx="0">
+                <a:schemeClr val="accent1"/>
+              </a:fillRef>
+              <a:effectRef idx="0">
+                <a:schemeClr val="accent1"/>
+              </a:effectRef>
+              <a:fontRef idx="minor">
+                <a:schemeClr val="tx1"/>
+              </a:fontRef>
+            </p:style>
+          </p:cxnSp>
+          <p:cxnSp>
+            <p:nvCxnSpPr>
+              <p:cNvPr id="259" name="Straight Connector 258">
+                <a:extLst>
+                  <a:ext uri="{FF2B5EF4-FFF2-40B4-BE49-F238E27FC236}">
+                    <a16:creationId xmlns:a16="http://schemas.microsoft.com/office/drawing/2014/main" id="{B2E5166E-64B6-44A0-9EF7-0897B952729A}"/>
+                  </a:ext>
+                </a:extLst>
+              </p:cNvPr>
+              <p:cNvCxnSpPr/>
+              <p:nvPr/>
+            </p:nvCxnSpPr>
+            <p:spPr>
+              <a:xfrm>
+                <a:off x="4466895" y="4850525"/>
+                <a:ext cx="2007475" cy="0"/>
+              </a:xfrm>
+              <a:prstGeom prst="line">
+                <a:avLst/>
+              </a:prstGeom>
+              <a:ln w="19050">
+                <a:solidFill>
+                  <a:schemeClr val="tx1"/>
+                </a:solidFill>
+              </a:ln>
+            </p:spPr>
+            <p:style>
+              <a:lnRef idx="1">
+                <a:schemeClr val="accent1"/>
+              </a:lnRef>
+              <a:fillRef idx="0">
+                <a:schemeClr val="accent1"/>
+              </a:fillRef>
+              <a:effectRef idx="0">
+                <a:schemeClr val="accent1"/>
+              </a:effectRef>
+              <a:fontRef idx="minor">
+                <a:schemeClr val="tx1"/>
+              </a:fontRef>
+            </p:style>
+          </p:cxnSp>
+          <p:cxnSp>
+            <p:nvCxnSpPr>
+              <p:cNvPr id="260" name="Straight Connector 259">
+                <a:extLst>
+                  <a:ext uri="{FF2B5EF4-FFF2-40B4-BE49-F238E27FC236}">
+                    <a16:creationId xmlns:a16="http://schemas.microsoft.com/office/drawing/2014/main" id="{D99D71B7-9261-4125-9D19-1967019C588A}"/>
+                  </a:ext>
+                </a:extLst>
+              </p:cNvPr>
+              <p:cNvCxnSpPr>
+                <a:cxnSpLocks/>
+              </p:cNvCxnSpPr>
+              <p:nvPr/>
+            </p:nvCxnSpPr>
+            <p:spPr>
+              <a:xfrm>
+                <a:off x="5139558" y="3090041"/>
+                <a:ext cx="0" cy="2375339"/>
+              </a:xfrm>
+              <a:prstGeom prst="line">
+                <a:avLst/>
+              </a:prstGeom>
+              <a:ln w="19050">
+                <a:solidFill>
+                  <a:schemeClr val="tx1"/>
+                </a:solidFill>
+              </a:ln>
+            </p:spPr>
+            <p:style>
+              <a:lnRef idx="1">
+                <a:schemeClr val="accent1"/>
+              </a:lnRef>
+              <a:fillRef idx="0">
+                <a:schemeClr val="accent1"/>
+              </a:fillRef>
+              <a:effectRef idx="0">
+                <a:schemeClr val="accent1"/>
+              </a:effectRef>
+              <a:fontRef idx="minor">
+                <a:schemeClr val="tx1"/>
+              </a:fontRef>
+            </p:style>
+          </p:cxnSp>
+        </p:grpSp>
+        <p:cxnSp>
+          <p:nvCxnSpPr>
+            <p:cNvPr id="254" name="Straight Connector 253">
+              <a:extLst>
+                <a:ext uri="{FF2B5EF4-FFF2-40B4-BE49-F238E27FC236}">
+                  <a16:creationId xmlns:a16="http://schemas.microsoft.com/office/drawing/2014/main" id="{0048179E-3B16-41BB-87D7-5A3E8B757D0C}"/>
+                </a:ext>
+              </a:extLst>
+            </p:cNvPr>
+            <p:cNvCxnSpPr/>
+            <p:nvPr/>
+          </p:nvCxnSpPr>
+          <p:spPr>
+            <a:xfrm>
+              <a:off x="5070915" y="3804746"/>
+              <a:ext cx="678244" cy="0"/>
+            </a:xfrm>
+            <a:prstGeom prst="line">
+              <a:avLst/>
+            </a:prstGeom>
+            <a:ln w="38100">
+              <a:solidFill>
+                <a:schemeClr val="tx1"/>
+              </a:solidFill>
+            </a:ln>
+          </p:spPr>
+          <p:style>
+            <a:lnRef idx="1">
+              <a:schemeClr val="accent1"/>
+            </a:lnRef>
+            <a:fillRef idx="0">
+              <a:schemeClr val="accent1"/>
+            </a:fillRef>
+            <a:effectRef idx="0">
+              <a:schemeClr val="accent1"/>
+            </a:effectRef>
+            <a:fontRef idx="minor">
+              <a:schemeClr val="tx1"/>
+            </a:fontRef>
+          </p:style>
+        </p:cxnSp>
+      </p:grpSp>
+      <p:sp>
+        <p:nvSpPr>
+          <p:cNvPr id="261" name="Oval 260">
+            <a:extLst>
+              <a:ext uri="{FF2B5EF4-FFF2-40B4-BE49-F238E27FC236}">
+                <a16:creationId xmlns:a16="http://schemas.microsoft.com/office/drawing/2014/main" id="{51F51303-9B5A-4428-B9F4-5117BBD5DAF0}"/>
+              </a:ext>
+            </a:extLst>
+          </p:cNvPr>
+          <p:cNvSpPr/>
+          <p:nvPr/>
+        </p:nvSpPr>
+        <p:spPr>
+          <a:xfrm>
+            <a:off x="10545338" y="3060743"/>
+            <a:ext cx="178676" cy="178676"/>
+          </a:xfrm>
+          <a:prstGeom prst="ellipse">
+            <a:avLst/>
+          </a:prstGeom>
+          <a:solidFill>
+            <a:schemeClr val="tx1"/>
+          </a:solidFill>
+          <a:ln>
+            <a:solidFill>
+              <a:schemeClr val="tx1"/>
+            </a:solidFill>
+          </a:ln>
+        </p:spPr>
+        <p:style>
+          <a:lnRef idx="2">
+            <a:schemeClr val="accent1">
+              <a:shade val="50000"/>
+            </a:schemeClr>
+          </a:lnRef>
+          <a:fillRef idx="1">
+            <a:schemeClr val="accent1"/>
+          </a:fillRef>
+          <a:effectRef idx="0">
+            <a:schemeClr val="accent1"/>
+          </a:effectRef>
+          <a:fontRef idx="minor">
+            <a:schemeClr val="lt1"/>
+          </a:fontRef>
+        </p:style>
+        <p:txBody>
+          <a:bodyPr rtlCol="0" anchor="ctr"/>
+          <a:lstStyle/>
+          <a:p>
+            <a:pPr algn="ctr"/>
+            <a:endParaRPr lang="en-US"/>
+          </a:p>
+        </p:txBody>
+      </p:sp>
+      <p:sp>
+        <p:nvSpPr>
+          <p:cNvPr id="262" name="Oval 261">
+            <a:extLst>
+              <a:ext uri="{FF2B5EF4-FFF2-40B4-BE49-F238E27FC236}">
+                <a16:creationId xmlns:a16="http://schemas.microsoft.com/office/drawing/2014/main" id="{41A95F36-9762-4F62-88B9-BCD4E78CBC70}"/>
+              </a:ext>
+            </a:extLst>
+          </p:cNvPr>
+          <p:cNvSpPr/>
+          <p:nvPr/>
+        </p:nvSpPr>
+        <p:spPr>
+          <a:xfrm>
+            <a:off x="10769050" y="2823304"/>
+            <a:ext cx="178676" cy="178676"/>
+          </a:xfrm>
+          <a:prstGeom prst="ellipse">
+            <a:avLst/>
+          </a:prstGeom>
+          <a:solidFill>
+            <a:schemeClr val="tx1"/>
+          </a:solidFill>
+          <a:ln>
+            <a:solidFill>
+              <a:schemeClr val="tx1"/>
+            </a:solidFill>
+          </a:ln>
+        </p:spPr>
+        <p:style>
+          <a:lnRef idx="2">
+            <a:schemeClr val="accent1">
+              <a:shade val="50000"/>
+            </a:schemeClr>
+          </a:lnRef>
+          <a:fillRef idx="1">
+            <a:schemeClr val="accent1"/>
+          </a:fillRef>
+          <a:effectRef idx="0">
+            <a:schemeClr val="accent1"/>
+          </a:effectRef>
+          <a:fontRef idx="minor">
+            <a:schemeClr val="lt1"/>
+          </a:fontRef>
+        </p:style>
+        <p:txBody>
+          <a:bodyPr rtlCol="0" anchor="ctr"/>
+          <a:lstStyle/>
+          <a:p>
+            <a:pPr algn="ctr"/>
+            <a:endParaRPr lang="en-US"/>
+          </a:p>
+        </p:txBody>
+      </p:sp>
     </p:spTree>
     <p:extLst>
       <p:ext uri="{BB962C8B-B14F-4D97-AF65-F5344CB8AC3E}">
         <p14:creationId xmlns:p14="http://schemas.microsoft.com/office/powerpoint/2010/main" val="3227390067"/>
+      </p:ext>
+    </p:extLst>
+  </p:cSld>
+  <p:clrMapOvr>
+    <a:masterClrMapping/>
+  </p:clrMapOvr>
+</p:sld>
+</file>
+
+<file path=ppt/slides/slide3.xml><?xml version="1.0" encoding="utf-8"?>
+<p:sld xmlns:a="http://schemas.openxmlformats.org/drawingml/2006/main" xmlns:r="http://schemas.openxmlformats.org/officeDocument/2006/relationships" xmlns:p="http://schemas.openxmlformats.org/presentationml/2006/main">
+  <p:cSld>
+    <p:spTree>
+      <p:nvGrpSpPr>
+        <p:cNvPr id="1" name=""/>
+        <p:cNvGrpSpPr/>
+        <p:nvPr/>
+      </p:nvGrpSpPr>
+      <p:grpSpPr>
+        <a:xfrm>
+          <a:off x="0" y="0"/>
+          <a:ext cx="0" cy="0"/>
+          <a:chOff x="0" y="0"/>
+          <a:chExt cx="0" cy="0"/>
+        </a:xfrm>
+      </p:grpSpPr>
+      <p:sp>
+        <p:nvSpPr>
+          <p:cNvPr id="2" name="Title 1">
+            <a:extLst>
+              <a:ext uri="{FF2B5EF4-FFF2-40B4-BE49-F238E27FC236}">
+                <a16:creationId xmlns:a16="http://schemas.microsoft.com/office/drawing/2014/main" id="{3D16FA55-4FC5-4AA4-8DCF-02DA8BF54BEC}"/>
+              </a:ext>
+            </a:extLst>
+          </p:cNvPr>
+          <p:cNvSpPr>
+            <a:spLocks noGrp="1"/>
+          </p:cNvSpPr>
+          <p:nvPr>
+            <p:ph type="title"/>
+          </p:nvPr>
+        </p:nvSpPr>
+        <p:spPr/>
+        <p:txBody>
+          <a:bodyPr/>
+          <a:lstStyle/>
+          <a:p>
+            <a:endParaRPr lang="en-US"/>
+          </a:p>
+        </p:txBody>
+      </p:sp>
+      <p:grpSp>
+        <p:nvGrpSpPr>
+          <p:cNvPr id="4" name="Group 3">
+            <a:extLst>
+              <a:ext uri="{FF2B5EF4-FFF2-40B4-BE49-F238E27FC236}">
+                <a16:creationId xmlns:a16="http://schemas.microsoft.com/office/drawing/2014/main" id="{6981C58C-AA58-4E75-BCC7-0BE0C88031EF}"/>
+              </a:ext>
+            </a:extLst>
+          </p:cNvPr>
+          <p:cNvGrpSpPr/>
+          <p:nvPr/>
+        </p:nvGrpSpPr>
+        <p:grpSpPr>
+          <a:xfrm>
+            <a:off x="1637075" y="4337247"/>
+            <a:ext cx="767582" cy="947045"/>
+            <a:chOff x="1744391" y="2279631"/>
+            <a:chExt cx="767582" cy="947045"/>
+          </a:xfrm>
+        </p:grpSpPr>
+        <p:grpSp>
+          <p:nvGrpSpPr>
+            <p:cNvPr id="5" name="Group 4">
+              <a:extLst>
+                <a:ext uri="{FF2B5EF4-FFF2-40B4-BE49-F238E27FC236}">
+                  <a16:creationId xmlns:a16="http://schemas.microsoft.com/office/drawing/2014/main" id="{681169C4-AC65-4157-8B5F-1D89DD0A485E}"/>
+                </a:ext>
+              </a:extLst>
+            </p:cNvPr>
+            <p:cNvGrpSpPr/>
+            <p:nvPr/>
+          </p:nvGrpSpPr>
+          <p:grpSpPr>
+            <a:xfrm>
+              <a:off x="1833729" y="2279631"/>
+              <a:ext cx="678244" cy="947045"/>
+              <a:chOff x="5070915" y="3803631"/>
+              <a:chExt cx="678244" cy="947045"/>
+            </a:xfrm>
+          </p:grpSpPr>
+          <p:grpSp>
+            <p:nvGrpSpPr>
+              <p:cNvPr id="7" name="Group 6">
+                <a:extLst>
+                  <a:ext uri="{FF2B5EF4-FFF2-40B4-BE49-F238E27FC236}">
+                    <a16:creationId xmlns:a16="http://schemas.microsoft.com/office/drawing/2014/main" id="{C9DDEAE1-D5C4-4CDF-8CB2-B47C9350ED02}"/>
+                  </a:ext>
+                </a:extLst>
+              </p:cNvPr>
+              <p:cNvGrpSpPr/>
+              <p:nvPr/>
+            </p:nvGrpSpPr>
+            <p:grpSpPr>
+              <a:xfrm>
+                <a:off x="5070915" y="3804746"/>
+                <a:ext cx="678244" cy="945930"/>
+                <a:chOff x="4466895" y="3090041"/>
+                <a:chExt cx="2007476" cy="2375339"/>
+              </a:xfrm>
+            </p:grpSpPr>
+            <p:sp>
+              <p:nvSpPr>
+                <p:cNvPr id="9" name="Rectangle 8">
+                  <a:extLst>
+                    <a:ext uri="{FF2B5EF4-FFF2-40B4-BE49-F238E27FC236}">
+                      <a16:creationId xmlns:a16="http://schemas.microsoft.com/office/drawing/2014/main" id="{925DCE53-47B6-4192-B9FE-FAE9B0DA128E}"/>
+                    </a:ext>
+                  </a:extLst>
+                </p:cNvPr>
+                <p:cNvSpPr/>
+                <p:nvPr/>
+              </p:nvSpPr>
+              <p:spPr>
+                <a:xfrm>
+                  <a:off x="4466896" y="3090042"/>
+                  <a:ext cx="2007475" cy="2375338"/>
+                </a:xfrm>
+                <a:prstGeom prst="rect">
+                  <a:avLst/>
+                </a:prstGeom>
+                <a:noFill/>
+                <a:ln w="19050">
+                  <a:solidFill>
+                    <a:schemeClr val="tx1"/>
+                  </a:solidFill>
+                </a:ln>
+              </p:spPr>
+              <p:style>
+                <a:lnRef idx="2">
+                  <a:schemeClr val="accent1">
+                    <a:shade val="50000"/>
+                  </a:schemeClr>
+                </a:lnRef>
+                <a:fillRef idx="1">
+                  <a:schemeClr val="accent1"/>
+                </a:fillRef>
+                <a:effectRef idx="0">
+                  <a:schemeClr val="accent1"/>
+                </a:effectRef>
+                <a:fontRef idx="minor">
+                  <a:schemeClr val="lt1"/>
+                </a:fontRef>
+              </p:style>
+              <p:txBody>
+                <a:bodyPr rtlCol="0" anchor="ctr"/>
+                <a:lstStyle/>
+                <a:p>
+                  <a:pPr algn="ctr"/>
+                  <a:endParaRPr lang="en-US"/>
+                </a:p>
+              </p:txBody>
+            </p:sp>
+            <p:cxnSp>
+              <p:nvCxnSpPr>
+                <p:cNvPr id="10" name="Straight Connector 9">
+                  <a:extLst>
+                    <a:ext uri="{FF2B5EF4-FFF2-40B4-BE49-F238E27FC236}">
+                      <a16:creationId xmlns:a16="http://schemas.microsoft.com/office/drawing/2014/main" id="{F6D2EE63-C952-4A4C-B999-62F45B2B8A79}"/>
+                    </a:ext>
+                  </a:extLst>
+                </p:cNvPr>
+                <p:cNvCxnSpPr>
+                  <a:cxnSpLocks/>
+                </p:cNvCxnSpPr>
+                <p:nvPr/>
+              </p:nvCxnSpPr>
+              <p:spPr>
+                <a:xfrm>
+                  <a:off x="5806965" y="3090041"/>
+                  <a:ext cx="0" cy="2375339"/>
+                </a:xfrm>
+                <a:prstGeom prst="line">
+                  <a:avLst/>
+                </a:prstGeom>
+                <a:ln w="19050">
+                  <a:solidFill>
+                    <a:schemeClr val="tx1"/>
+                  </a:solidFill>
+                </a:ln>
+              </p:spPr>
+              <p:style>
+                <a:lnRef idx="1">
+                  <a:schemeClr val="accent1"/>
+                </a:lnRef>
+                <a:fillRef idx="0">
+                  <a:schemeClr val="accent1"/>
+                </a:fillRef>
+                <a:effectRef idx="0">
+                  <a:schemeClr val="accent1"/>
+                </a:effectRef>
+                <a:fontRef idx="minor">
+                  <a:schemeClr val="tx1"/>
+                </a:fontRef>
+              </p:style>
+            </p:cxnSp>
+            <p:cxnSp>
+              <p:nvCxnSpPr>
+                <p:cNvPr id="11" name="Straight Connector 10">
+                  <a:extLst>
+                    <a:ext uri="{FF2B5EF4-FFF2-40B4-BE49-F238E27FC236}">
+                      <a16:creationId xmlns:a16="http://schemas.microsoft.com/office/drawing/2014/main" id="{B5911EDD-F74F-4B25-A480-47267EF568E8}"/>
+                    </a:ext>
+                  </a:extLst>
+                </p:cNvPr>
+                <p:cNvCxnSpPr/>
+                <p:nvPr/>
+              </p:nvCxnSpPr>
+              <p:spPr>
+                <a:xfrm>
+                  <a:off x="4466896" y="3626070"/>
+                  <a:ext cx="2007475" cy="0"/>
+                </a:xfrm>
+                <a:prstGeom prst="line">
+                  <a:avLst/>
+                </a:prstGeom>
+                <a:ln w="19050">
+                  <a:solidFill>
+                    <a:schemeClr val="tx1"/>
+                  </a:solidFill>
+                </a:ln>
+              </p:spPr>
+              <p:style>
+                <a:lnRef idx="1">
+                  <a:schemeClr val="accent1"/>
+                </a:lnRef>
+                <a:fillRef idx="0">
+                  <a:schemeClr val="accent1"/>
+                </a:fillRef>
+                <a:effectRef idx="0">
+                  <a:schemeClr val="accent1"/>
+                </a:effectRef>
+                <a:fontRef idx="minor">
+                  <a:schemeClr val="tx1"/>
+                </a:fontRef>
+              </p:style>
+            </p:cxnSp>
+            <p:cxnSp>
+              <p:nvCxnSpPr>
+                <p:cNvPr id="12" name="Straight Connector 11">
+                  <a:extLst>
+                    <a:ext uri="{FF2B5EF4-FFF2-40B4-BE49-F238E27FC236}">
+                      <a16:creationId xmlns:a16="http://schemas.microsoft.com/office/drawing/2014/main" id="{834A3DAF-B0AE-4380-B876-F0FF08B2B15C}"/>
+                    </a:ext>
+                  </a:extLst>
+                </p:cNvPr>
+                <p:cNvCxnSpPr/>
+                <p:nvPr/>
+              </p:nvCxnSpPr>
+              <p:spPr>
+                <a:xfrm>
+                  <a:off x="4466895" y="4261945"/>
+                  <a:ext cx="2007475" cy="0"/>
+                </a:xfrm>
+                <a:prstGeom prst="line">
+                  <a:avLst/>
+                </a:prstGeom>
+                <a:ln w="19050">
+                  <a:solidFill>
+                    <a:schemeClr val="tx1"/>
+                  </a:solidFill>
+                </a:ln>
+              </p:spPr>
+              <p:style>
+                <a:lnRef idx="1">
+                  <a:schemeClr val="accent1"/>
+                </a:lnRef>
+                <a:fillRef idx="0">
+                  <a:schemeClr val="accent1"/>
+                </a:fillRef>
+                <a:effectRef idx="0">
+                  <a:schemeClr val="accent1"/>
+                </a:effectRef>
+                <a:fontRef idx="minor">
+                  <a:schemeClr val="tx1"/>
+                </a:fontRef>
+              </p:style>
+            </p:cxnSp>
+            <p:cxnSp>
+              <p:nvCxnSpPr>
+                <p:cNvPr id="13" name="Straight Connector 12">
+                  <a:extLst>
+                    <a:ext uri="{FF2B5EF4-FFF2-40B4-BE49-F238E27FC236}">
+                      <a16:creationId xmlns:a16="http://schemas.microsoft.com/office/drawing/2014/main" id="{1B77A008-AA46-46D6-8D6D-7FD5864BF4F9}"/>
+                    </a:ext>
+                  </a:extLst>
+                </p:cNvPr>
+                <p:cNvCxnSpPr/>
+                <p:nvPr/>
+              </p:nvCxnSpPr>
+              <p:spPr>
+                <a:xfrm>
+                  <a:off x="4466895" y="4850525"/>
+                  <a:ext cx="2007475" cy="0"/>
+                </a:xfrm>
+                <a:prstGeom prst="line">
+                  <a:avLst/>
+                </a:prstGeom>
+                <a:ln w="19050">
+                  <a:solidFill>
+                    <a:schemeClr val="tx1"/>
+                  </a:solidFill>
+                </a:ln>
+              </p:spPr>
+              <p:style>
+                <a:lnRef idx="1">
+                  <a:schemeClr val="accent1"/>
+                </a:lnRef>
+                <a:fillRef idx="0">
+                  <a:schemeClr val="accent1"/>
+                </a:fillRef>
+                <a:effectRef idx="0">
+                  <a:schemeClr val="accent1"/>
+                </a:effectRef>
+                <a:fontRef idx="minor">
+                  <a:schemeClr val="tx1"/>
+                </a:fontRef>
+              </p:style>
+            </p:cxnSp>
+            <p:cxnSp>
+              <p:nvCxnSpPr>
+                <p:cNvPr id="14" name="Straight Connector 13">
+                  <a:extLst>
+                    <a:ext uri="{FF2B5EF4-FFF2-40B4-BE49-F238E27FC236}">
+                      <a16:creationId xmlns:a16="http://schemas.microsoft.com/office/drawing/2014/main" id="{E9005E65-3204-49DC-83D9-BDFA4F003223}"/>
+                    </a:ext>
+                  </a:extLst>
+                </p:cNvPr>
+                <p:cNvCxnSpPr>
+                  <a:cxnSpLocks/>
+                </p:cNvCxnSpPr>
+                <p:nvPr/>
+              </p:nvCxnSpPr>
+              <p:spPr>
+                <a:xfrm>
+                  <a:off x="5139558" y="3090041"/>
+                  <a:ext cx="0" cy="2375339"/>
+                </a:xfrm>
+                <a:prstGeom prst="line">
+                  <a:avLst/>
+                </a:prstGeom>
+                <a:ln w="19050">
+                  <a:solidFill>
+                    <a:schemeClr val="tx1"/>
+                  </a:solidFill>
+                </a:ln>
+              </p:spPr>
+              <p:style>
+                <a:lnRef idx="1">
+                  <a:schemeClr val="accent1"/>
+                </a:lnRef>
+                <a:fillRef idx="0">
+                  <a:schemeClr val="accent1"/>
+                </a:fillRef>
+                <a:effectRef idx="0">
+                  <a:schemeClr val="accent1"/>
+                </a:effectRef>
+                <a:fontRef idx="minor">
+                  <a:schemeClr val="tx1"/>
+                </a:fontRef>
+              </p:style>
+            </p:cxnSp>
+          </p:grpSp>
+          <p:cxnSp>
+            <p:nvCxnSpPr>
+              <p:cNvPr id="8" name="Straight Connector 7">
+                <a:extLst>
+                  <a:ext uri="{FF2B5EF4-FFF2-40B4-BE49-F238E27FC236}">
+                    <a16:creationId xmlns:a16="http://schemas.microsoft.com/office/drawing/2014/main" id="{1476DCC0-40AB-4E9B-98E4-D62CC9466142}"/>
+                  </a:ext>
+                </a:extLst>
+              </p:cNvPr>
+              <p:cNvCxnSpPr>
+                <a:cxnSpLocks/>
+              </p:cNvCxnSpPr>
+              <p:nvPr/>
+            </p:nvCxnSpPr>
+            <p:spPr>
+              <a:xfrm flipV="1">
+                <a:off x="5070915" y="3803631"/>
+                <a:ext cx="678244" cy="1115"/>
+              </a:xfrm>
+              <a:prstGeom prst="line">
+                <a:avLst/>
+              </a:prstGeom>
+              <a:ln w="38100">
+                <a:solidFill>
+                  <a:schemeClr val="tx1"/>
+                </a:solidFill>
+              </a:ln>
+            </p:spPr>
+            <p:style>
+              <a:lnRef idx="1">
+                <a:schemeClr val="accent1"/>
+              </a:lnRef>
+              <a:fillRef idx="0">
+                <a:schemeClr val="accent1"/>
+              </a:fillRef>
+              <a:effectRef idx="0">
+                <a:schemeClr val="accent1"/>
+              </a:effectRef>
+              <a:fontRef idx="minor">
+                <a:schemeClr val="tx1"/>
+              </a:fontRef>
+            </p:style>
+          </p:cxnSp>
+        </p:grpSp>
+        <p:sp>
+          <p:nvSpPr>
+            <p:cNvPr id="6" name="Oval 5">
+              <a:extLst>
+                <a:ext uri="{FF2B5EF4-FFF2-40B4-BE49-F238E27FC236}">
+                  <a16:creationId xmlns:a16="http://schemas.microsoft.com/office/drawing/2014/main" id="{67EA0591-E0E4-4B91-8AA9-FBA18C3A207C}"/>
+                </a:ext>
+              </a:extLst>
+            </p:cNvPr>
+            <p:cNvSpPr/>
+            <p:nvPr/>
+          </p:nvSpPr>
+          <p:spPr>
+            <a:xfrm>
+              <a:off x="1744391" y="2532271"/>
+              <a:ext cx="178676" cy="178676"/>
+            </a:xfrm>
+            <a:prstGeom prst="ellipse">
+              <a:avLst/>
+            </a:prstGeom>
+            <a:solidFill>
+              <a:schemeClr val="tx1"/>
+            </a:solidFill>
+            <a:ln>
+              <a:solidFill>
+                <a:schemeClr val="tx1"/>
+              </a:solidFill>
+            </a:ln>
+          </p:spPr>
+          <p:style>
+            <a:lnRef idx="2">
+              <a:schemeClr val="accent1">
+                <a:shade val="50000"/>
+              </a:schemeClr>
+            </a:lnRef>
+            <a:fillRef idx="1">
+              <a:schemeClr val="accent1"/>
+            </a:fillRef>
+            <a:effectRef idx="0">
+              <a:schemeClr val="accent1"/>
+            </a:effectRef>
+            <a:fontRef idx="minor">
+              <a:schemeClr val="lt1"/>
+            </a:fontRef>
+          </p:style>
+          <p:txBody>
+            <a:bodyPr rtlCol="0" anchor="ctr"/>
+            <a:lstStyle/>
+            <a:p>
+              <a:pPr algn="ctr"/>
+              <a:endParaRPr lang="en-US"/>
+            </a:p>
+          </p:txBody>
+        </p:sp>
+      </p:grpSp>
+      <p:grpSp>
+        <p:nvGrpSpPr>
+          <p:cNvPr id="15" name="Group 14">
+            <a:extLst>
+              <a:ext uri="{FF2B5EF4-FFF2-40B4-BE49-F238E27FC236}">
+                <a16:creationId xmlns:a16="http://schemas.microsoft.com/office/drawing/2014/main" id="{ED4CEEC3-8A23-4499-891D-14946A4063F0}"/>
+              </a:ext>
+            </a:extLst>
+          </p:cNvPr>
+          <p:cNvGrpSpPr/>
+          <p:nvPr/>
+        </p:nvGrpSpPr>
+        <p:grpSpPr>
+          <a:xfrm>
+            <a:off x="3162239" y="2816891"/>
+            <a:ext cx="764624" cy="945930"/>
+            <a:chOff x="8724839" y="3778608"/>
+            <a:chExt cx="764624" cy="945930"/>
+          </a:xfrm>
+        </p:grpSpPr>
+        <p:grpSp>
+          <p:nvGrpSpPr>
+            <p:cNvPr id="16" name="Group 15">
+              <a:extLst>
+                <a:ext uri="{FF2B5EF4-FFF2-40B4-BE49-F238E27FC236}">
+                  <a16:creationId xmlns:a16="http://schemas.microsoft.com/office/drawing/2014/main" id="{65B51F1E-0337-47EE-B253-DC53A07313E3}"/>
+                </a:ext>
+              </a:extLst>
+            </p:cNvPr>
+            <p:cNvGrpSpPr/>
+            <p:nvPr/>
+          </p:nvGrpSpPr>
+          <p:grpSpPr>
+            <a:xfrm>
+              <a:off x="8724839" y="3778608"/>
+              <a:ext cx="678244" cy="945930"/>
+              <a:chOff x="5070915" y="3804746"/>
+              <a:chExt cx="678244" cy="945930"/>
+            </a:xfrm>
+          </p:grpSpPr>
+          <p:grpSp>
+            <p:nvGrpSpPr>
+              <p:cNvPr id="21" name="Group 20">
+                <a:extLst>
+                  <a:ext uri="{FF2B5EF4-FFF2-40B4-BE49-F238E27FC236}">
+                    <a16:creationId xmlns:a16="http://schemas.microsoft.com/office/drawing/2014/main" id="{8588B341-0D61-4965-9AF3-097653DF77A6}"/>
+                  </a:ext>
+                </a:extLst>
+              </p:cNvPr>
+              <p:cNvGrpSpPr/>
+              <p:nvPr/>
+            </p:nvGrpSpPr>
+            <p:grpSpPr>
+              <a:xfrm>
+                <a:off x="5070915" y="3804746"/>
+                <a:ext cx="678244" cy="945930"/>
+                <a:chOff x="4466895" y="3090041"/>
+                <a:chExt cx="2007476" cy="2375339"/>
+              </a:xfrm>
+            </p:grpSpPr>
+            <p:sp>
+              <p:nvSpPr>
+                <p:cNvPr id="23" name="Rectangle 22">
+                  <a:extLst>
+                    <a:ext uri="{FF2B5EF4-FFF2-40B4-BE49-F238E27FC236}">
+                      <a16:creationId xmlns:a16="http://schemas.microsoft.com/office/drawing/2014/main" id="{9E897321-4A78-40A5-A6E2-D7C6C8682F41}"/>
+                    </a:ext>
+                  </a:extLst>
+                </p:cNvPr>
+                <p:cNvSpPr/>
+                <p:nvPr/>
+              </p:nvSpPr>
+              <p:spPr>
+                <a:xfrm>
+                  <a:off x="4466896" y="3090042"/>
+                  <a:ext cx="2007475" cy="2375338"/>
+                </a:xfrm>
+                <a:prstGeom prst="rect">
+                  <a:avLst/>
+                </a:prstGeom>
+                <a:noFill/>
+                <a:ln w="19050">
+                  <a:solidFill>
+                    <a:schemeClr val="tx1"/>
+                  </a:solidFill>
+                </a:ln>
+              </p:spPr>
+              <p:style>
+                <a:lnRef idx="2">
+                  <a:schemeClr val="accent1">
+                    <a:shade val="50000"/>
+                  </a:schemeClr>
+                </a:lnRef>
+                <a:fillRef idx="1">
+                  <a:schemeClr val="accent1"/>
+                </a:fillRef>
+                <a:effectRef idx="0">
+                  <a:schemeClr val="accent1"/>
+                </a:effectRef>
+                <a:fontRef idx="minor">
+                  <a:schemeClr val="lt1"/>
+                </a:fontRef>
+              </p:style>
+              <p:txBody>
+                <a:bodyPr rtlCol="0" anchor="ctr"/>
+                <a:lstStyle/>
+                <a:p>
+                  <a:pPr algn="ctr"/>
+                  <a:endParaRPr lang="en-US"/>
+                </a:p>
+              </p:txBody>
+            </p:sp>
+            <p:cxnSp>
+              <p:nvCxnSpPr>
+                <p:cNvPr id="24" name="Straight Connector 23">
+                  <a:extLst>
+                    <a:ext uri="{FF2B5EF4-FFF2-40B4-BE49-F238E27FC236}">
+                      <a16:creationId xmlns:a16="http://schemas.microsoft.com/office/drawing/2014/main" id="{16FA282D-5EE0-4069-853C-A3ACC1E72810}"/>
+                    </a:ext>
+                  </a:extLst>
+                </p:cNvPr>
+                <p:cNvCxnSpPr>
+                  <a:cxnSpLocks/>
+                </p:cNvCxnSpPr>
+                <p:nvPr/>
+              </p:nvCxnSpPr>
+              <p:spPr>
+                <a:xfrm>
+                  <a:off x="5806965" y="3090041"/>
+                  <a:ext cx="0" cy="2375339"/>
+                </a:xfrm>
+                <a:prstGeom prst="line">
+                  <a:avLst/>
+                </a:prstGeom>
+                <a:ln w="19050">
+                  <a:solidFill>
+                    <a:schemeClr val="tx1"/>
+                  </a:solidFill>
+                </a:ln>
+              </p:spPr>
+              <p:style>
+                <a:lnRef idx="1">
+                  <a:schemeClr val="accent1"/>
+                </a:lnRef>
+                <a:fillRef idx="0">
+                  <a:schemeClr val="accent1"/>
+                </a:fillRef>
+                <a:effectRef idx="0">
+                  <a:schemeClr val="accent1"/>
+                </a:effectRef>
+                <a:fontRef idx="minor">
+                  <a:schemeClr val="tx1"/>
+                </a:fontRef>
+              </p:style>
+            </p:cxnSp>
+            <p:cxnSp>
+              <p:nvCxnSpPr>
+                <p:cNvPr id="25" name="Straight Connector 24">
+                  <a:extLst>
+                    <a:ext uri="{FF2B5EF4-FFF2-40B4-BE49-F238E27FC236}">
+                      <a16:creationId xmlns:a16="http://schemas.microsoft.com/office/drawing/2014/main" id="{0E6C7F50-4980-4F7E-AC93-91137A976317}"/>
+                    </a:ext>
+                  </a:extLst>
+                </p:cNvPr>
+                <p:cNvCxnSpPr/>
+                <p:nvPr/>
+              </p:nvCxnSpPr>
+              <p:spPr>
+                <a:xfrm>
+                  <a:off x="4466896" y="3626070"/>
+                  <a:ext cx="2007475" cy="0"/>
+                </a:xfrm>
+                <a:prstGeom prst="line">
+                  <a:avLst/>
+                </a:prstGeom>
+                <a:ln w="19050">
+                  <a:solidFill>
+                    <a:schemeClr val="tx1"/>
+                  </a:solidFill>
+                </a:ln>
+              </p:spPr>
+              <p:style>
+                <a:lnRef idx="1">
+                  <a:schemeClr val="accent1"/>
+                </a:lnRef>
+                <a:fillRef idx="0">
+                  <a:schemeClr val="accent1"/>
+                </a:fillRef>
+                <a:effectRef idx="0">
+                  <a:schemeClr val="accent1"/>
+                </a:effectRef>
+                <a:fontRef idx="minor">
+                  <a:schemeClr val="tx1"/>
+                </a:fontRef>
+              </p:style>
+            </p:cxnSp>
+            <p:cxnSp>
+              <p:nvCxnSpPr>
+                <p:cNvPr id="26" name="Straight Connector 25">
+                  <a:extLst>
+                    <a:ext uri="{FF2B5EF4-FFF2-40B4-BE49-F238E27FC236}">
+                      <a16:creationId xmlns:a16="http://schemas.microsoft.com/office/drawing/2014/main" id="{626B9044-0F41-468F-AA95-E6F014C85D5E}"/>
+                    </a:ext>
+                  </a:extLst>
+                </p:cNvPr>
+                <p:cNvCxnSpPr/>
+                <p:nvPr/>
+              </p:nvCxnSpPr>
+              <p:spPr>
+                <a:xfrm>
+                  <a:off x="4466895" y="4261945"/>
+                  <a:ext cx="2007475" cy="0"/>
+                </a:xfrm>
+                <a:prstGeom prst="line">
+                  <a:avLst/>
+                </a:prstGeom>
+                <a:ln w="19050">
+                  <a:solidFill>
+                    <a:schemeClr val="tx1"/>
+                  </a:solidFill>
+                </a:ln>
+              </p:spPr>
+              <p:style>
+                <a:lnRef idx="1">
+                  <a:schemeClr val="accent1"/>
+                </a:lnRef>
+                <a:fillRef idx="0">
+                  <a:schemeClr val="accent1"/>
+                </a:fillRef>
+                <a:effectRef idx="0">
+                  <a:schemeClr val="accent1"/>
+                </a:effectRef>
+                <a:fontRef idx="minor">
+                  <a:schemeClr val="tx1"/>
+                </a:fontRef>
+              </p:style>
+            </p:cxnSp>
+            <p:cxnSp>
+              <p:nvCxnSpPr>
+                <p:cNvPr id="27" name="Straight Connector 26">
+                  <a:extLst>
+                    <a:ext uri="{FF2B5EF4-FFF2-40B4-BE49-F238E27FC236}">
+                      <a16:creationId xmlns:a16="http://schemas.microsoft.com/office/drawing/2014/main" id="{8AFA6C29-592C-4C5C-A5C3-0A152C3EC508}"/>
+                    </a:ext>
+                  </a:extLst>
+                </p:cNvPr>
+                <p:cNvCxnSpPr/>
+                <p:nvPr/>
+              </p:nvCxnSpPr>
+              <p:spPr>
+                <a:xfrm>
+                  <a:off x="4466895" y="4850525"/>
+                  <a:ext cx="2007475" cy="0"/>
+                </a:xfrm>
+                <a:prstGeom prst="line">
+                  <a:avLst/>
+                </a:prstGeom>
+                <a:ln w="19050">
+                  <a:solidFill>
+                    <a:schemeClr val="tx1"/>
+                  </a:solidFill>
+                </a:ln>
+              </p:spPr>
+              <p:style>
+                <a:lnRef idx="1">
+                  <a:schemeClr val="accent1"/>
+                </a:lnRef>
+                <a:fillRef idx="0">
+                  <a:schemeClr val="accent1"/>
+                </a:fillRef>
+                <a:effectRef idx="0">
+                  <a:schemeClr val="accent1"/>
+                </a:effectRef>
+                <a:fontRef idx="minor">
+                  <a:schemeClr val="tx1"/>
+                </a:fontRef>
+              </p:style>
+            </p:cxnSp>
+            <p:cxnSp>
+              <p:nvCxnSpPr>
+                <p:cNvPr id="28" name="Straight Connector 27">
+                  <a:extLst>
+                    <a:ext uri="{FF2B5EF4-FFF2-40B4-BE49-F238E27FC236}">
+                      <a16:creationId xmlns:a16="http://schemas.microsoft.com/office/drawing/2014/main" id="{0A9F87F1-B365-4826-98A2-5175082DC487}"/>
+                    </a:ext>
+                  </a:extLst>
+                </p:cNvPr>
+                <p:cNvCxnSpPr>
+                  <a:cxnSpLocks/>
+                </p:cNvCxnSpPr>
+                <p:nvPr/>
+              </p:nvCxnSpPr>
+              <p:spPr>
+                <a:xfrm>
+                  <a:off x="5139558" y="3090041"/>
+                  <a:ext cx="0" cy="2375339"/>
+                </a:xfrm>
+                <a:prstGeom prst="line">
+                  <a:avLst/>
+                </a:prstGeom>
+                <a:ln w="19050">
+                  <a:solidFill>
+                    <a:schemeClr val="tx1"/>
+                  </a:solidFill>
+                </a:ln>
+              </p:spPr>
+              <p:style>
+                <a:lnRef idx="1">
+                  <a:schemeClr val="accent1"/>
+                </a:lnRef>
+                <a:fillRef idx="0">
+                  <a:schemeClr val="accent1"/>
+                </a:fillRef>
+                <a:effectRef idx="0">
+                  <a:schemeClr val="accent1"/>
+                </a:effectRef>
+                <a:fontRef idx="minor">
+                  <a:schemeClr val="tx1"/>
+                </a:fontRef>
+              </p:style>
+            </p:cxnSp>
+          </p:grpSp>
+          <p:cxnSp>
+            <p:nvCxnSpPr>
+              <p:cNvPr id="22" name="Straight Connector 21">
+                <a:extLst>
+                  <a:ext uri="{FF2B5EF4-FFF2-40B4-BE49-F238E27FC236}">
+                    <a16:creationId xmlns:a16="http://schemas.microsoft.com/office/drawing/2014/main" id="{EB67E8EE-41DA-4D4E-9443-55A1C3D4AAAC}"/>
+                  </a:ext>
+                </a:extLst>
+              </p:cNvPr>
+              <p:cNvCxnSpPr/>
+              <p:nvPr/>
+            </p:nvCxnSpPr>
+            <p:spPr>
+              <a:xfrm>
+                <a:off x="5070915" y="3804746"/>
+                <a:ext cx="678244" cy="0"/>
+              </a:xfrm>
+              <a:prstGeom prst="line">
+                <a:avLst/>
+              </a:prstGeom>
+              <a:ln w="38100">
+                <a:solidFill>
+                  <a:schemeClr val="tx1"/>
+                </a:solidFill>
+              </a:ln>
+            </p:spPr>
+            <p:style>
+              <a:lnRef idx="1">
+                <a:schemeClr val="accent1"/>
+              </a:lnRef>
+              <a:fillRef idx="0">
+                <a:schemeClr val="accent1"/>
+              </a:fillRef>
+              <a:effectRef idx="0">
+                <a:schemeClr val="accent1"/>
+              </a:effectRef>
+              <a:fontRef idx="minor">
+                <a:schemeClr val="tx1"/>
+              </a:fontRef>
+            </p:style>
+          </p:cxnSp>
+        </p:grpSp>
+        <p:sp>
+          <p:nvSpPr>
+            <p:cNvPr id="17" name="Oval 16">
+              <a:extLst>
+                <a:ext uri="{FF2B5EF4-FFF2-40B4-BE49-F238E27FC236}">
+                  <a16:creationId xmlns:a16="http://schemas.microsoft.com/office/drawing/2014/main" id="{9BA3399D-076B-444C-A184-891A4CE0915D}"/>
+                </a:ext>
+              </a:extLst>
+            </p:cNvPr>
+            <p:cNvSpPr/>
+            <p:nvPr/>
+          </p:nvSpPr>
+          <p:spPr>
+            <a:xfrm>
+              <a:off x="8858272" y="4026295"/>
+              <a:ext cx="178676" cy="178676"/>
+            </a:xfrm>
+            <a:prstGeom prst="ellipse">
+              <a:avLst/>
+            </a:prstGeom>
+            <a:solidFill>
+              <a:schemeClr val="tx1"/>
+            </a:solidFill>
+            <a:ln>
+              <a:solidFill>
+                <a:schemeClr val="tx1"/>
+              </a:solidFill>
+            </a:ln>
+          </p:spPr>
+          <p:style>
+            <a:lnRef idx="2">
+              <a:schemeClr val="accent1">
+                <a:shade val="50000"/>
+              </a:schemeClr>
+            </a:lnRef>
+            <a:fillRef idx="1">
+              <a:schemeClr val="accent1"/>
+            </a:fillRef>
+            <a:effectRef idx="0">
+              <a:schemeClr val="accent1"/>
+            </a:effectRef>
+            <a:fontRef idx="minor">
+              <a:schemeClr val="lt1"/>
+            </a:fontRef>
+          </p:style>
+          <p:txBody>
+            <a:bodyPr rtlCol="0" anchor="ctr"/>
+            <a:lstStyle/>
+            <a:p>
+              <a:pPr algn="ctr"/>
+              <a:endParaRPr lang="en-US"/>
+            </a:p>
+          </p:txBody>
+        </p:sp>
+        <p:sp>
+          <p:nvSpPr>
+            <p:cNvPr id="19" name="Oval 18">
+              <a:extLst>
+                <a:ext uri="{FF2B5EF4-FFF2-40B4-BE49-F238E27FC236}">
+                  <a16:creationId xmlns:a16="http://schemas.microsoft.com/office/drawing/2014/main" id="{8FFDD11A-E0CC-4EF9-9579-587890AB14A4}"/>
+                </a:ext>
+              </a:extLst>
+            </p:cNvPr>
+            <p:cNvSpPr/>
+            <p:nvPr/>
+          </p:nvSpPr>
+          <p:spPr>
+            <a:xfrm>
+              <a:off x="9080307" y="4266222"/>
+              <a:ext cx="178676" cy="178676"/>
+            </a:xfrm>
+            <a:prstGeom prst="ellipse">
+              <a:avLst/>
+            </a:prstGeom>
+            <a:solidFill>
+              <a:schemeClr val="tx1"/>
+            </a:solidFill>
+            <a:ln>
+              <a:solidFill>
+                <a:schemeClr val="tx1"/>
+              </a:solidFill>
+            </a:ln>
+          </p:spPr>
+          <p:style>
+            <a:lnRef idx="2">
+              <a:schemeClr val="accent1">
+                <a:shade val="50000"/>
+              </a:schemeClr>
+            </a:lnRef>
+            <a:fillRef idx="1">
+              <a:schemeClr val="accent1"/>
+            </a:fillRef>
+            <a:effectRef idx="0">
+              <a:schemeClr val="accent1"/>
+            </a:effectRef>
+            <a:fontRef idx="minor">
+              <a:schemeClr val="lt1"/>
+            </a:fontRef>
+          </p:style>
+          <p:txBody>
+            <a:bodyPr rtlCol="0" anchor="ctr"/>
+            <a:lstStyle/>
+            <a:p>
+              <a:pPr algn="ctr"/>
+              <a:endParaRPr lang="en-US"/>
+            </a:p>
+          </p:txBody>
+        </p:sp>
+        <p:sp>
+          <p:nvSpPr>
+            <p:cNvPr id="20" name="Oval 19">
+              <a:extLst>
+                <a:ext uri="{FF2B5EF4-FFF2-40B4-BE49-F238E27FC236}">
+                  <a16:creationId xmlns:a16="http://schemas.microsoft.com/office/drawing/2014/main" id="{047C1606-2507-4ACF-AC20-D7ED47E74952}"/>
+                </a:ext>
+              </a:extLst>
+            </p:cNvPr>
+            <p:cNvSpPr/>
+            <p:nvPr/>
+          </p:nvSpPr>
+          <p:spPr>
+            <a:xfrm>
+              <a:off x="9310787" y="4027246"/>
+              <a:ext cx="178676" cy="178676"/>
+            </a:xfrm>
+            <a:prstGeom prst="ellipse">
+              <a:avLst/>
+            </a:prstGeom>
+            <a:solidFill>
+              <a:schemeClr val="tx1"/>
+            </a:solidFill>
+            <a:ln>
+              <a:solidFill>
+                <a:schemeClr val="tx1"/>
+              </a:solidFill>
+            </a:ln>
+          </p:spPr>
+          <p:style>
+            <a:lnRef idx="2">
+              <a:schemeClr val="accent1">
+                <a:shade val="50000"/>
+              </a:schemeClr>
+            </a:lnRef>
+            <a:fillRef idx="1">
+              <a:schemeClr val="accent1"/>
+            </a:fillRef>
+            <a:effectRef idx="0">
+              <a:schemeClr val="accent1"/>
+            </a:effectRef>
+            <a:fontRef idx="minor">
+              <a:schemeClr val="lt1"/>
+            </a:fontRef>
+          </p:style>
+          <p:txBody>
+            <a:bodyPr rtlCol="0" anchor="ctr"/>
+            <a:lstStyle/>
+            <a:p>
+              <a:pPr algn="ctr"/>
+              <a:endParaRPr lang="en-US"/>
+            </a:p>
+          </p:txBody>
+        </p:sp>
+      </p:grpSp>
+      <p:grpSp>
+        <p:nvGrpSpPr>
+          <p:cNvPr id="29" name="Group 28">
+            <a:extLst>
+              <a:ext uri="{FF2B5EF4-FFF2-40B4-BE49-F238E27FC236}">
+                <a16:creationId xmlns:a16="http://schemas.microsoft.com/office/drawing/2014/main" id="{475D6823-6ACD-49DE-9567-0B2BF259B195}"/>
+              </a:ext>
+            </a:extLst>
+          </p:cNvPr>
+          <p:cNvGrpSpPr/>
+          <p:nvPr/>
+        </p:nvGrpSpPr>
+        <p:grpSpPr>
+          <a:xfrm>
+            <a:off x="4475883" y="2770289"/>
+            <a:ext cx="764624" cy="945930"/>
+            <a:chOff x="8724839" y="3778608"/>
+            <a:chExt cx="764624" cy="945930"/>
+          </a:xfrm>
+        </p:grpSpPr>
+        <p:grpSp>
+          <p:nvGrpSpPr>
+            <p:cNvPr id="30" name="Group 29">
+              <a:extLst>
+                <a:ext uri="{FF2B5EF4-FFF2-40B4-BE49-F238E27FC236}">
+                  <a16:creationId xmlns:a16="http://schemas.microsoft.com/office/drawing/2014/main" id="{E654405F-79B1-4632-9E91-382D9EB03AB3}"/>
+                </a:ext>
+              </a:extLst>
+            </p:cNvPr>
+            <p:cNvGrpSpPr/>
+            <p:nvPr/>
+          </p:nvGrpSpPr>
+          <p:grpSpPr>
+            <a:xfrm>
+              <a:off x="8724839" y="3778608"/>
+              <a:ext cx="678244" cy="945930"/>
+              <a:chOff x="5070915" y="3804746"/>
+              <a:chExt cx="678244" cy="945930"/>
+            </a:xfrm>
+          </p:grpSpPr>
+          <p:grpSp>
+            <p:nvGrpSpPr>
+              <p:cNvPr id="34" name="Group 33">
+                <a:extLst>
+                  <a:ext uri="{FF2B5EF4-FFF2-40B4-BE49-F238E27FC236}">
+                    <a16:creationId xmlns:a16="http://schemas.microsoft.com/office/drawing/2014/main" id="{22703A36-6680-41CF-AC38-21DC740F10F8}"/>
+                  </a:ext>
+                </a:extLst>
+              </p:cNvPr>
+              <p:cNvGrpSpPr/>
+              <p:nvPr/>
+            </p:nvGrpSpPr>
+            <p:grpSpPr>
+              <a:xfrm>
+                <a:off x="5070915" y="3804746"/>
+                <a:ext cx="678244" cy="945930"/>
+                <a:chOff x="4466895" y="3090041"/>
+                <a:chExt cx="2007476" cy="2375339"/>
+              </a:xfrm>
+            </p:grpSpPr>
+            <p:sp>
+              <p:nvSpPr>
+                <p:cNvPr id="36" name="Rectangle 35">
+                  <a:extLst>
+                    <a:ext uri="{FF2B5EF4-FFF2-40B4-BE49-F238E27FC236}">
+                      <a16:creationId xmlns:a16="http://schemas.microsoft.com/office/drawing/2014/main" id="{D1E7E3C6-073A-482B-8353-7F9D86FD280F}"/>
+                    </a:ext>
+                  </a:extLst>
+                </p:cNvPr>
+                <p:cNvSpPr/>
+                <p:nvPr/>
+              </p:nvSpPr>
+              <p:spPr>
+                <a:xfrm>
+                  <a:off x="4466896" y="3090042"/>
+                  <a:ext cx="2007475" cy="2375338"/>
+                </a:xfrm>
+                <a:prstGeom prst="rect">
+                  <a:avLst/>
+                </a:prstGeom>
+                <a:noFill/>
+                <a:ln w="19050">
+                  <a:solidFill>
+                    <a:schemeClr val="tx1"/>
+                  </a:solidFill>
+                </a:ln>
+              </p:spPr>
+              <p:style>
+                <a:lnRef idx="2">
+                  <a:schemeClr val="accent1">
+                    <a:shade val="50000"/>
+                  </a:schemeClr>
+                </a:lnRef>
+                <a:fillRef idx="1">
+                  <a:schemeClr val="accent1"/>
+                </a:fillRef>
+                <a:effectRef idx="0">
+                  <a:schemeClr val="accent1"/>
+                </a:effectRef>
+                <a:fontRef idx="minor">
+                  <a:schemeClr val="lt1"/>
+                </a:fontRef>
+              </p:style>
+              <p:txBody>
+                <a:bodyPr rtlCol="0" anchor="ctr"/>
+                <a:lstStyle/>
+                <a:p>
+                  <a:pPr algn="ctr"/>
+                  <a:endParaRPr lang="en-US"/>
+                </a:p>
+              </p:txBody>
+            </p:sp>
+            <p:cxnSp>
+              <p:nvCxnSpPr>
+                <p:cNvPr id="37" name="Straight Connector 36">
+                  <a:extLst>
+                    <a:ext uri="{FF2B5EF4-FFF2-40B4-BE49-F238E27FC236}">
+                      <a16:creationId xmlns:a16="http://schemas.microsoft.com/office/drawing/2014/main" id="{6BAF9194-ABA2-4B07-ADCF-3963564DD698}"/>
+                    </a:ext>
+                  </a:extLst>
+                </p:cNvPr>
+                <p:cNvCxnSpPr>
+                  <a:cxnSpLocks/>
+                </p:cNvCxnSpPr>
+                <p:nvPr/>
+              </p:nvCxnSpPr>
+              <p:spPr>
+                <a:xfrm>
+                  <a:off x="5806965" y="3090041"/>
+                  <a:ext cx="0" cy="2375339"/>
+                </a:xfrm>
+                <a:prstGeom prst="line">
+                  <a:avLst/>
+                </a:prstGeom>
+                <a:ln w="19050">
+                  <a:solidFill>
+                    <a:schemeClr val="tx1"/>
+                  </a:solidFill>
+                </a:ln>
+              </p:spPr>
+              <p:style>
+                <a:lnRef idx="1">
+                  <a:schemeClr val="accent1"/>
+                </a:lnRef>
+                <a:fillRef idx="0">
+                  <a:schemeClr val="accent1"/>
+                </a:fillRef>
+                <a:effectRef idx="0">
+                  <a:schemeClr val="accent1"/>
+                </a:effectRef>
+                <a:fontRef idx="minor">
+                  <a:schemeClr val="tx1"/>
+                </a:fontRef>
+              </p:style>
+            </p:cxnSp>
+            <p:cxnSp>
+              <p:nvCxnSpPr>
+                <p:cNvPr id="38" name="Straight Connector 37">
+                  <a:extLst>
+                    <a:ext uri="{FF2B5EF4-FFF2-40B4-BE49-F238E27FC236}">
+                      <a16:creationId xmlns:a16="http://schemas.microsoft.com/office/drawing/2014/main" id="{B5DA9E20-A7E0-4325-91B8-630959E76F6A}"/>
+                    </a:ext>
+                  </a:extLst>
+                </p:cNvPr>
+                <p:cNvCxnSpPr/>
+                <p:nvPr/>
+              </p:nvCxnSpPr>
+              <p:spPr>
+                <a:xfrm>
+                  <a:off x="4466896" y="3626070"/>
+                  <a:ext cx="2007475" cy="0"/>
+                </a:xfrm>
+                <a:prstGeom prst="line">
+                  <a:avLst/>
+                </a:prstGeom>
+                <a:ln w="19050">
+                  <a:solidFill>
+                    <a:schemeClr val="tx1"/>
+                  </a:solidFill>
+                </a:ln>
+              </p:spPr>
+              <p:style>
+                <a:lnRef idx="1">
+                  <a:schemeClr val="accent1"/>
+                </a:lnRef>
+                <a:fillRef idx="0">
+                  <a:schemeClr val="accent1"/>
+                </a:fillRef>
+                <a:effectRef idx="0">
+                  <a:schemeClr val="accent1"/>
+                </a:effectRef>
+                <a:fontRef idx="minor">
+                  <a:schemeClr val="tx1"/>
+                </a:fontRef>
+              </p:style>
+            </p:cxnSp>
+            <p:cxnSp>
+              <p:nvCxnSpPr>
+                <p:cNvPr id="39" name="Straight Connector 38">
+                  <a:extLst>
+                    <a:ext uri="{FF2B5EF4-FFF2-40B4-BE49-F238E27FC236}">
+                      <a16:creationId xmlns:a16="http://schemas.microsoft.com/office/drawing/2014/main" id="{8C908C04-1966-4D7C-AB0A-732ED593EB2D}"/>
+                    </a:ext>
+                  </a:extLst>
+                </p:cNvPr>
+                <p:cNvCxnSpPr/>
+                <p:nvPr/>
+              </p:nvCxnSpPr>
+              <p:spPr>
+                <a:xfrm>
+                  <a:off x="4466895" y="4261945"/>
+                  <a:ext cx="2007475" cy="0"/>
+                </a:xfrm>
+                <a:prstGeom prst="line">
+                  <a:avLst/>
+                </a:prstGeom>
+                <a:ln w="19050">
+                  <a:solidFill>
+                    <a:schemeClr val="tx1"/>
+                  </a:solidFill>
+                </a:ln>
+              </p:spPr>
+              <p:style>
+                <a:lnRef idx="1">
+                  <a:schemeClr val="accent1"/>
+                </a:lnRef>
+                <a:fillRef idx="0">
+                  <a:schemeClr val="accent1"/>
+                </a:fillRef>
+                <a:effectRef idx="0">
+                  <a:schemeClr val="accent1"/>
+                </a:effectRef>
+                <a:fontRef idx="minor">
+                  <a:schemeClr val="tx1"/>
+                </a:fontRef>
+              </p:style>
+            </p:cxnSp>
+            <p:cxnSp>
+              <p:nvCxnSpPr>
+                <p:cNvPr id="40" name="Straight Connector 39">
+                  <a:extLst>
+                    <a:ext uri="{FF2B5EF4-FFF2-40B4-BE49-F238E27FC236}">
+                      <a16:creationId xmlns:a16="http://schemas.microsoft.com/office/drawing/2014/main" id="{1DC5B2FF-F60E-4994-9ACA-474370A07B74}"/>
+                    </a:ext>
+                  </a:extLst>
+                </p:cNvPr>
+                <p:cNvCxnSpPr/>
+                <p:nvPr/>
+              </p:nvCxnSpPr>
+              <p:spPr>
+                <a:xfrm>
+                  <a:off x="4466895" y="4850525"/>
+                  <a:ext cx="2007475" cy="0"/>
+                </a:xfrm>
+                <a:prstGeom prst="line">
+                  <a:avLst/>
+                </a:prstGeom>
+                <a:ln w="19050">
+                  <a:solidFill>
+                    <a:schemeClr val="tx1"/>
+                  </a:solidFill>
+                </a:ln>
+              </p:spPr>
+              <p:style>
+                <a:lnRef idx="1">
+                  <a:schemeClr val="accent1"/>
+                </a:lnRef>
+                <a:fillRef idx="0">
+                  <a:schemeClr val="accent1"/>
+                </a:fillRef>
+                <a:effectRef idx="0">
+                  <a:schemeClr val="accent1"/>
+                </a:effectRef>
+                <a:fontRef idx="minor">
+                  <a:schemeClr val="tx1"/>
+                </a:fontRef>
+              </p:style>
+            </p:cxnSp>
+            <p:cxnSp>
+              <p:nvCxnSpPr>
+                <p:cNvPr id="41" name="Straight Connector 40">
+                  <a:extLst>
+                    <a:ext uri="{FF2B5EF4-FFF2-40B4-BE49-F238E27FC236}">
+                      <a16:creationId xmlns:a16="http://schemas.microsoft.com/office/drawing/2014/main" id="{31B1B0E5-0CFA-4A05-B058-3829518F1E3F}"/>
+                    </a:ext>
+                  </a:extLst>
+                </p:cNvPr>
+                <p:cNvCxnSpPr>
+                  <a:cxnSpLocks/>
+                </p:cNvCxnSpPr>
+                <p:nvPr/>
+              </p:nvCxnSpPr>
+              <p:spPr>
+                <a:xfrm>
+                  <a:off x="5139558" y="3090041"/>
+                  <a:ext cx="0" cy="2375339"/>
+                </a:xfrm>
+                <a:prstGeom prst="line">
+                  <a:avLst/>
+                </a:prstGeom>
+                <a:ln w="19050">
+                  <a:solidFill>
+                    <a:schemeClr val="tx1"/>
+                  </a:solidFill>
+                </a:ln>
+              </p:spPr>
+              <p:style>
+                <a:lnRef idx="1">
+                  <a:schemeClr val="accent1"/>
+                </a:lnRef>
+                <a:fillRef idx="0">
+                  <a:schemeClr val="accent1"/>
+                </a:fillRef>
+                <a:effectRef idx="0">
+                  <a:schemeClr val="accent1"/>
+                </a:effectRef>
+                <a:fontRef idx="minor">
+                  <a:schemeClr val="tx1"/>
+                </a:fontRef>
+              </p:style>
+            </p:cxnSp>
+          </p:grpSp>
+          <p:cxnSp>
+            <p:nvCxnSpPr>
+              <p:cNvPr id="35" name="Straight Connector 34">
+                <a:extLst>
+                  <a:ext uri="{FF2B5EF4-FFF2-40B4-BE49-F238E27FC236}">
+                    <a16:creationId xmlns:a16="http://schemas.microsoft.com/office/drawing/2014/main" id="{8AF19847-35B3-4536-9398-829FA4202C56}"/>
+                  </a:ext>
+                </a:extLst>
+              </p:cNvPr>
+              <p:cNvCxnSpPr/>
+              <p:nvPr/>
+            </p:nvCxnSpPr>
+            <p:spPr>
+              <a:xfrm>
+                <a:off x="5070915" y="3804746"/>
+                <a:ext cx="678244" cy="0"/>
+              </a:xfrm>
+              <a:prstGeom prst="line">
+                <a:avLst/>
+              </a:prstGeom>
+              <a:ln w="38100">
+                <a:solidFill>
+                  <a:schemeClr val="tx1"/>
+                </a:solidFill>
+              </a:ln>
+            </p:spPr>
+            <p:style>
+              <a:lnRef idx="1">
+                <a:schemeClr val="accent1"/>
+              </a:lnRef>
+              <a:fillRef idx="0">
+                <a:schemeClr val="accent1"/>
+              </a:fillRef>
+              <a:effectRef idx="0">
+                <a:schemeClr val="accent1"/>
+              </a:effectRef>
+              <a:fontRef idx="minor">
+                <a:schemeClr val="tx1"/>
+              </a:fontRef>
+            </p:style>
+          </p:cxnSp>
+        </p:grpSp>
+        <p:sp>
+          <p:nvSpPr>
+            <p:cNvPr id="31" name="Oval 30">
+              <a:extLst>
+                <a:ext uri="{FF2B5EF4-FFF2-40B4-BE49-F238E27FC236}">
+                  <a16:creationId xmlns:a16="http://schemas.microsoft.com/office/drawing/2014/main" id="{4A8FB22C-82C4-4099-9E60-BB1DE8FA26D6}"/>
+                </a:ext>
+              </a:extLst>
+            </p:cNvPr>
+            <p:cNvSpPr/>
+            <p:nvPr/>
+          </p:nvSpPr>
+          <p:spPr>
+            <a:xfrm>
+              <a:off x="8858272" y="4026295"/>
+              <a:ext cx="178676" cy="178676"/>
+            </a:xfrm>
+            <a:prstGeom prst="ellipse">
+              <a:avLst/>
+            </a:prstGeom>
+            <a:solidFill>
+              <a:schemeClr val="tx1"/>
+            </a:solidFill>
+            <a:ln>
+              <a:solidFill>
+                <a:schemeClr val="tx1"/>
+              </a:solidFill>
+            </a:ln>
+          </p:spPr>
+          <p:style>
+            <a:lnRef idx="2">
+              <a:schemeClr val="accent1">
+                <a:shade val="50000"/>
+              </a:schemeClr>
+            </a:lnRef>
+            <a:fillRef idx="1">
+              <a:schemeClr val="accent1"/>
+            </a:fillRef>
+            <a:effectRef idx="0">
+              <a:schemeClr val="accent1"/>
+            </a:effectRef>
+            <a:fontRef idx="minor">
+              <a:schemeClr val="lt1"/>
+            </a:fontRef>
+          </p:style>
+          <p:txBody>
+            <a:bodyPr rtlCol="0" anchor="ctr"/>
+            <a:lstStyle/>
+            <a:p>
+              <a:pPr algn="ctr"/>
+              <a:endParaRPr lang="en-US"/>
+            </a:p>
+          </p:txBody>
+        </p:sp>
+        <p:sp>
+          <p:nvSpPr>
+            <p:cNvPr id="32" name="Oval 31">
+              <a:extLst>
+                <a:ext uri="{FF2B5EF4-FFF2-40B4-BE49-F238E27FC236}">
+                  <a16:creationId xmlns:a16="http://schemas.microsoft.com/office/drawing/2014/main" id="{2453544B-8FD9-4E7B-BD88-CD35EF2FC220}"/>
+                </a:ext>
+              </a:extLst>
+            </p:cNvPr>
+            <p:cNvSpPr/>
+            <p:nvPr/>
+          </p:nvSpPr>
+          <p:spPr>
+            <a:xfrm>
+              <a:off x="9086479" y="3802516"/>
+              <a:ext cx="178676" cy="178676"/>
+            </a:xfrm>
+            <a:prstGeom prst="ellipse">
+              <a:avLst/>
+            </a:prstGeom>
+            <a:solidFill>
+              <a:schemeClr val="tx1"/>
+            </a:solidFill>
+            <a:ln>
+              <a:solidFill>
+                <a:schemeClr val="tx1"/>
+              </a:solidFill>
+            </a:ln>
+          </p:spPr>
+          <p:style>
+            <a:lnRef idx="2">
+              <a:schemeClr val="accent1">
+                <a:shade val="50000"/>
+              </a:schemeClr>
+            </a:lnRef>
+            <a:fillRef idx="1">
+              <a:schemeClr val="accent1"/>
+            </a:fillRef>
+            <a:effectRef idx="0">
+              <a:schemeClr val="accent1"/>
+            </a:effectRef>
+            <a:fontRef idx="minor">
+              <a:schemeClr val="lt1"/>
+            </a:fontRef>
+          </p:style>
+          <p:txBody>
+            <a:bodyPr rtlCol="0" anchor="ctr"/>
+            <a:lstStyle/>
+            <a:p>
+              <a:pPr algn="ctr"/>
+              <a:endParaRPr lang="en-US"/>
+            </a:p>
+          </p:txBody>
+        </p:sp>
+        <p:sp>
+          <p:nvSpPr>
+            <p:cNvPr id="33" name="Oval 32">
+              <a:extLst>
+                <a:ext uri="{FF2B5EF4-FFF2-40B4-BE49-F238E27FC236}">
+                  <a16:creationId xmlns:a16="http://schemas.microsoft.com/office/drawing/2014/main" id="{538E6BAD-99C6-41F9-A2CD-F048D5650ABD}"/>
+                </a:ext>
+              </a:extLst>
+            </p:cNvPr>
+            <p:cNvSpPr/>
+            <p:nvPr/>
+          </p:nvSpPr>
+          <p:spPr>
+            <a:xfrm>
+              <a:off x="9310787" y="4027246"/>
+              <a:ext cx="178676" cy="178676"/>
+            </a:xfrm>
+            <a:prstGeom prst="ellipse">
+              <a:avLst/>
+            </a:prstGeom>
+            <a:solidFill>
+              <a:schemeClr val="tx1"/>
+            </a:solidFill>
+            <a:ln>
+              <a:solidFill>
+                <a:schemeClr val="tx1"/>
+              </a:solidFill>
+            </a:ln>
+          </p:spPr>
+          <p:style>
+            <a:lnRef idx="2">
+              <a:schemeClr val="accent1">
+                <a:shade val="50000"/>
+              </a:schemeClr>
+            </a:lnRef>
+            <a:fillRef idx="1">
+              <a:schemeClr val="accent1"/>
+            </a:fillRef>
+            <a:effectRef idx="0">
+              <a:schemeClr val="accent1"/>
+            </a:effectRef>
+            <a:fontRef idx="minor">
+              <a:schemeClr val="lt1"/>
+            </a:fontRef>
+          </p:style>
+          <p:txBody>
+            <a:bodyPr rtlCol="0" anchor="ctr"/>
+            <a:lstStyle/>
+            <a:p>
+              <a:pPr algn="ctr"/>
+              <a:endParaRPr lang="en-US"/>
+            </a:p>
+          </p:txBody>
+        </p:sp>
+      </p:grpSp>
+      <p:grpSp>
+        <p:nvGrpSpPr>
+          <p:cNvPr id="42" name="Group 41">
+            <a:extLst>
+              <a:ext uri="{FF2B5EF4-FFF2-40B4-BE49-F238E27FC236}">
+                <a16:creationId xmlns:a16="http://schemas.microsoft.com/office/drawing/2014/main" id="{8D041900-2D41-4F1F-8EE0-FC6534761F0C}"/>
+              </a:ext>
+            </a:extLst>
+          </p:cNvPr>
+          <p:cNvGrpSpPr/>
+          <p:nvPr/>
+        </p:nvGrpSpPr>
+        <p:grpSpPr>
+          <a:xfrm>
+            <a:off x="5873609" y="2795312"/>
+            <a:ext cx="859538" cy="945930"/>
+            <a:chOff x="6678466" y="2229170"/>
+            <a:chExt cx="859538" cy="945930"/>
+          </a:xfrm>
+        </p:grpSpPr>
+        <p:sp>
+          <p:nvSpPr>
+            <p:cNvPr id="43" name="Oval 42">
+              <a:extLst>
+                <a:ext uri="{FF2B5EF4-FFF2-40B4-BE49-F238E27FC236}">
+                  <a16:creationId xmlns:a16="http://schemas.microsoft.com/office/drawing/2014/main" id="{7FA4DA22-3B93-449B-8C6E-34D4F9426669}"/>
+                </a:ext>
+              </a:extLst>
+            </p:cNvPr>
+            <p:cNvSpPr/>
+            <p:nvPr/>
+          </p:nvSpPr>
+          <p:spPr>
+            <a:xfrm>
+              <a:off x="7138233" y="2472951"/>
+              <a:ext cx="178676" cy="178676"/>
+            </a:xfrm>
+            <a:prstGeom prst="ellipse">
+              <a:avLst/>
+            </a:prstGeom>
+            <a:solidFill>
+              <a:schemeClr val="tx1"/>
+            </a:solidFill>
+            <a:ln>
+              <a:solidFill>
+                <a:schemeClr val="tx1"/>
+              </a:solidFill>
+            </a:ln>
+          </p:spPr>
+          <p:style>
+            <a:lnRef idx="2">
+              <a:schemeClr val="accent1">
+                <a:shade val="50000"/>
+              </a:schemeClr>
+            </a:lnRef>
+            <a:fillRef idx="1">
+              <a:schemeClr val="accent1"/>
+            </a:fillRef>
+            <a:effectRef idx="0">
+              <a:schemeClr val="accent1"/>
+            </a:effectRef>
+            <a:fontRef idx="minor">
+              <a:schemeClr val="lt1"/>
+            </a:fontRef>
+          </p:style>
+          <p:txBody>
+            <a:bodyPr rtlCol="0" anchor="ctr"/>
+            <a:lstStyle/>
+            <a:p>
+              <a:pPr algn="ctr"/>
+              <a:endParaRPr lang="en-US"/>
+            </a:p>
+          </p:txBody>
+        </p:sp>
+        <p:grpSp>
+          <p:nvGrpSpPr>
+            <p:cNvPr id="44" name="Group 43">
+              <a:extLst>
+                <a:ext uri="{FF2B5EF4-FFF2-40B4-BE49-F238E27FC236}">
+                  <a16:creationId xmlns:a16="http://schemas.microsoft.com/office/drawing/2014/main" id="{44C5E2C7-CC8C-4BCD-995F-E50704942A9E}"/>
+                </a:ext>
+              </a:extLst>
+            </p:cNvPr>
+            <p:cNvGrpSpPr/>
+            <p:nvPr/>
+          </p:nvGrpSpPr>
+          <p:grpSpPr>
+            <a:xfrm>
+              <a:off x="6770422" y="2229170"/>
+              <a:ext cx="678244" cy="945930"/>
+              <a:chOff x="5070915" y="3804746"/>
+              <a:chExt cx="678244" cy="945930"/>
+            </a:xfrm>
+          </p:grpSpPr>
+          <p:grpSp>
+            <p:nvGrpSpPr>
+              <p:cNvPr id="48" name="Group 47">
+                <a:extLst>
+                  <a:ext uri="{FF2B5EF4-FFF2-40B4-BE49-F238E27FC236}">
+                    <a16:creationId xmlns:a16="http://schemas.microsoft.com/office/drawing/2014/main" id="{58163767-91BF-4433-9119-B6429ACDDCFC}"/>
+                  </a:ext>
+                </a:extLst>
+              </p:cNvPr>
+              <p:cNvGrpSpPr/>
+              <p:nvPr/>
+            </p:nvGrpSpPr>
+            <p:grpSpPr>
+              <a:xfrm>
+                <a:off x="5070915" y="3804746"/>
+                <a:ext cx="678244" cy="945930"/>
+                <a:chOff x="4466895" y="3090041"/>
+                <a:chExt cx="2007476" cy="2375339"/>
+              </a:xfrm>
+            </p:grpSpPr>
+            <p:sp>
+              <p:nvSpPr>
+                <p:cNvPr id="50" name="Rectangle 49">
+                  <a:extLst>
+                    <a:ext uri="{FF2B5EF4-FFF2-40B4-BE49-F238E27FC236}">
+                      <a16:creationId xmlns:a16="http://schemas.microsoft.com/office/drawing/2014/main" id="{C8C65A16-1D55-4677-9711-F44E655354F0}"/>
+                    </a:ext>
+                  </a:extLst>
+                </p:cNvPr>
+                <p:cNvSpPr/>
+                <p:nvPr/>
+              </p:nvSpPr>
+              <p:spPr>
+                <a:xfrm>
+                  <a:off x="4466896" y="3090042"/>
+                  <a:ext cx="2007475" cy="2375338"/>
+                </a:xfrm>
+                <a:prstGeom prst="rect">
+                  <a:avLst/>
+                </a:prstGeom>
+                <a:noFill/>
+                <a:ln w="19050">
+                  <a:solidFill>
+                    <a:schemeClr val="tx1"/>
+                  </a:solidFill>
+                </a:ln>
+              </p:spPr>
+              <p:style>
+                <a:lnRef idx="2">
+                  <a:schemeClr val="accent1">
+                    <a:shade val="50000"/>
+                  </a:schemeClr>
+                </a:lnRef>
+                <a:fillRef idx="1">
+                  <a:schemeClr val="accent1"/>
+                </a:fillRef>
+                <a:effectRef idx="0">
+                  <a:schemeClr val="accent1"/>
+                </a:effectRef>
+                <a:fontRef idx="minor">
+                  <a:schemeClr val="lt1"/>
+                </a:fontRef>
+              </p:style>
+              <p:txBody>
+                <a:bodyPr rtlCol="0" anchor="ctr"/>
+                <a:lstStyle/>
+                <a:p>
+                  <a:pPr algn="ctr"/>
+                  <a:endParaRPr lang="en-US"/>
+                </a:p>
+              </p:txBody>
+            </p:sp>
+            <p:cxnSp>
+              <p:nvCxnSpPr>
+                <p:cNvPr id="51" name="Straight Connector 50">
+                  <a:extLst>
+                    <a:ext uri="{FF2B5EF4-FFF2-40B4-BE49-F238E27FC236}">
+                      <a16:creationId xmlns:a16="http://schemas.microsoft.com/office/drawing/2014/main" id="{097DFCD6-8FF9-4502-9890-E154422611FB}"/>
+                    </a:ext>
+                  </a:extLst>
+                </p:cNvPr>
+                <p:cNvCxnSpPr>
+                  <a:cxnSpLocks/>
+                </p:cNvCxnSpPr>
+                <p:nvPr/>
+              </p:nvCxnSpPr>
+              <p:spPr>
+                <a:xfrm>
+                  <a:off x="5806966" y="3090041"/>
+                  <a:ext cx="0" cy="2375339"/>
+                </a:xfrm>
+                <a:prstGeom prst="line">
+                  <a:avLst/>
+                </a:prstGeom>
+                <a:ln w="19050">
+                  <a:solidFill>
+                    <a:schemeClr val="tx1"/>
+                  </a:solidFill>
+                </a:ln>
+              </p:spPr>
+              <p:style>
+                <a:lnRef idx="1">
+                  <a:schemeClr val="accent1"/>
+                </a:lnRef>
+                <a:fillRef idx="0">
+                  <a:schemeClr val="accent1"/>
+                </a:fillRef>
+                <a:effectRef idx="0">
+                  <a:schemeClr val="accent1"/>
+                </a:effectRef>
+                <a:fontRef idx="minor">
+                  <a:schemeClr val="tx1"/>
+                </a:fontRef>
+              </p:style>
+            </p:cxnSp>
+            <p:cxnSp>
+              <p:nvCxnSpPr>
+                <p:cNvPr id="52" name="Straight Connector 51">
+                  <a:extLst>
+                    <a:ext uri="{FF2B5EF4-FFF2-40B4-BE49-F238E27FC236}">
+                      <a16:creationId xmlns:a16="http://schemas.microsoft.com/office/drawing/2014/main" id="{0FB35111-2049-4824-9343-41FE2B2407F4}"/>
+                    </a:ext>
+                  </a:extLst>
+                </p:cNvPr>
+                <p:cNvCxnSpPr/>
+                <p:nvPr/>
+              </p:nvCxnSpPr>
+              <p:spPr>
+                <a:xfrm>
+                  <a:off x="4466896" y="3626070"/>
+                  <a:ext cx="2007475" cy="0"/>
+                </a:xfrm>
+                <a:prstGeom prst="line">
+                  <a:avLst/>
+                </a:prstGeom>
+                <a:ln w="19050">
+                  <a:solidFill>
+                    <a:schemeClr val="tx1"/>
+                  </a:solidFill>
+                </a:ln>
+              </p:spPr>
+              <p:style>
+                <a:lnRef idx="1">
+                  <a:schemeClr val="accent1"/>
+                </a:lnRef>
+                <a:fillRef idx="0">
+                  <a:schemeClr val="accent1"/>
+                </a:fillRef>
+                <a:effectRef idx="0">
+                  <a:schemeClr val="accent1"/>
+                </a:effectRef>
+                <a:fontRef idx="minor">
+                  <a:schemeClr val="tx1"/>
+                </a:fontRef>
+              </p:style>
+            </p:cxnSp>
+            <p:cxnSp>
+              <p:nvCxnSpPr>
+                <p:cNvPr id="53" name="Straight Connector 52">
+                  <a:extLst>
+                    <a:ext uri="{FF2B5EF4-FFF2-40B4-BE49-F238E27FC236}">
+                      <a16:creationId xmlns:a16="http://schemas.microsoft.com/office/drawing/2014/main" id="{4B085F4F-A1AE-42B2-A1B4-A19CD311D2A5}"/>
+                    </a:ext>
+                  </a:extLst>
+                </p:cNvPr>
+                <p:cNvCxnSpPr/>
+                <p:nvPr/>
+              </p:nvCxnSpPr>
+              <p:spPr>
+                <a:xfrm>
+                  <a:off x="4466895" y="4261945"/>
+                  <a:ext cx="2007475" cy="0"/>
+                </a:xfrm>
+                <a:prstGeom prst="line">
+                  <a:avLst/>
+                </a:prstGeom>
+                <a:ln w="19050">
+                  <a:solidFill>
+                    <a:schemeClr val="tx1"/>
+                  </a:solidFill>
+                </a:ln>
+              </p:spPr>
+              <p:style>
+                <a:lnRef idx="1">
+                  <a:schemeClr val="accent1"/>
+                </a:lnRef>
+                <a:fillRef idx="0">
+                  <a:schemeClr val="accent1"/>
+                </a:fillRef>
+                <a:effectRef idx="0">
+                  <a:schemeClr val="accent1"/>
+                </a:effectRef>
+                <a:fontRef idx="minor">
+                  <a:schemeClr val="tx1"/>
+                </a:fontRef>
+              </p:style>
+            </p:cxnSp>
+            <p:cxnSp>
+              <p:nvCxnSpPr>
+                <p:cNvPr id="54" name="Straight Connector 53">
+                  <a:extLst>
+                    <a:ext uri="{FF2B5EF4-FFF2-40B4-BE49-F238E27FC236}">
+                      <a16:creationId xmlns:a16="http://schemas.microsoft.com/office/drawing/2014/main" id="{604DC1C2-73AD-45F3-8790-4285A88FEDD2}"/>
+                    </a:ext>
+                  </a:extLst>
+                </p:cNvPr>
+                <p:cNvCxnSpPr/>
+                <p:nvPr/>
+              </p:nvCxnSpPr>
+              <p:spPr>
+                <a:xfrm>
+                  <a:off x="4466895" y="4850525"/>
+                  <a:ext cx="2007475" cy="0"/>
+                </a:xfrm>
+                <a:prstGeom prst="line">
+                  <a:avLst/>
+                </a:prstGeom>
+                <a:ln w="19050">
+                  <a:solidFill>
+                    <a:schemeClr val="tx1"/>
+                  </a:solidFill>
+                </a:ln>
+              </p:spPr>
+              <p:style>
+                <a:lnRef idx="1">
+                  <a:schemeClr val="accent1"/>
+                </a:lnRef>
+                <a:fillRef idx="0">
+                  <a:schemeClr val="accent1"/>
+                </a:fillRef>
+                <a:effectRef idx="0">
+                  <a:schemeClr val="accent1"/>
+                </a:effectRef>
+                <a:fontRef idx="minor">
+                  <a:schemeClr val="tx1"/>
+                </a:fontRef>
+              </p:style>
+            </p:cxnSp>
+            <p:cxnSp>
+              <p:nvCxnSpPr>
+                <p:cNvPr id="55" name="Straight Connector 54">
+                  <a:extLst>
+                    <a:ext uri="{FF2B5EF4-FFF2-40B4-BE49-F238E27FC236}">
+                      <a16:creationId xmlns:a16="http://schemas.microsoft.com/office/drawing/2014/main" id="{1BC87D78-6183-428A-BA0F-E167E7D4DE28}"/>
+                    </a:ext>
+                  </a:extLst>
+                </p:cNvPr>
+                <p:cNvCxnSpPr>
+                  <a:cxnSpLocks/>
+                </p:cNvCxnSpPr>
+                <p:nvPr/>
+              </p:nvCxnSpPr>
+              <p:spPr>
+                <a:xfrm>
+                  <a:off x="5139558" y="3090041"/>
+                  <a:ext cx="0" cy="2375339"/>
+                </a:xfrm>
+                <a:prstGeom prst="line">
+                  <a:avLst/>
+                </a:prstGeom>
+                <a:ln w="19050">
+                  <a:solidFill>
+                    <a:schemeClr val="tx1"/>
+                  </a:solidFill>
+                </a:ln>
+              </p:spPr>
+              <p:style>
+                <a:lnRef idx="1">
+                  <a:schemeClr val="accent1"/>
+                </a:lnRef>
+                <a:fillRef idx="0">
+                  <a:schemeClr val="accent1"/>
+                </a:fillRef>
+                <a:effectRef idx="0">
+                  <a:schemeClr val="accent1"/>
+                </a:effectRef>
+                <a:fontRef idx="minor">
+                  <a:schemeClr val="tx1"/>
+                </a:fontRef>
+              </p:style>
+            </p:cxnSp>
+          </p:grpSp>
+          <p:cxnSp>
+            <p:nvCxnSpPr>
+              <p:cNvPr id="49" name="Straight Connector 48">
+                <a:extLst>
+                  <a:ext uri="{FF2B5EF4-FFF2-40B4-BE49-F238E27FC236}">
+                    <a16:creationId xmlns:a16="http://schemas.microsoft.com/office/drawing/2014/main" id="{CAA24B1B-0FF4-4369-A77C-476E12E6CE39}"/>
+                  </a:ext>
+                </a:extLst>
+              </p:cNvPr>
+              <p:cNvCxnSpPr/>
+              <p:nvPr/>
+            </p:nvCxnSpPr>
+            <p:spPr>
+              <a:xfrm>
+                <a:off x="5070915" y="3804746"/>
+                <a:ext cx="678244" cy="0"/>
+              </a:xfrm>
+              <a:prstGeom prst="line">
+                <a:avLst/>
+              </a:prstGeom>
+              <a:ln w="38100">
+                <a:solidFill>
+                  <a:schemeClr val="tx1"/>
+                </a:solidFill>
+              </a:ln>
+            </p:spPr>
+            <p:style>
+              <a:lnRef idx="1">
+                <a:schemeClr val="accent1"/>
+              </a:lnRef>
+              <a:fillRef idx="0">
+                <a:schemeClr val="accent1"/>
+              </a:fillRef>
+              <a:effectRef idx="0">
+                <a:schemeClr val="accent1"/>
+              </a:effectRef>
+              <a:fontRef idx="minor">
+                <a:schemeClr val="tx1"/>
+              </a:fontRef>
+            </p:style>
+          </p:cxnSp>
+        </p:grpSp>
+        <p:sp>
+          <p:nvSpPr>
+            <p:cNvPr id="45" name="Oval 44">
+              <a:extLst>
+                <a:ext uri="{FF2B5EF4-FFF2-40B4-BE49-F238E27FC236}">
+                  <a16:creationId xmlns:a16="http://schemas.microsoft.com/office/drawing/2014/main" id="{0748E85A-C508-4FCB-B469-6B9EEE75B5FC}"/>
+                </a:ext>
+              </a:extLst>
+            </p:cNvPr>
+            <p:cNvSpPr/>
+            <p:nvPr/>
+          </p:nvSpPr>
+          <p:spPr>
+            <a:xfrm>
+              <a:off x="6900857" y="2477602"/>
+              <a:ext cx="178676" cy="178676"/>
+            </a:xfrm>
+            <a:prstGeom prst="ellipse">
+              <a:avLst/>
+            </a:prstGeom>
+            <a:solidFill>
+              <a:schemeClr val="tx1"/>
+            </a:solidFill>
+            <a:ln>
+              <a:solidFill>
+                <a:schemeClr val="tx1"/>
+              </a:solidFill>
+            </a:ln>
+          </p:spPr>
+          <p:style>
+            <a:lnRef idx="2">
+              <a:schemeClr val="accent1">
+                <a:shade val="50000"/>
+              </a:schemeClr>
+            </a:lnRef>
+            <a:fillRef idx="1">
+              <a:schemeClr val="accent1"/>
+            </a:fillRef>
+            <a:effectRef idx="0">
+              <a:schemeClr val="accent1"/>
+            </a:effectRef>
+            <a:fontRef idx="minor">
+              <a:schemeClr val="lt1"/>
+            </a:fontRef>
+          </p:style>
+          <p:txBody>
+            <a:bodyPr rtlCol="0" anchor="ctr"/>
+            <a:lstStyle/>
+            <a:p>
+              <a:pPr algn="ctr"/>
+              <a:endParaRPr lang="en-US"/>
+            </a:p>
+          </p:txBody>
+        </p:sp>
+        <p:sp>
+          <p:nvSpPr>
+            <p:cNvPr id="46" name="Oval 45">
+              <a:extLst>
+                <a:ext uri="{FF2B5EF4-FFF2-40B4-BE49-F238E27FC236}">
+                  <a16:creationId xmlns:a16="http://schemas.microsoft.com/office/drawing/2014/main" id="{226E2D9B-84A2-4B69-A75E-061DB71012F9}"/>
+                </a:ext>
+              </a:extLst>
+            </p:cNvPr>
+            <p:cNvSpPr/>
+            <p:nvPr/>
+          </p:nvSpPr>
+          <p:spPr>
+            <a:xfrm>
+              <a:off x="7359328" y="2725436"/>
+              <a:ext cx="178676" cy="178676"/>
+            </a:xfrm>
+            <a:prstGeom prst="ellipse">
+              <a:avLst/>
+            </a:prstGeom>
+            <a:solidFill>
+              <a:schemeClr val="tx1"/>
+            </a:solidFill>
+            <a:ln>
+              <a:solidFill>
+                <a:schemeClr val="tx1"/>
+              </a:solidFill>
+            </a:ln>
+          </p:spPr>
+          <p:style>
+            <a:lnRef idx="2">
+              <a:schemeClr val="accent1">
+                <a:shade val="50000"/>
+              </a:schemeClr>
+            </a:lnRef>
+            <a:fillRef idx="1">
+              <a:schemeClr val="accent1"/>
+            </a:fillRef>
+            <a:effectRef idx="0">
+              <a:schemeClr val="accent1"/>
+            </a:effectRef>
+            <a:fontRef idx="minor">
+              <a:schemeClr val="lt1"/>
+            </a:fontRef>
+          </p:style>
+          <p:txBody>
+            <a:bodyPr rtlCol="0" anchor="ctr"/>
+            <a:lstStyle/>
+            <a:p>
+              <a:pPr algn="ctr"/>
+              <a:endParaRPr lang="en-US"/>
+            </a:p>
+          </p:txBody>
+        </p:sp>
+        <p:sp>
+          <p:nvSpPr>
+            <p:cNvPr id="47" name="Oval 46">
+              <a:extLst>
+                <a:ext uri="{FF2B5EF4-FFF2-40B4-BE49-F238E27FC236}">
+                  <a16:creationId xmlns:a16="http://schemas.microsoft.com/office/drawing/2014/main" id="{521AD12A-EF34-44E9-B5E3-C686749BD6CA}"/>
+                </a:ext>
+              </a:extLst>
+            </p:cNvPr>
+            <p:cNvSpPr/>
+            <p:nvPr/>
+          </p:nvSpPr>
+          <p:spPr>
+            <a:xfrm>
+              <a:off x="6678466" y="2477602"/>
+              <a:ext cx="178676" cy="178676"/>
+            </a:xfrm>
+            <a:prstGeom prst="ellipse">
+              <a:avLst/>
+            </a:prstGeom>
+            <a:solidFill>
+              <a:schemeClr val="tx1"/>
+            </a:solidFill>
+            <a:ln>
+              <a:solidFill>
+                <a:schemeClr val="tx1"/>
+              </a:solidFill>
+            </a:ln>
+          </p:spPr>
+          <p:style>
+            <a:lnRef idx="2">
+              <a:schemeClr val="accent1">
+                <a:shade val="50000"/>
+              </a:schemeClr>
+            </a:lnRef>
+            <a:fillRef idx="1">
+              <a:schemeClr val="accent1"/>
+            </a:fillRef>
+            <a:effectRef idx="0">
+              <a:schemeClr val="accent1"/>
+            </a:effectRef>
+            <a:fontRef idx="minor">
+              <a:schemeClr val="lt1"/>
+            </a:fontRef>
+          </p:style>
+          <p:txBody>
+            <a:bodyPr rtlCol="0" anchor="ctr"/>
+            <a:lstStyle/>
+            <a:p>
+              <a:pPr algn="ctr"/>
+              <a:endParaRPr lang="en-US"/>
+            </a:p>
+          </p:txBody>
+        </p:sp>
+      </p:grpSp>
+      <p:grpSp>
+        <p:nvGrpSpPr>
+          <p:cNvPr id="56" name="Group 55">
+            <a:extLst>
+              <a:ext uri="{FF2B5EF4-FFF2-40B4-BE49-F238E27FC236}">
+                <a16:creationId xmlns:a16="http://schemas.microsoft.com/office/drawing/2014/main" id="{75C26D6A-4E84-48BD-A814-13CB3E72D560}"/>
+              </a:ext>
+            </a:extLst>
+          </p:cNvPr>
+          <p:cNvGrpSpPr/>
+          <p:nvPr/>
+        </p:nvGrpSpPr>
+        <p:grpSpPr>
+          <a:xfrm>
+            <a:off x="7250966" y="2794197"/>
+            <a:ext cx="770200" cy="945930"/>
+            <a:chOff x="6678466" y="2229170"/>
+            <a:chExt cx="770200" cy="945930"/>
+          </a:xfrm>
+        </p:grpSpPr>
+        <p:sp>
+          <p:nvSpPr>
+            <p:cNvPr id="57" name="Oval 56">
+              <a:extLst>
+                <a:ext uri="{FF2B5EF4-FFF2-40B4-BE49-F238E27FC236}">
+                  <a16:creationId xmlns:a16="http://schemas.microsoft.com/office/drawing/2014/main" id="{854D3576-CCAA-4B88-BB93-BAB966EF1B65}"/>
+                </a:ext>
+              </a:extLst>
+            </p:cNvPr>
+            <p:cNvSpPr/>
+            <p:nvPr/>
+          </p:nvSpPr>
+          <p:spPr>
+            <a:xfrm>
+              <a:off x="7138233" y="2472951"/>
+              <a:ext cx="178676" cy="178676"/>
+            </a:xfrm>
+            <a:prstGeom prst="ellipse">
+              <a:avLst/>
+            </a:prstGeom>
+            <a:solidFill>
+              <a:schemeClr val="tx1"/>
+            </a:solidFill>
+            <a:ln>
+              <a:solidFill>
+                <a:schemeClr val="tx1"/>
+              </a:solidFill>
+            </a:ln>
+          </p:spPr>
+          <p:style>
+            <a:lnRef idx="2">
+              <a:schemeClr val="accent1">
+                <a:shade val="50000"/>
+              </a:schemeClr>
+            </a:lnRef>
+            <a:fillRef idx="1">
+              <a:schemeClr val="accent1"/>
+            </a:fillRef>
+            <a:effectRef idx="0">
+              <a:schemeClr val="accent1"/>
+            </a:effectRef>
+            <a:fontRef idx="minor">
+              <a:schemeClr val="lt1"/>
+            </a:fontRef>
+          </p:style>
+          <p:txBody>
+            <a:bodyPr rtlCol="0" anchor="ctr"/>
+            <a:lstStyle/>
+            <a:p>
+              <a:pPr algn="ctr"/>
+              <a:endParaRPr lang="en-US"/>
+            </a:p>
+          </p:txBody>
+        </p:sp>
+        <p:grpSp>
+          <p:nvGrpSpPr>
+            <p:cNvPr id="58" name="Group 57">
+              <a:extLst>
+                <a:ext uri="{FF2B5EF4-FFF2-40B4-BE49-F238E27FC236}">
+                  <a16:creationId xmlns:a16="http://schemas.microsoft.com/office/drawing/2014/main" id="{31D27A2F-CCA8-4FD9-8E14-59F9F9774120}"/>
+                </a:ext>
+              </a:extLst>
+            </p:cNvPr>
+            <p:cNvGrpSpPr/>
+            <p:nvPr/>
+          </p:nvGrpSpPr>
+          <p:grpSpPr>
+            <a:xfrm>
+              <a:off x="6770422" y="2229170"/>
+              <a:ext cx="678244" cy="945930"/>
+              <a:chOff x="5070915" y="3804746"/>
+              <a:chExt cx="678244" cy="945930"/>
+            </a:xfrm>
+          </p:grpSpPr>
+          <p:grpSp>
+            <p:nvGrpSpPr>
+              <p:cNvPr id="62" name="Group 61">
+                <a:extLst>
+                  <a:ext uri="{FF2B5EF4-FFF2-40B4-BE49-F238E27FC236}">
+                    <a16:creationId xmlns:a16="http://schemas.microsoft.com/office/drawing/2014/main" id="{B0EE8C60-F937-4E26-A6D6-8F8F87C86C75}"/>
+                  </a:ext>
+                </a:extLst>
+              </p:cNvPr>
+              <p:cNvGrpSpPr/>
+              <p:nvPr/>
+            </p:nvGrpSpPr>
+            <p:grpSpPr>
+              <a:xfrm>
+                <a:off x="5070915" y="3804746"/>
+                <a:ext cx="678244" cy="945930"/>
+                <a:chOff x="4466895" y="3090041"/>
+                <a:chExt cx="2007476" cy="2375339"/>
+              </a:xfrm>
+            </p:grpSpPr>
+            <p:sp>
+              <p:nvSpPr>
+                <p:cNvPr id="64" name="Rectangle 63">
+                  <a:extLst>
+                    <a:ext uri="{FF2B5EF4-FFF2-40B4-BE49-F238E27FC236}">
+                      <a16:creationId xmlns:a16="http://schemas.microsoft.com/office/drawing/2014/main" id="{1A84370D-A97E-47A8-AFD6-224697B2F611}"/>
+                    </a:ext>
+                  </a:extLst>
+                </p:cNvPr>
+                <p:cNvSpPr/>
+                <p:nvPr/>
+              </p:nvSpPr>
+              <p:spPr>
+                <a:xfrm>
+                  <a:off x="4466896" y="3090042"/>
+                  <a:ext cx="2007475" cy="2375338"/>
+                </a:xfrm>
+                <a:prstGeom prst="rect">
+                  <a:avLst/>
+                </a:prstGeom>
+                <a:noFill/>
+                <a:ln w="19050">
+                  <a:solidFill>
+                    <a:schemeClr val="tx1"/>
+                  </a:solidFill>
+                </a:ln>
+              </p:spPr>
+              <p:style>
+                <a:lnRef idx="2">
+                  <a:schemeClr val="accent1">
+                    <a:shade val="50000"/>
+                  </a:schemeClr>
+                </a:lnRef>
+                <a:fillRef idx="1">
+                  <a:schemeClr val="accent1"/>
+                </a:fillRef>
+                <a:effectRef idx="0">
+                  <a:schemeClr val="accent1"/>
+                </a:effectRef>
+                <a:fontRef idx="minor">
+                  <a:schemeClr val="lt1"/>
+                </a:fontRef>
+              </p:style>
+              <p:txBody>
+                <a:bodyPr rtlCol="0" anchor="ctr"/>
+                <a:lstStyle/>
+                <a:p>
+                  <a:pPr algn="ctr"/>
+                  <a:endParaRPr lang="en-US"/>
+                </a:p>
+              </p:txBody>
+            </p:sp>
+            <p:cxnSp>
+              <p:nvCxnSpPr>
+                <p:cNvPr id="65" name="Straight Connector 64">
+                  <a:extLst>
+                    <a:ext uri="{FF2B5EF4-FFF2-40B4-BE49-F238E27FC236}">
+                      <a16:creationId xmlns:a16="http://schemas.microsoft.com/office/drawing/2014/main" id="{5709C44F-4CDD-4229-B7FF-E9D823FFAFEA}"/>
+                    </a:ext>
+                  </a:extLst>
+                </p:cNvPr>
+                <p:cNvCxnSpPr>
+                  <a:cxnSpLocks/>
+                </p:cNvCxnSpPr>
+                <p:nvPr/>
+              </p:nvCxnSpPr>
+              <p:spPr>
+                <a:xfrm>
+                  <a:off x="5806966" y="3090041"/>
+                  <a:ext cx="0" cy="2375339"/>
+                </a:xfrm>
+                <a:prstGeom prst="line">
+                  <a:avLst/>
+                </a:prstGeom>
+                <a:ln w="19050">
+                  <a:solidFill>
+                    <a:schemeClr val="tx1"/>
+                  </a:solidFill>
+                </a:ln>
+              </p:spPr>
+              <p:style>
+                <a:lnRef idx="1">
+                  <a:schemeClr val="accent1"/>
+                </a:lnRef>
+                <a:fillRef idx="0">
+                  <a:schemeClr val="accent1"/>
+                </a:fillRef>
+                <a:effectRef idx="0">
+                  <a:schemeClr val="accent1"/>
+                </a:effectRef>
+                <a:fontRef idx="minor">
+                  <a:schemeClr val="tx1"/>
+                </a:fontRef>
+              </p:style>
+            </p:cxnSp>
+            <p:cxnSp>
+              <p:nvCxnSpPr>
+                <p:cNvPr id="66" name="Straight Connector 65">
+                  <a:extLst>
+                    <a:ext uri="{FF2B5EF4-FFF2-40B4-BE49-F238E27FC236}">
+                      <a16:creationId xmlns:a16="http://schemas.microsoft.com/office/drawing/2014/main" id="{11880393-8588-4C35-9B93-2318B87B7004}"/>
+                    </a:ext>
+                  </a:extLst>
+                </p:cNvPr>
+                <p:cNvCxnSpPr/>
+                <p:nvPr/>
+              </p:nvCxnSpPr>
+              <p:spPr>
+                <a:xfrm>
+                  <a:off x="4466896" y="3626070"/>
+                  <a:ext cx="2007475" cy="0"/>
+                </a:xfrm>
+                <a:prstGeom prst="line">
+                  <a:avLst/>
+                </a:prstGeom>
+                <a:ln w="19050">
+                  <a:solidFill>
+                    <a:schemeClr val="tx1"/>
+                  </a:solidFill>
+                </a:ln>
+              </p:spPr>
+              <p:style>
+                <a:lnRef idx="1">
+                  <a:schemeClr val="accent1"/>
+                </a:lnRef>
+                <a:fillRef idx="0">
+                  <a:schemeClr val="accent1"/>
+                </a:fillRef>
+                <a:effectRef idx="0">
+                  <a:schemeClr val="accent1"/>
+                </a:effectRef>
+                <a:fontRef idx="minor">
+                  <a:schemeClr val="tx1"/>
+                </a:fontRef>
+              </p:style>
+            </p:cxnSp>
+            <p:cxnSp>
+              <p:nvCxnSpPr>
+                <p:cNvPr id="67" name="Straight Connector 66">
+                  <a:extLst>
+                    <a:ext uri="{FF2B5EF4-FFF2-40B4-BE49-F238E27FC236}">
+                      <a16:creationId xmlns:a16="http://schemas.microsoft.com/office/drawing/2014/main" id="{7ECDB555-2922-4D38-9A61-6F58FD186CF4}"/>
+                    </a:ext>
+                  </a:extLst>
+                </p:cNvPr>
+                <p:cNvCxnSpPr/>
+                <p:nvPr/>
+              </p:nvCxnSpPr>
+              <p:spPr>
+                <a:xfrm>
+                  <a:off x="4466895" y="4261945"/>
+                  <a:ext cx="2007475" cy="0"/>
+                </a:xfrm>
+                <a:prstGeom prst="line">
+                  <a:avLst/>
+                </a:prstGeom>
+                <a:ln w="19050">
+                  <a:solidFill>
+                    <a:schemeClr val="tx1"/>
+                  </a:solidFill>
+                </a:ln>
+              </p:spPr>
+              <p:style>
+                <a:lnRef idx="1">
+                  <a:schemeClr val="accent1"/>
+                </a:lnRef>
+                <a:fillRef idx="0">
+                  <a:schemeClr val="accent1"/>
+                </a:fillRef>
+                <a:effectRef idx="0">
+                  <a:schemeClr val="accent1"/>
+                </a:effectRef>
+                <a:fontRef idx="minor">
+                  <a:schemeClr val="tx1"/>
+                </a:fontRef>
+              </p:style>
+            </p:cxnSp>
+            <p:cxnSp>
+              <p:nvCxnSpPr>
+                <p:cNvPr id="68" name="Straight Connector 67">
+                  <a:extLst>
+                    <a:ext uri="{FF2B5EF4-FFF2-40B4-BE49-F238E27FC236}">
+                      <a16:creationId xmlns:a16="http://schemas.microsoft.com/office/drawing/2014/main" id="{C1AFD4FA-2BDB-4D6F-B941-817606F21368}"/>
+                    </a:ext>
+                  </a:extLst>
+                </p:cNvPr>
+                <p:cNvCxnSpPr/>
+                <p:nvPr/>
+              </p:nvCxnSpPr>
+              <p:spPr>
+                <a:xfrm>
+                  <a:off x="4466895" y="4850525"/>
+                  <a:ext cx="2007475" cy="0"/>
+                </a:xfrm>
+                <a:prstGeom prst="line">
+                  <a:avLst/>
+                </a:prstGeom>
+                <a:ln w="19050">
+                  <a:solidFill>
+                    <a:schemeClr val="tx1"/>
+                  </a:solidFill>
+                </a:ln>
+              </p:spPr>
+              <p:style>
+                <a:lnRef idx="1">
+                  <a:schemeClr val="accent1"/>
+                </a:lnRef>
+                <a:fillRef idx="0">
+                  <a:schemeClr val="accent1"/>
+                </a:fillRef>
+                <a:effectRef idx="0">
+                  <a:schemeClr val="accent1"/>
+                </a:effectRef>
+                <a:fontRef idx="minor">
+                  <a:schemeClr val="tx1"/>
+                </a:fontRef>
+              </p:style>
+            </p:cxnSp>
+            <p:cxnSp>
+              <p:nvCxnSpPr>
+                <p:cNvPr id="69" name="Straight Connector 68">
+                  <a:extLst>
+                    <a:ext uri="{FF2B5EF4-FFF2-40B4-BE49-F238E27FC236}">
+                      <a16:creationId xmlns:a16="http://schemas.microsoft.com/office/drawing/2014/main" id="{A485BE96-5BB9-4E16-A107-9EFD6035B6C9}"/>
+                    </a:ext>
+                  </a:extLst>
+                </p:cNvPr>
+                <p:cNvCxnSpPr>
+                  <a:cxnSpLocks/>
+                </p:cNvCxnSpPr>
+                <p:nvPr/>
+              </p:nvCxnSpPr>
+              <p:spPr>
+                <a:xfrm>
+                  <a:off x="5139558" y="3090041"/>
+                  <a:ext cx="0" cy="2375339"/>
+                </a:xfrm>
+                <a:prstGeom prst="line">
+                  <a:avLst/>
+                </a:prstGeom>
+                <a:ln w="19050">
+                  <a:solidFill>
+                    <a:schemeClr val="tx1"/>
+                  </a:solidFill>
+                </a:ln>
+              </p:spPr>
+              <p:style>
+                <a:lnRef idx="1">
+                  <a:schemeClr val="accent1"/>
+                </a:lnRef>
+                <a:fillRef idx="0">
+                  <a:schemeClr val="accent1"/>
+                </a:fillRef>
+                <a:effectRef idx="0">
+                  <a:schemeClr val="accent1"/>
+                </a:effectRef>
+                <a:fontRef idx="minor">
+                  <a:schemeClr val="tx1"/>
+                </a:fontRef>
+              </p:style>
+            </p:cxnSp>
+          </p:grpSp>
+          <p:cxnSp>
+            <p:nvCxnSpPr>
+              <p:cNvPr id="63" name="Straight Connector 62">
+                <a:extLst>
+                  <a:ext uri="{FF2B5EF4-FFF2-40B4-BE49-F238E27FC236}">
+                    <a16:creationId xmlns:a16="http://schemas.microsoft.com/office/drawing/2014/main" id="{69CCC4CB-F2AA-4173-927A-BB2F9904D7DF}"/>
+                  </a:ext>
+                </a:extLst>
+              </p:cNvPr>
+              <p:cNvCxnSpPr/>
+              <p:nvPr/>
+            </p:nvCxnSpPr>
+            <p:spPr>
+              <a:xfrm>
+                <a:off x="5070915" y="3804746"/>
+                <a:ext cx="678244" cy="0"/>
+              </a:xfrm>
+              <a:prstGeom prst="line">
+                <a:avLst/>
+              </a:prstGeom>
+              <a:ln w="38100">
+                <a:solidFill>
+                  <a:schemeClr val="tx1"/>
+                </a:solidFill>
+              </a:ln>
+            </p:spPr>
+            <p:style>
+              <a:lnRef idx="1">
+                <a:schemeClr val="accent1"/>
+              </a:lnRef>
+              <a:fillRef idx="0">
+                <a:schemeClr val="accent1"/>
+              </a:fillRef>
+              <a:effectRef idx="0">
+                <a:schemeClr val="accent1"/>
+              </a:effectRef>
+              <a:fontRef idx="minor">
+                <a:schemeClr val="tx1"/>
+              </a:fontRef>
+            </p:style>
+          </p:cxnSp>
+        </p:grpSp>
+        <p:sp>
+          <p:nvSpPr>
+            <p:cNvPr id="61" name="Oval 60">
+              <a:extLst>
+                <a:ext uri="{FF2B5EF4-FFF2-40B4-BE49-F238E27FC236}">
+                  <a16:creationId xmlns:a16="http://schemas.microsoft.com/office/drawing/2014/main" id="{5A5285F6-5570-47B1-8AFB-021F69729813}"/>
+                </a:ext>
+              </a:extLst>
+            </p:cNvPr>
+            <p:cNvSpPr/>
+            <p:nvPr/>
+          </p:nvSpPr>
+          <p:spPr>
+            <a:xfrm>
+              <a:off x="6678466" y="2477602"/>
+              <a:ext cx="178676" cy="178676"/>
+            </a:xfrm>
+            <a:prstGeom prst="ellipse">
+              <a:avLst/>
+            </a:prstGeom>
+            <a:solidFill>
+              <a:schemeClr val="tx1"/>
+            </a:solidFill>
+            <a:ln>
+              <a:solidFill>
+                <a:schemeClr val="tx1"/>
+              </a:solidFill>
+            </a:ln>
+          </p:spPr>
+          <p:style>
+            <a:lnRef idx="2">
+              <a:schemeClr val="accent1">
+                <a:shade val="50000"/>
+              </a:schemeClr>
+            </a:lnRef>
+            <a:fillRef idx="1">
+              <a:schemeClr val="accent1"/>
+            </a:fillRef>
+            <a:effectRef idx="0">
+              <a:schemeClr val="accent1"/>
+            </a:effectRef>
+            <a:fontRef idx="minor">
+              <a:schemeClr val="lt1"/>
+            </a:fontRef>
+          </p:style>
+          <p:txBody>
+            <a:bodyPr rtlCol="0" anchor="ctr"/>
+            <a:lstStyle/>
+            <a:p>
+              <a:pPr algn="ctr"/>
+              <a:endParaRPr lang="en-US"/>
+            </a:p>
+          </p:txBody>
+        </p:sp>
+      </p:grpSp>
+      <p:grpSp>
+        <p:nvGrpSpPr>
+          <p:cNvPr id="70" name="Group 69">
+            <a:extLst>
+              <a:ext uri="{FF2B5EF4-FFF2-40B4-BE49-F238E27FC236}">
+                <a16:creationId xmlns:a16="http://schemas.microsoft.com/office/drawing/2014/main" id="{4183EBF2-F464-4FF2-A103-BE6BCBB38A64}"/>
+              </a:ext>
+            </a:extLst>
+          </p:cNvPr>
+          <p:cNvGrpSpPr/>
+          <p:nvPr/>
+        </p:nvGrpSpPr>
+        <p:grpSpPr>
+          <a:xfrm>
+            <a:off x="1758271" y="2830982"/>
+            <a:ext cx="762326" cy="947045"/>
+            <a:chOff x="1833729" y="2279631"/>
+            <a:chExt cx="762326" cy="947045"/>
+          </a:xfrm>
+        </p:grpSpPr>
+        <p:grpSp>
+          <p:nvGrpSpPr>
+            <p:cNvPr id="71" name="Group 70">
+              <a:extLst>
+                <a:ext uri="{FF2B5EF4-FFF2-40B4-BE49-F238E27FC236}">
+                  <a16:creationId xmlns:a16="http://schemas.microsoft.com/office/drawing/2014/main" id="{47D29031-7241-456F-A94F-80CB7F46D8C9}"/>
+                </a:ext>
+              </a:extLst>
+            </p:cNvPr>
+            <p:cNvGrpSpPr/>
+            <p:nvPr/>
+          </p:nvGrpSpPr>
+          <p:grpSpPr>
+            <a:xfrm>
+              <a:off x="1833729" y="2279631"/>
+              <a:ext cx="678244" cy="947045"/>
+              <a:chOff x="5070915" y="3803631"/>
+              <a:chExt cx="678244" cy="947045"/>
+            </a:xfrm>
+          </p:grpSpPr>
+          <p:grpSp>
+            <p:nvGrpSpPr>
+              <p:cNvPr id="73" name="Group 72">
+                <a:extLst>
+                  <a:ext uri="{FF2B5EF4-FFF2-40B4-BE49-F238E27FC236}">
+                    <a16:creationId xmlns:a16="http://schemas.microsoft.com/office/drawing/2014/main" id="{C13BD5B2-B5FA-4B43-ABBF-268628DA5FD3}"/>
+                  </a:ext>
+                </a:extLst>
+              </p:cNvPr>
+              <p:cNvGrpSpPr/>
+              <p:nvPr/>
+            </p:nvGrpSpPr>
+            <p:grpSpPr>
+              <a:xfrm>
+                <a:off x="5070915" y="3804746"/>
+                <a:ext cx="678244" cy="945930"/>
+                <a:chOff x="4466895" y="3090041"/>
+                <a:chExt cx="2007476" cy="2375339"/>
+              </a:xfrm>
+            </p:grpSpPr>
+            <p:sp>
+              <p:nvSpPr>
+                <p:cNvPr id="75" name="Rectangle 74">
+                  <a:extLst>
+                    <a:ext uri="{FF2B5EF4-FFF2-40B4-BE49-F238E27FC236}">
+                      <a16:creationId xmlns:a16="http://schemas.microsoft.com/office/drawing/2014/main" id="{69064978-59DF-46E4-B97D-28AC3F85ED8D}"/>
+                    </a:ext>
+                  </a:extLst>
+                </p:cNvPr>
+                <p:cNvSpPr/>
+                <p:nvPr/>
+              </p:nvSpPr>
+              <p:spPr>
+                <a:xfrm>
+                  <a:off x="4466896" y="3090042"/>
+                  <a:ext cx="2007475" cy="2375338"/>
+                </a:xfrm>
+                <a:prstGeom prst="rect">
+                  <a:avLst/>
+                </a:prstGeom>
+                <a:noFill/>
+                <a:ln w="19050">
+                  <a:solidFill>
+                    <a:schemeClr val="tx1"/>
+                  </a:solidFill>
+                </a:ln>
+              </p:spPr>
+              <p:style>
+                <a:lnRef idx="2">
+                  <a:schemeClr val="accent1">
+                    <a:shade val="50000"/>
+                  </a:schemeClr>
+                </a:lnRef>
+                <a:fillRef idx="1">
+                  <a:schemeClr val="accent1"/>
+                </a:fillRef>
+                <a:effectRef idx="0">
+                  <a:schemeClr val="accent1"/>
+                </a:effectRef>
+                <a:fontRef idx="minor">
+                  <a:schemeClr val="lt1"/>
+                </a:fontRef>
+              </p:style>
+              <p:txBody>
+                <a:bodyPr rtlCol="0" anchor="ctr"/>
+                <a:lstStyle/>
+                <a:p>
+                  <a:pPr algn="ctr"/>
+                  <a:endParaRPr lang="en-US"/>
+                </a:p>
+              </p:txBody>
+            </p:sp>
+            <p:cxnSp>
+              <p:nvCxnSpPr>
+                <p:cNvPr id="76" name="Straight Connector 75">
+                  <a:extLst>
+                    <a:ext uri="{FF2B5EF4-FFF2-40B4-BE49-F238E27FC236}">
+                      <a16:creationId xmlns:a16="http://schemas.microsoft.com/office/drawing/2014/main" id="{F4C16CD6-D182-4198-93C0-32E37CC113A3}"/>
+                    </a:ext>
+                  </a:extLst>
+                </p:cNvPr>
+                <p:cNvCxnSpPr>
+                  <a:cxnSpLocks/>
+                </p:cNvCxnSpPr>
+                <p:nvPr/>
+              </p:nvCxnSpPr>
+              <p:spPr>
+                <a:xfrm>
+                  <a:off x="5806965" y="3090041"/>
+                  <a:ext cx="0" cy="2375339"/>
+                </a:xfrm>
+                <a:prstGeom prst="line">
+                  <a:avLst/>
+                </a:prstGeom>
+                <a:ln w="19050">
+                  <a:solidFill>
+                    <a:schemeClr val="tx1"/>
+                  </a:solidFill>
+                </a:ln>
+              </p:spPr>
+              <p:style>
+                <a:lnRef idx="1">
+                  <a:schemeClr val="accent1"/>
+                </a:lnRef>
+                <a:fillRef idx="0">
+                  <a:schemeClr val="accent1"/>
+                </a:fillRef>
+                <a:effectRef idx="0">
+                  <a:schemeClr val="accent1"/>
+                </a:effectRef>
+                <a:fontRef idx="minor">
+                  <a:schemeClr val="tx1"/>
+                </a:fontRef>
+              </p:style>
+            </p:cxnSp>
+            <p:cxnSp>
+              <p:nvCxnSpPr>
+                <p:cNvPr id="77" name="Straight Connector 76">
+                  <a:extLst>
+                    <a:ext uri="{FF2B5EF4-FFF2-40B4-BE49-F238E27FC236}">
+                      <a16:creationId xmlns:a16="http://schemas.microsoft.com/office/drawing/2014/main" id="{F28D54C7-EF13-40E6-96C9-274C39C885F0}"/>
+                    </a:ext>
+                  </a:extLst>
+                </p:cNvPr>
+                <p:cNvCxnSpPr/>
+                <p:nvPr/>
+              </p:nvCxnSpPr>
+              <p:spPr>
+                <a:xfrm>
+                  <a:off x="4466896" y="3626070"/>
+                  <a:ext cx="2007475" cy="0"/>
+                </a:xfrm>
+                <a:prstGeom prst="line">
+                  <a:avLst/>
+                </a:prstGeom>
+                <a:ln w="19050">
+                  <a:solidFill>
+                    <a:schemeClr val="tx1"/>
+                  </a:solidFill>
+                </a:ln>
+              </p:spPr>
+              <p:style>
+                <a:lnRef idx="1">
+                  <a:schemeClr val="accent1"/>
+                </a:lnRef>
+                <a:fillRef idx="0">
+                  <a:schemeClr val="accent1"/>
+                </a:fillRef>
+                <a:effectRef idx="0">
+                  <a:schemeClr val="accent1"/>
+                </a:effectRef>
+                <a:fontRef idx="minor">
+                  <a:schemeClr val="tx1"/>
+                </a:fontRef>
+              </p:style>
+            </p:cxnSp>
+            <p:cxnSp>
+              <p:nvCxnSpPr>
+                <p:cNvPr id="78" name="Straight Connector 77">
+                  <a:extLst>
+                    <a:ext uri="{FF2B5EF4-FFF2-40B4-BE49-F238E27FC236}">
+                      <a16:creationId xmlns:a16="http://schemas.microsoft.com/office/drawing/2014/main" id="{90750AD5-1267-43BE-BDF8-E1EB0ED468E4}"/>
+                    </a:ext>
+                  </a:extLst>
+                </p:cNvPr>
+                <p:cNvCxnSpPr/>
+                <p:nvPr/>
+              </p:nvCxnSpPr>
+              <p:spPr>
+                <a:xfrm>
+                  <a:off x="4466895" y="4261945"/>
+                  <a:ext cx="2007475" cy="0"/>
+                </a:xfrm>
+                <a:prstGeom prst="line">
+                  <a:avLst/>
+                </a:prstGeom>
+                <a:ln w="19050">
+                  <a:solidFill>
+                    <a:schemeClr val="tx1"/>
+                  </a:solidFill>
+                </a:ln>
+              </p:spPr>
+              <p:style>
+                <a:lnRef idx="1">
+                  <a:schemeClr val="accent1"/>
+                </a:lnRef>
+                <a:fillRef idx="0">
+                  <a:schemeClr val="accent1"/>
+                </a:fillRef>
+                <a:effectRef idx="0">
+                  <a:schemeClr val="accent1"/>
+                </a:effectRef>
+                <a:fontRef idx="minor">
+                  <a:schemeClr val="tx1"/>
+                </a:fontRef>
+              </p:style>
+            </p:cxnSp>
+            <p:cxnSp>
+              <p:nvCxnSpPr>
+                <p:cNvPr id="79" name="Straight Connector 78">
+                  <a:extLst>
+                    <a:ext uri="{FF2B5EF4-FFF2-40B4-BE49-F238E27FC236}">
+                      <a16:creationId xmlns:a16="http://schemas.microsoft.com/office/drawing/2014/main" id="{3F6ACCD3-CEB2-4906-ACF0-8C35AF661698}"/>
+                    </a:ext>
+                  </a:extLst>
+                </p:cNvPr>
+                <p:cNvCxnSpPr/>
+                <p:nvPr/>
+              </p:nvCxnSpPr>
+              <p:spPr>
+                <a:xfrm>
+                  <a:off x="4466895" y="4850525"/>
+                  <a:ext cx="2007475" cy="0"/>
+                </a:xfrm>
+                <a:prstGeom prst="line">
+                  <a:avLst/>
+                </a:prstGeom>
+                <a:ln w="19050">
+                  <a:solidFill>
+                    <a:schemeClr val="tx1"/>
+                  </a:solidFill>
+                </a:ln>
+              </p:spPr>
+              <p:style>
+                <a:lnRef idx="1">
+                  <a:schemeClr val="accent1"/>
+                </a:lnRef>
+                <a:fillRef idx="0">
+                  <a:schemeClr val="accent1"/>
+                </a:fillRef>
+                <a:effectRef idx="0">
+                  <a:schemeClr val="accent1"/>
+                </a:effectRef>
+                <a:fontRef idx="minor">
+                  <a:schemeClr val="tx1"/>
+                </a:fontRef>
+              </p:style>
+            </p:cxnSp>
+            <p:cxnSp>
+              <p:nvCxnSpPr>
+                <p:cNvPr id="80" name="Straight Connector 79">
+                  <a:extLst>
+                    <a:ext uri="{FF2B5EF4-FFF2-40B4-BE49-F238E27FC236}">
+                      <a16:creationId xmlns:a16="http://schemas.microsoft.com/office/drawing/2014/main" id="{6B51723E-54A5-4E82-A23C-672E481CAD94}"/>
+                    </a:ext>
+                  </a:extLst>
+                </p:cNvPr>
+                <p:cNvCxnSpPr>
+                  <a:cxnSpLocks/>
+                </p:cNvCxnSpPr>
+                <p:nvPr/>
+              </p:nvCxnSpPr>
+              <p:spPr>
+                <a:xfrm>
+                  <a:off x="5139558" y="3090041"/>
+                  <a:ext cx="0" cy="2375339"/>
+                </a:xfrm>
+                <a:prstGeom prst="line">
+                  <a:avLst/>
+                </a:prstGeom>
+                <a:ln w="19050">
+                  <a:solidFill>
+                    <a:schemeClr val="tx1"/>
+                  </a:solidFill>
+                </a:ln>
+              </p:spPr>
+              <p:style>
+                <a:lnRef idx="1">
+                  <a:schemeClr val="accent1"/>
+                </a:lnRef>
+                <a:fillRef idx="0">
+                  <a:schemeClr val="accent1"/>
+                </a:fillRef>
+                <a:effectRef idx="0">
+                  <a:schemeClr val="accent1"/>
+                </a:effectRef>
+                <a:fontRef idx="minor">
+                  <a:schemeClr val="tx1"/>
+                </a:fontRef>
+              </p:style>
+            </p:cxnSp>
+          </p:grpSp>
+          <p:cxnSp>
+            <p:nvCxnSpPr>
+              <p:cNvPr id="74" name="Straight Connector 73">
+                <a:extLst>
+                  <a:ext uri="{FF2B5EF4-FFF2-40B4-BE49-F238E27FC236}">
+                    <a16:creationId xmlns:a16="http://schemas.microsoft.com/office/drawing/2014/main" id="{A040600A-89D0-4179-9E40-995BD40AA7CA}"/>
+                  </a:ext>
+                </a:extLst>
+              </p:cNvPr>
+              <p:cNvCxnSpPr>
+                <a:cxnSpLocks/>
+              </p:cNvCxnSpPr>
+              <p:nvPr/>
+            </p:nvCxnSpPr>
+            <p:spPr>
+              <a:xfrm flipV="1">
+                <a:off x="5070915" y="3803631"/>
+                <a:ext cx="678244" cy="1115"/>
+              </a:xfrm>
+              <a:prstGeom prst="line">
+                <a:avLst/>
+              </a:prstGeom>
+              <a:ln w="38100">
+                <a:solidFill>
+                  <a:schemeClr val="tx1"/>
+                </a:solidFill>
+              </a:ln>
+            </p:spPr>
+            <p:style>
+              <a:lnRef idx="1">
+                <a:schemeClr val="accent1"/>
+              </a:lnRef>
+              <a:fillRef idx="0">
+                <a:schemeClr val="accent1"/>
+              </a:fillRef>
+              <a:effectRef idx="0">
+                <a:schemeClr val="accent1"/>
+              </a:effectRef>
+              <a:fontRef idx="minor">
+                <a:schemeClr val="tx1"/>
+              </a:fontRef>
+            </p:style>
+          </p:cxnSp>
+        </p:grpSp>
+        <p:sp>
+          <p:nvSpPr>
+            <p:cNvPr id="72" name="Oval 71">
+              <a:extLst>
+                <a:ext uri="{FF2B5EF4-FFF2-40B4-BE49-F238E27FC236}">
+                  <a16:creationId xmlns:a16="http://schemas.microsoft.com/office/drawing/2014/main" id="{33E1B98B-4348-441C-9AD6-F25E7FE60D2D}"/>
+                </a:ext>
+              </a:extLst>
+            </p:cNvPr>
+            <p:cNvSpPr/>
+            <p:nvPr/>
+          </p:nvSpPr>
+          <p:spPr>
+            <a:xfrm>
+              <a:off x="2417379" y="2775290"/>
+              <a:ext cx="178676" cy="178676"/>
+            </a:xfrm>
+            <a:prstGeom prst="ellipse">
+              <a:avLst/>
+            </a:prstGeom>
+            <a:solidFill>
+              <a:schemeClr val="tx1"/>
+            </a:solidFill>
+            <a:ln>
+              <a:solidFill>
+                <a:schemeClr val="tx1"/>
+              </a:solidFill>
+            </a:ln>
+          </p:spPr>
+          <p:style>
+            <a:lnRef idx="2">
+              <a:schemeClr val="accent1">
+                <a:shade val="50000"/>
+              </a:schemeClr>
+            </a:lnRef>
+            <a:fillRef idx="1">
+              <a:schemeClr val="accent1"/>
+            </a:fillRef>
+            <a:effectRef idx="0">
+              <a:schemeClr val="accent1"/>
+            </a:effectRef>
+            <a:fontRef idx="minor">
+              <a:schemeClr val="lt1"/>
+            </a:fontRef>
+          </p:style>
+          <p:txBody>
+            <a:bodyPr rtlCol="0" anchor="ctr"/>
+            <a:lstStyle/>
+            <a:p>
+              <a:pPr algn="ctr"/>
+              <a:endParaRPr lang="en-US"/>
+            </a:p>
+          </p:txBody>
+        </p:sp>
+      </p:grpSp>
+      <p:grpSp>
+        <p:nvGrpSpPr>
+          <p:cNvPr id="81" name="Group 80">
+            <a:extLst>
+              <a:ext uri="{FF2B5EF4-FFF2-40B4-BE49-F238E27FC236}">
+                <a16:creationId xmlns:a16="http://schemas.microsoft.com/office/drawing/2014/main" id="{56F3F044-85BC-4A5E-AA42-3234A1F4C7F0}"/>
+              </a:ext>
+            </a:extLst>
+          </p:cNvPr>
+          <p:cNvGrpSpPr/>
+          <p:nvPr/>
+        </p:nvGrpSpPr>
+        <p:grpSpPr>
+          <a:xfrm>
+            <a:off x="3067325" y="4332084"/>
+            <a:ext cx="770200" cy="945930"/>
+            <a:chOff x="6678466" y="2229170"/>
+            <a:chExt cx="770200" cy="945930"/>
+          </a:xfrm>
+        </p:grpSpPr>
+        <p:sp>
+          <p:nvSpPr>
+            <p:cNvPr id="82" name="Oval 81">
+              <a:extLst>
+                <a:ext uri="{FF2B5EF4-FFF2-40B4-BE49-F238E27FC236}">
+                  <a16:creationId xmlns:a16="http://schemas.microsoft.com/office/drawing/2014/main" id="{2F9CD883-571C-4310-B59F-51E0A00ED459}"/>
+                </a:ext>
+              </a:extLst>
+            </p:cNvPr>
+            <p:cNvSpPr/>
+            <p:nvPr/>
+          </p:nvSpPr>
+          <p:spPr>
+            <a:xfrm>
+              <a:off x="7138233" y="2472951"/>
+              <a:ext cx="178676" cy="178676"/>
+            </a:xfrm>
+            <a:prstGeom prst="ellipse">
+              <a:avLst/>
+            </a:prstGeom>
+            <a:solidFill>
+              <a:schemeClr val="tx1"/>
+            </a:solidFill>
+            <a:ln>
+              <a:solidFill>
+                <a:schemeClr val="tx1"/>
+              </a:solidFill>
+            </a:ln>
+          </p:spPr>
+          <p:style>
+            <a:lnRef idx="2">
+              <a:schemeClr val="accent1">
+                <a:shade val="50000"/>
+              </a:schemeClr>
+            </a:lnRef>
+            <a:fillRef idx="1">
+              <a:schemeClr val="accent1"/>
+            </a:fillRef>
+            <a:effectRef idx="0">
+              <a:schemeClr val="accent1"/>
+            </a:effectRef>
+            <a:fontRef idx="minor">
+              <a:schemeClr val="lt1"/>
+            </a:fontRef>
+          </p:style>
+          <p:txBody>
+            <a:bodyPr rtlCol="0" anchor="ctr"/>
+            <a:lstStyle/>
+            <a:p>
+              <a:pPr algn="ctr"/>
+              <a:endParaRPr lang="en-US"/>
+            </a:p>
+          </p:txBody>
+        </p:sp>
+        <p:grpSp>
+          <p:nvGrpSpPr>
+            <p:cNvPr id="83" name="Group 82">
+              <a:extLst>
+                <a:ext uri="{FF2B5EF4-FFF2-40B4-BE49-F238E27FC236}">
+                  <a16:creationId xmlns:a16="http://schemas.microsoft.com/office/drawing/2014/main" id="{27B2CBC0-9DF4-438C-8CCE-07EC30B7E70D}"/>
+                </a:ext>
+              </a:extLst>
+            </p:cNvPr>
+            <p:cNvGrpSpPr/>
+            <p:nvPr/>
+          </p:nvGrpSpPr>
+          <p:grpSpPr>
+            <a:xfrm>
+              <a:off x="6770422" y="2229170"/>
+              <a:ext cx="678244" cy="945930"/>
+              <a:chOff x="5070915" y="3804746"/>
+              <a:chExt cx="678244" cy="945930"/>
+            </a:xfrm>
+          </p:grpSpPr>
+          <p:grpSp>
+            <p:nvGrpSpPr>
+              <p:cNvPr id="87" name="Group 86">
+                <a:extLst>
+                  <a:ext uri="{FF2B5EF4-FFF2-40B4-BE49-F238E27FC236}">
+                    <a16:creationId xmlns:a16="http://schemas.microsoft.com/office/drawing/2014/main" id="{A2A62405-E286-4CE4-BDFC-88F562CD3AB1}"/>
+                  </a:ext>
+                </a:extLst>
+              </p:cNvPr>
+              <p:cNvGrpSpPr/>
+              <p:nvPr/>
+            </p:nvGrpSpPr>
+            <p:grpSpPr>
+              <a:xfrm>
+                <a:off x="5070915" y="3804746"/>
+                <a:ext cx="678244" cy="945930"/>
+                <a:chOff x="4466895" y="3090041"/>
+                <a:chExt cx="2007476" cy="2375339"/>
+              </a:xfrm>
+            </p:grpSpPr>
+            <p:sp>
+              <p:nvSpPr>
+                <p:cNvPr id="89" name="Rectangle 88">
+                  <a:extLst>
+                    <a:ext uri="{FF2B5EF4-FFF2-40B4-BE49-F238E27FC236}">
+                      <a16:creationId xmlns:a16="http://schemas.microsoft.com/office/drawing/2014/main" id="{678D45A3-A8E2-485E-9680-D577A3EC4B56}"/>
+                    </a:ext>
+                  </a:extLst>
+                </p:cNvPr>
+                <p:cNvSpPr/>
+                <p:nvPr/>
+              </p:nvSpPr>
+              <p:spPr>
+                <a:xfrm>
+                  <a:off x="4466896" y="3090042"/>
+                  <a:ext cx="2007475" cy="2375338"/>
+                </a:xfrm>
+                <a:prstGeom prst="rect">
+                  <a:avLst/>
+                </a:prstGeom>
+                <a:noFill/>
+                <a:ln w="19050">
+                  <a:solidFill>
+                    <a:schemeClr val="tx1"/>
+                  </a:solidFill>
+                </a:ln>
+              </p:spPr>
+              <p:style>
+                <a:lnRef idx="2">
+                  <a:schemeClr val="accent1">
+                    <a:shade val="50000"/>
+                  </a:schemeClr>
+                </a:lnRef>
+                <a:fillRef idx="1">
+                  <a:schemeClr val="accent1"/>
+                </a:fillRef>
+                <a:effectRef idx="0">
+                  <a:schemeClr val="accent1"/>
+                </a:effectRef>
+                <a:fontRef idx="minor">
+                  <a:schemeClr val="lt1"/>
+                </a:fontRef>
+              </p:style>
+              <p:txBody>
+                <a:bodyPr rtlCol="0" anchor="ctr"/>
+                <a:lstStyle/>
+                <a:p>
+                  <a:pPr algn="ctr"/>
+                  <a:endParaRPr lang="en-US"/>
+                </a:p>
+              </p:txBody>
+            </p:sp>
+            <p:cxnSp>
+              <p:nvCxnSpPr>
+                <p:cNvPr id="90" name="Straight Connector 89">
+                  <a:extLst>
+                    <a:ext uri="{FF2B5EF4-FFF2-40B4-BE49-F238E27FC236}">
+                      <a16:creationId xmlns:a16="http://schemas.microsoft.com/office/drawing/2014/main" id="{2C5C9A26-1A60-4F6F-A7B9-36570197D904}"/>
+                    </a:ext>
+                  </a:extLst>
+                </p:cNvPr>
+                <p:cNvCxnSpPr>
+                  <a:cxnSpLocks/>
+                </p:cNvCxnSpPr>
+                <p:nvPr/>
+              </p:nvCxnSpPr>
+              <p:spPr>
+                <a:xfrm>
+                  <a:off x="5806966" y="3090041"/>
+                  <a:ext cx="0" cy="2375339"/>
+                </a:xfrm>
+                <a:prstGeom prst="line">
+                  <a:avLst/>
+                </a:prstGeom>
+                <a:ln w="19050">
+                  <a:solidFill>
+                    <a:schemeClr val="tx1"/>
+                  </a:solidFill>
+                </a:ln>
+              </p:spPr>
+              <p:style>
+                <a:lnRef idx="1">
+                  <a:schemeClr val="accent1"/>
+                </a:lnRef>
+                <a:fillRef idx="0">
+                  <a:schemeClr val="accent1"/>
+                </a:fillRef>
+                <a:effectRef idx="0">
+                  <a:schemeClr val="accent1"/>
+                </a:effectRef>
+                <a:fontRef idx="minor">
+                  <a:schemeClr val="tx1"/>
+                </a:fontRef>
+              </p:style>
+            </p:cxnSp>
+            <p:cxnSp>
+              <p:nvCxnSpPr>
+                <p:cNvPr id="91" name="Straight Connector 90">
+                  <a:extLst>
+                    <a:ext uri="{FF2B5EF4-FFF2-40B4-BE49-F238E27FC236}">
+                      <a16:creationId xmlns:a16="http://schemas.microsoft.com/office/drawing/2014/main" id="{3FAFC547-BA96-45F4-925E-A75AB4041C61}"/>
+                    </a:ext>
+                  </a:extLst>
+                </p:cNvPr>
+                <p:cNvCxnSpPr/>
+                <p:nvPr/>
+              </p:nvCxnSpPr>
+              <p:spPr>
+                <a:xfrm>
+                  <a:off x="4466896" y="3626070"/>
+                  <a:ext cx="2007475" cy="0"/>
+                </a:xfrm>
+                <a:prstGeom prst="line">
+                  <a:avLst/>
+                </a:prstGeom>
+                <a:ln w="19050">
+                  <a:solidFill>
+                    <a:schemeClr val="tx1"/>
+                  </a:solidFill>
+                </a:ln>
+              </p:spPr>
+              <p:style>
+                <a:lnRef idx="1">
+                  <a:schemeClr val="accent1"/>
+                </a:lnRef>
+                <a:fillRef idx="0">
+                  <a:schemeClr val="accent1"/>
+                </a:fillRef>
+                <a:effectRef idx="0">
+                  <a:schemeClr val="accent1"/>
+                </a:effectRef>
+                <a:fontRef idx="minor">
+                  <a:schemeClr val="tx1"/>
+                </a:fontRef>
+              </p:style>
+            </p:cxnSp>
+            <p:cxnSp>
+              <p:nvCxnSpPr>
+                <p:cNvPr id="92" name="Straight Connector 91">
+                  <a:extLst>
+                    <a:ext uri="{FF2B5EF4-FFF2-40B4-BE49-F238E27FC236}">
+                      <a16:creationId xmlns:a16="http://schemas.microsoft.com/office/drawing/2014/main" id="{3CAF6599-CEC1-4BB7-9EB2-541EC18B6D84}"/>
+                    </a:ext>
+                  </a:extLst>
+                </p:cNvPr>
+                <p:cNvCxnSpPr/>
+                <p:nvPr/>
+              </p:nvCxnSpPr>
+              <p:spPr>
+                <a:xfrm>
+                  <a:off x="4466895" y="4261945"/>
+                  <a:ext cx="2007475" cy="0"/>
+                </a:xfrm>
+                <a:prstGeom prst="line">
+                  <a:avLst/>
+                </a:prstGeom>
+                <a:ln w="19050">
+                  <a:solidFill>
+                    <a:schemeClr val="tx1"/>
+                  </a:solidFill>
+                </a:ln>
+              </p:spPr>
+              <p:style>
+                <a:lnRef idx="1">
+                  <a:schemeClr val="accent1"/>
+                </a:lnRef>
+                <a:fillRef idx="0">
+                  <a:schemeClr val="accent1"/>
+                </a:fillRef>
+                <a:effectRef idx="0">
+                  <a:schemeClr val="accent1"/>
+                </a:effectRef>
+                <a:fontRef idx="minor">
+                  <a:schemeClr val="tx1"/>
+                </a:fontRef>
+              </p:style>
+            </p:cxnSp>
+            <p:cxnSp>
+              <p:nvCxnSpPr>
+                <p:cNvPr id="93" name="Straight Connector 92">
+                  <a:extLst>
+                    <a:ext uri="{FF2B5EF4-FFF2-40B4-BE49-F238E27FC236}">
+                      <a16:creationId xmlns:a16="http://schemas.microsoft.com/office/drawing/2014/main" id="{33DA2E61-FD36-4616-9FC4-B18FA6829008}"/>
+                    </a:ext>
+                  </a:extLst>
+                </p:cNvPr>
+                <p:cNvCxnSpPr/>
+                <p:nvPr/>
+              </p:nvCxnSpPr>
+              <p:spPr>
+                <a:xfrm>
+                  <a:off x="4466895" y="4850525"/>
+                  <a:ext cx="2007475" cy="0"/>
+                </a:xfrm>
+                <a:prstGeom prst="line">
+                  <a:avLst/>
+                </a:prstGeom>
+                <a:ln w="19050">
+                  <a:solidFill>
+                    <a:schemeClr val="tx1"/>
+                  </a:solidFill>
+                </a:ln>
+              </p:spPr>
+              <p:style>
+                <a:lnRef idx="1">
+                  <a:schemeClr val="accent1"/>
+                </a:lnRef>
+                <a:fillRef idx="0">
+                  <a:schemeClr val="accent1"/>
+                </a:fillRef>
+                <a:effectRef idx="0">
+                  <a:schemeClr val="accent1"/>
+                </a:effectRef>
+                <a:fontRef idx="minor">
+                  <a:schemeClr val="tx1"/>
+                </a:fontRef>
+              </p:style>
+            </p:cxnSp>
+            <p:cxnSp>
+              <p:nvCxnSpPr>
+                <p:cNvPr id="94" name="Straight Connector 93">
+                  <a:extLst>
+                    <a:ext uri="{FF2B5EF4-FFF2-40B4-BE49-F238E27FC236}">
+                      <a16:creationId xmlns:a16="http://schemas.microsoft.com/office/drawing/2014/main" id="{F84DEDDA-AB59-4CA0-AA75-6A6C528D3181}"/>
+                    </a:ext>
+                  </a:extLst>
+                </p:cNvPr>
+                <p:cNvCxnSpPr>
+                  <a:cxnSpLocks/>
+                </p:cNvCxnSpPr>
+                <p:nvPr/>
+              </p:nvCxnSpPr>
+              <p:spPr>
+                <a:xfrm>
+                  <a:off x="5139558" y="3090041"/>
+                  <a:ext cx="0" cy="2375339"/>
+                </a:xfrm>
+                <a:prstGeom prst="line">
+                  <a:avLst/>
+                </a:prstGeom>
+                <a:ln w="19050">
+                  <a:solidFill>
+                    <a:schemeClr val="tx1"/>
+                  </a:solidFill>
+                </a:ln>
+              </p:spPr>
+              <p:style>
+                <a:lnRef idx="1">
+                  <a:schemeClr val="accent1"/>
+                </a:lnRef>
+                <a:fillRef idx="0">
+                  <a:schemeClr val="accent1"/>
+                </a:fillRef>
+                <a:effectRef idx="0">
+                  <a:schemeClr val="accent1"/>
+                </a:effectRef>
+                <a:fontRef idx="minor">
+                  <a:schemeClr val="tx1"/>
+                </a:fontRef>
+              </p:style>
+            </p:cxnSp>
+          </p:grpSp>
+          <p:cxnSp>
+            <p:nvCxnSpPr>
+              <p:cNvPr id="88" name="Straight Connector 87">
+                <a:extLst>
+                  <a:ext uri="{FF2B5EF4-FFF2-40B4-BE49-F238E27FC236}">
+                    <a16:creationId xmlns:a16="http://schemas.microsoft.com/office/drawing/2014/main" id="{B33FB7BB-BDB9-4B8F-847E-969026FA6BC0}"/>
+                  </a:ext>
+                </a:extLst>
+              </p:cNvPr>
+              <p:cNvCxnSpPr/>
+              <p:nvPr/>
+            </p:nvCxnSpPr>
+            <p:spPr>
+              <a:xfrm>
+                <a:off x="5070915" y="3804746"/>
+                <a:ext cx="678244" cy="0"/>
+              </a:xfrm>
+              <a:prstGeom prst="line">
+                <a:avLst/>
+              </a:prstGeom>
+              <a:ln w="38100">
+                <a:solidFill>
+                  <a:schemeClr val="tx1"/>
+                </a:solidFill>
+              </a:ln>
+            </p:spPr>
+            <p:style>
+              <a:lnRef idx="1">
+                <a:schemeClr val="accent1"/>
+              </a:lnRef>
+              <a:fillRef idx="0">
+                <a:schemeClr val="accent1"/>
+              </a:fillRef>
+              <a:effectRef idx="0">
+                <a:schemeClr val="accent1"/>
+              </a:effectRef>
+              <a:fontRef idx="minor">
+                <a:schemeClr val="tx1"/>
+              </a:fontRef>
+            </p:style>
+          </p:cxnSp>
+        </p:grpSp>
+        <p:sp>
+          <p:nvSpPr>
+            <p:cNvPr id="84" name="Oval 83">
+              <a:extLst>
+                <a:ext uri="{FF2B5EF4-FFF2-40B4-BE49-F238E27FC236}">
+                  <a16:creationId xmlns:a16="http://schemas.microsoft.com/office/drawing/2014/main" id="{6355331F-6551-440D-867C-3AE52E24ECB9}"/>
+                </a:ext>
+              </a:extLst>
+            </p:cNvPr>
+            <p:cNvSpPr/>
+            <p:nvPr/>
+          </p:nvSpPr>
+          <p:spPr>
+            <a:xfrm>
+              <a:off x="6900857" y="2477602"/>
+              <a:ext cx="178676" cy="178676"/>
+            </a:xfrm>
+            <a:prstGeom prst="ellipse">
+              <a:avLst/>
+            </a:prstGeom>
+            <a:solidFill>
+              <a:schemeClr val="tx1"/>
+            </a:solidFill>
+            <a:ln>
+              <a:solidFill>
+                <a:schemeClr val="tx1"/>
+              </a:solidFill>
+            </a:ln>
+          </p:spPr>
+          <p:style>
+            <a:lnRef idx="2">
+              <a:schemeClr val="accent1">
+                <a:shade val="50000"/>
+              </a:schemeClr>
+            </a:lnRef>
+            <a:fillRef idx="1">
+              <a:schemeClr val="accent1"/>
+            </a:fillRef>
+            <a:effectRef idx="0">
+              <a:schemeClr val="accent1"/>
+            </a:effectRef>
+            <a:fontRef idx="minor">
+              <a:schemeClr val="lt1"/>
+            </a:fontRef>
+          </p:style>
+          <p:txBody>
+            <a:bodyPr rtlCol="0" anchor="ctr"/>
+            <a:lstStyle/>
+            <a:p>
+              <a:pPr algn="ctr"/>
+              <a:endParaRPr lang="en-US"/>
+            </a:p>
+          </p:txBody>
+        </p:sp>
+        <p:sp>
+          <p:nvSpPr>
+            <p:cNvPr id="86" name="Oval 85">
+              <a:extLst>
+                <a:ext uri="{FF2B5EF4-FFF2-40B4-BE49-F238E27FC236}">
+                  <a16:creationId xmlns:a16="http://schemas.microsoft.com/office/drawing/2014/main" id="{64055AC5-D6E8-493B-A4F5-8E670023ED59}"/>
+                </a:ext>
+              </a:extLst>
+            </p:cNvPr>
+            <p:cNvSpPr/>
+            <p:nvPr/>
+          </p:nvSpPr>
+          <p:spPr>
+            <a:xfrm>
+              <a:off x="6678466" y="2477602"/>
+              <a:ext cx="178676" cy="178676"/>
+            </a:xfrm>
+            <a:prstGeom prst="ellipse">
+              <a:avLst/>
+            </a:prstGeom>
+            <a:solidFill>
+              <a:schemeClr val="tx1"/>
+            </a:solidFill>
+            <a:ln>
+              <a:solidFill>
+                <a:schemeClr val="tx1"/>
+              </a:solidFill>
+            </a:ln>
+          </p:spPr>
+          <p:style>
+            <a:lnRef idx="2">
+              <a:schemeClr val="accent1">
+                <a:shade val="50000"/>
+              </a:schemeClr>
+            </a:lnRef>
+            <a:fillRef idx="1">
+              <a:schemeClr val="accent1"/>
+            </a:fillRef>
+            <a:effectRef idx="0">
+              <a:schemeClr val="accent1"/>
+            </a:effectRef>
+            <a:fontRef idx="minor">
+              <a:schemeClr val="lt1"/>
+            </a:fontRef>
+          </p:style>
+          <p:txBody>
+            <a:bodyPr rtlCol="0" anchor="ctr"/>
+            <a:lstStyle/>
+            <a:p>
+              <a:pPr algn="ctr"/>
+              <a:endParaRPr lang="en-US"/>
+            </a:p>
+          </p:txBody>
+        </p:sp>
+      </p:grpSp>
+      <p:grpSp>
+        <p:nvGrpSpPr>
+          <p:cNvPr id="95" name="Group 94">
+            <a:extLst>
+              <a:ext uri="{FF2B5EF4-FFF2-40B4-BE49-F238E27FC236}">
+                <a16:creationId xmlns:a16="http://schemas.microsoft.com/office/drawing/2014/main" id="{837645F2-32D6-4C41-B291-A201D7B538DE}"/>
+              </a:ext>
+            </a:extLst>
+          </p:cNvPr>
+          <p:cNvGrpSpPr/>
+          <p:nvPr/>
+        </p:nvGrpSpPr>
+        <p:grpSpPr>
+          <a:xfrm>
+            <a:off x="4402892" y="4297536"/>
+            <a:ext cx="770200" cy="945930"/>
+            <a:chOff x="6678466" y="2229170"/>
+            <a:chExt cx="770200" cy="945930"/>
+          </a:xfrm>
+        </p:grpSpPr>
+        <p:grpSp>
+          <p:nvGrpSpPr>
+            <p:cNvPr id="97" name="Group 96">
+              <a:extLst>
+                <a:ext uri="{FF2B5EF4-FFF2-40B4-BE49-F238E27FC236}">
+                  <a16:creationId xmlns:a16="http://schemas.microsoft.com/office/drawing/2014/main" id="{70C634F6-418E-4757-846A-5D28892DF71B}"/>
+                </a:ext>
+              </a:extLst>
+            </p:cNvPr>
+            <p:cNvGrpSpPr/>
+            <p:nvPr/>
+          </p:nvGrpSpPr>
+          <p:grpSpPr>
+            <a:xfrm>
+              <a:off x="6770422" y="2229170"/>
+              <a:ext cx="678244" cy="945930"/>
+              <a:chOff x="5070915" y="3804746"/>
+              <a:chExt cx="678244" cy="945930"/>
+            </a:xfrm>
+          </p:grpSpPr>
+          <p:grpSp>
+            <p:nvGrpSpPr>
+              <p:cNvPr id="99" name="Group 98">
+                <a:extLst>
+                  <a:ext uri="{FF2B5EF4-FFF2-40B4-BE49-F238E27FC236}">
+                    <a16:creationId xmlns:a16="http://schemas.microsoft.com/office/drawing/2014/main" id="{7B25D868-9A56-4BC8-B4EC-427D4F97589C}"/>
+                  </a:ext>
+                </a:extLst>
+              </p:cNvPr>
+              <p:cNvGrpSpPr/>
+              <p:nvPr/>
+            </p:nvGrpSpPr>
+            <p:grpSpPr>
+              <a:xfrm>
+                <a:off x="5070915" y="3804746"/>
+                <a:ext cx="678244" cy="945930"/>
+                <a:chOff x="4466895" y="3090041"/>
+                <a:chExt cx="2007476" cy="2375339"/>
+              </a:xfrm>
+            </p:grpSpPr>
+            <p:sp>
+              <p:nvSpPr>
+                <p:cNvPr id="101" name="Rectangle 100">
+                  <a:extLst>
+                    <a:ext uri="{FF2B5EF4-FFF2-40B4-BE49-F238E27FC236}">
+                      <a16:creationId xmlns:a16="http://schemas.microsoft.com/office/drawing/2014/main" id="{4E54ED85-E555-4673-88B0-482C386441D4}"/>
+                    </a:ext>
+                  </a:extLst>
+                </p:cNvPr>
+                <p:cNvSpPr/>
+                <p:nvPr/>
+              </p:nvSpPr>
+              <p:spPr>
+                <a:xfrm>
+                  <a:off x="4466896" y="3090042"/>
+                  <a:ext cx="2007475" cy="2375338"/>
+                </a:xfrm>
+                <a:prstGeom prst="rect">
+                  <a:avLst/>
+                </a:prstGeom>
+                <a:noFill/>
+                <a:ln w="19050">
+                  <a:solidFill>
+                    <a:schemeClr val="tx1"/>
+                  </a:solidFill>
+                </a:ln>
+              </p:spPr>
+              <p:style>
+                <a:lnRef idx="2">
+                  <a:schemeClr val="accent1">
+                    <a:shade val="50000"/>
+                  </a:schemeClr>
+                </a:lnRef>
+                <a:fillRef idx="1">
+                  <a:schemeClr val="accent1"/>
+                </a:fillRef>
+                <a:effectRef idx="0">
+                  <a:schemeClr val="accent1"/>
+                </a:effectRef>
+                <a:fontRef idx="minor">
+                  <a:schemeClr val="lt1"/>
+                </a:fontRef>
+              </p:style>
+              <p:txBody>
+                <a:bodyPr rtlCol="0" anchor="ctr"/>
+                <a:lstStyle/>
+                <a:p>
+                  <a:pPr algn="ctr"/>
+                  <a:endParaRPr lang="en-US"/>
+                </a:p>
+              </p:txBody>
+            </p:sp>
+            <p:cxnSp>
+              <p:nvCxnSpPr>
+                <p:cNvPr id="103" name="Straight Connector 102">
+                  <a:extLst>
+                    <a:ext uri="{FF2B5EF4-FFF2-40B4-BE49-F238E27FC236}">
+                      <a16:creationId xmlns:a16="http://schemas.microsoft.com/office/drawing/2014/main" id="{5D583CD6-2CE5-4DC3-AC3B-B35976AED800}"/>
+                    </a:ext>
+                  </a:extLst>
+                </p:cNvPr>
+                <p:cNvCxnSpPr/>
+                <p:nvPr/>
+              </p:nvCxnSpPr>
+              <p:spPr>
+                <a:xfrm>
+                  <a:off x="4466896" y="3626070"/>
+                  <a:ext cx="2007475" cy="0"/>
+                </a:xfrm>
+                <a:prstGeom prst="line">
+                  <a:avLst/>
+                </a:prstGeom>
+                <a:ln w="19050">
+                  <a:solidFill>
+                    <a:schemeClr val="tx1"/>
+                  </a:solidFill>
+                </a:ln>
+              </p:spPr>
+              <p:style>
+                <a:lnRef idx="1">
+                  <a:schemeClr val="accent1"/>
+                </a:lnRef>
+                <a:fillRef idx="0">
+                  <a:schemeClr val="accent1"/>
+                </a:fillRef>
+                <a:effectRef idx="0">
+                  <a:schemeClr val="accent1"/>
+                </a:effectRef>
+                <a:fontRef idx="minor">
+                  <a:schemeClr val="tx1"/>
+                </a:fontRef>
+              </p:style>
+            </p:cxnSp>
+            <p:cxnSp>
+              <p:nvCxnSpPr>
+                <p:cNvPr id="104" name="Straight Connector 103">
+                  <a:extLst>
+                    <a:ext uri="{FF2B5EF4-FFF2-40B4-BE49-F238E27FC236}">
+                      <a16:creationId xmlns:a16="http://schemas.microsoft.com/office/drawing/2014/main" id="{A5BFA1A8-CFF8-4505-A307-20925F449546}"/>
+                    </a:ext>
+                  </a:extLst>
+                </p:cNvPr>
+                <p:cNvCxnSpPr/>
+                <p:nvPr/>
+              </p:nvCxnSpPr>
+              <p:spPr>
+                <a:xfrm>
+                  <a:off x="4466895" y="4261945"/>
+                  <a:ext cx="2007475" cy="0"/>
+                </a:xfrm>
+                <a:prstGeom prst="line">
+                  <a:avLst/>
+                </a:prstGeom>
+                <a:ln w="19050">
+                  <a:solidFill>
+                    <a:schemeClr val="tx1"/>
+                  </a:solidFill>
+                </a:ln>
+              </p:spPr>
+              <p:style>
+                <a:lnRef idx="1">
+                  <a:schemeClr val="accent1"/>
+                </a:lnRef>
+                <a:fillRef idx="0">
+                  <a:schemeClr val="accent1"/>
+                </a:fillRef>
+                <a:effectRef idx="0">
+                  <a:schemeClr val="accent1"/>
+                </a:effectRef>
+                <a:fontRef idx="minor">
+                  <a:schemeClr val="tx1"/>
+                </a:fontRef>
+              </p:style>
+            </p:cxnSp>
+            <p:cxnSp>
+              <p:nvCxnSpPr>
+                <p:cNvPr id="105" name="Straight Connector 104">
+                  <a:extLst>
+                    <a:ext uri="{FF2B5EF4-FFF2-40B4-BE49-F238E27FC236}">
+                      <a16:creationId xmlns:a16="http://schemas.microsoft.com/office/drawing/2014/main" id="{36D44157-0049-4A1D-BF0B-D84A19F86280}"/>
+                    </a:ext>
+                  </a:extLst>
+                </p:cNvPr>
+                <p:cNvCxnSpPr/>
+                <p:nvPr/>
+              </p:nvCxnSpPr>
+              <p:spPr>
+                <a:xfrm>
+                  <a:off x="4466895" y="4850525"/>
+                  <a:ext cx="2007475" cy="0"/>
+                </a:xfrm>
+                <a:prstGeom prst="line">
+                  <a:avLst/>
+                </a:prstGeom>
+                <a:ln w="19050">
+                  <a:solidFill>
+                    <a:schemeClr val="tx1"/>
+                  </a:solidFill>
+                </a:ln>
+              </p:spPr>
+              <p:style>
+                <a:lnRef idx="1">
+                  <a:schemeClr val="accent1"/>
+                </a:lnRef>
+                <a:fillRef idx="0">
+                  <a:schemeClr val="accent1"/>
+                </a:fillRef>
+                <a:effectRef idx="0">
+                  <a:schemeClr val="accent1"/>
+                </a:effectRef>
+                <a:fontRef idx="minor">
+                  <a:schemeClr val="tx1"/>
+                </a:fontRef>
+              </p:style>
+            </p:cxnSp>
+            <p:cxnSp>
+              <p:nvCxnSpPr>
+                <p:cNvPr id="106" name="Straight Connector 105">
+                  <a:extLst>
+                    <a:ext uri="{FF2B5EF4-FFF2-40B4-BE49-F238E27FC236}">
+                      <a16:creationId xmlns:a16="http://schemas.microsoft.com/office/drawing/2014/main" id="{1D164F0A-AC6C-49E4-B97D-ECEE882D4E3F}"/>
+                    </a:ext>
+                  </a:extLst>
+                </p:cNvPr>
+                <p:cNvCxnSpPr>
+                  <a:cxnSpLocks/>
+                </p:cNvCxnSpPr>
+                <p:nvPr/>
+              </p:nvCxnSpPr>
+              <p:spPr>
+                <a:xfrm>
+                  <a:off x="5139558" y="3090041"/>
+                  <a:ext cx="0" cy="2375339"/>
+                </a:xfrm>
+                <a:prstGeom prst="line">
+                  <a:avLst/>
+                </a:prstGeom>
+                <a:ln w="19050">
+                  <a:solidFill>
+                    <a:schemeClr val="tx1"/>
+                  </a:solidFill>
+                </a:ln>
+              </p:spPr>
+              <p:style>
+                <a:lnRef idx="1">
+                  <a:schemeClr val="accent1"/>
+                </a:lnRef>
+                <a:fillRef idx="0">
+                  <a:schemeClr val="accent1"/>
+                </a:fillRef>
+                <a:effectRef idx="0">
+                  <a:schemeClr val="accent1"/>
+                </a:effectRef>
+                <a:fontRef idx="minor">
+                  <a:schemeClr val="tx1"/>
+                </a:fontRef>
+              </p:style>
+            </p:cxnSp>
+            <p:cxnSp>
+              <p:nvCxnSpPr>
+                <p:cNvPr id="102" name="Straight Connector 101">
+                  <a:extLst>
+                    <a:ext uri="{FF2B5EF4-FFF2-40B4-BE49-F238E27FC236}">
+                      <a16:creationId xmlns:a16="http://schemas.microsoft.com/office/drawing/2014/main" id="{8A250BAB-DEE3-4A99-A5DB-1E9F29FAC906}"/>
+                    </a:ext>
+                  </a:extLst>
+                </p:cNvPr>
+                <p:cNvCxnSpPr>
+                  <a:cxnSpLocks/>
+                </p:cNvCxnSpPr>
+                <p:nvPr/>
+              </p:nvCxnSpPr>
+              <p:spPr>
+                <a:xfrm>
+                  <a:off x="5806966" y="3090041"/>
+                  <a:ext cx="0" cy="2375339"/>
+                </a:xfrm>
+                <a:prstGeom prst="line">
+                  <a:avLst/>
+                </a:prstGeom>
+                <a:ln w="19050">
+                  <a:solidFill>
+                    <a:schemeClr val="tx1"/>
+                  </a:solidFill>
+                </a:ln>
+              </p:spPr>
+              <p:style>
+                <a:lnRef idx="1">
+                  <a:schemeClr val="accent1"/>
+                </a:lnRef>
+                <a:fillRef idx="0">
+                  <a:schemeClr val="accent1"/>
+                </a:fillRef>
+                <a:effectRef idx="0">
+                  <a:schemeClr val="accent1"/>
+                </a:effectRef>
+                <a:fontRef idx="minor">
+                  <a:schemeClr val="tx1"/>
+                </a:fontRef>
+              </p:style>
+            </p:cxnSp>
+          </p:grpSp>
+          <p:cxnSp>
+            <p:nvCxnSpPr>
+              <p:cNvPr id="100" name="Straight Connector 99">
+                <a:extLst>
+                  <a:ext uri="{FF2B5EF4-FFF2-40B4-BE49-F238E27FC236}">
+                    <a16:creationId xmlns:a16="http://schemas.microsoft.com/office/drawing/2014/main" id="{A87C3BD6-B43F-4AED-87C3-AB7EAB8A090E}"/>
+                  </a:ext>
+                </a:extLst>
+              </p:cNvPr>
+              <p:cNvCxnSpPr/>
+              <p:nvPr/>
+            </p:nvCxnSpPr>
+            <p:spPr>
+              <a:xfrm>
+                <a:off x="5070915" y="3804746"/>
+                <a:ext cx="678244" cy="0"/>
+              </a:xfrm>
+              <a:prstGeom prst="line">
+                <a:avLst/>
+              </a:prstGeom>
+              <a:ln w="38100">
+                <a:solidFill>
+                  <a:schemeClr val="tx1"/>
+                </a:solidFill>
+              </a:ln>
+            </p:spPr>
+            <p:style>
+              <a:lnRef idx="1">
+                <a:schemeClr val="accent1"/>
+              </a:lnRef>
+              <a:fillRef idx="0">
+                <a:schemeClr val="accent1"/>
+              </a:fillRef>
+              <a:effectRef idx="0">
+                <a:schemeClr val="accent1"/>
+              </a:effectRef>
+              <a:fontRef idx="minor">
+                <a:schemeClr val="tx1"/>
+              </a:fontRef>
+            </p:style>
+          </p:cxnSp>
+        </p:grpSp>
+        <p:sp>
+          <p:nvSpPr>
+            <p:cNvPr id="98" name="Oval 97">
+              <a:extLst>
+                <a:ext uri="{FF2B5EF4-FFF2-40B4-BE49-F238E27FC236}">
+                  <a16:creationId xmlns:a16="http://schemas.microsoft.com/office/drawing/2014/main" id="{D375399B-B139-4F4E-A48D-55D5A6371CFF}"/>
+                </a:ext>
+              </a:extLst>
+            </p:cNvPr>
+            <p:cNvSpPr/>
+            <p:nvPr/>
+          </p:nvSpPr>
+          <p:spPr>
+            <a:xfrm>
+              <a:off x="6678466" y="2477602"/>
+              <a:ext cx="178676" cy="178676"/>
+            </a:xfrm>
+            <a:prstGeom prst="ellipse">
+              <a:avLst/>
+            </a:prstGeom>
+            <a:solidFill>
+              <a:schemeClr val="tx1"/>
+            </a:solidFill>
+            <a:ln>
+              <a:solidFill>
+                <a:schemeClr val="tx1"/>
+              </a:solidFill>
+            </a:ln>
+          </p:spPr>
+          <p:style>
+            <a:lnRef idx="2">
+              <a:schemeClr val="accent1">
+                <a:shade val="50000"/>
+              </a:schemeClr>
+            </a:lnRef>
+            <a:fillRef idx="1">
+              <a:schemeClr val="accent1"/>
+            </a:fillRef>
+            <a:effectRef idx="0">
+              <a:schemeClr val="accent1"/>
+            </a:effectRef>
+            <a:fontRef idx="minor">
+              <a:schemeClr val="lt1"/>
+            </a:fontRef>
+          </p:style>
+          <p:txBody>
+            <a:bodyPr rtlCol="0" anchor="ctr"/>
+            <a:lstStyle/>
+            <a:p>
+              <a:pPr algn="ctr"/>
+              <a:endParaRPr lang="en-US"/>
+            </a:p>
+          </p:txBody>
+        </p:sp>
+        <p:sp>
+          <p:nvSpPr>
+            <p:cNvPr id="96" name="Oval 95">
+              <a:extLst>
+                <a:ext uri="{FF2B5EF4-FFF2-40B4-BE49-F238E27FC236}">
+                  <a16:creationId xmlns:a16="http://schemas.microsoft.com/office/drawing/2014/main" id="{63766960-EB8D-4D8F-8A0C-2FC0BC5CFE39}"/>
+                </a:ext>
+              </a:extLst>
+            </p:cNvPr>
+            <p:cNvSpPr/>
+            <p:nvPr/>
+          </p:nvSpPr>
+          <p:spPr>
+            <a:xfrm>
+              <a:off x="7132062" y="2257027"/>
+              <a:ext cx="178676" cy="178676"/>
+            </a:xfrm>
+            <a:prstGeom prst="ellipse">
+              <a:avLst/>
+            </a:prstGeom>
+            <a:solidFill>
+              <a:schemeClr val="tx1"/>
+            </a:solidFill>
+            <a:ln>
+              <a:solidFill>
+                <a:schemeClr val="tx1"/>
+              </a:solidFill>
+            </a:ln>
+          </p:spPr>
+          <p:style>
+            <a:lnRef idx="2">
+              <a:schemeClr val="accent1">
+                <a:shade val="50000"/>
+              </a:schemeClr>
+            </a:lnRef>
+            <a:fillRef idx="1">
+              <a:schemeClr val="accent1"/>
+            </a:fillRef>
+            <a:effectRef idx="0">
+              <a:schemeClr val="accent1"/>
+            </a:effectRef>
+            <a:fontRef idx="minor">
+              <a:schemeClr val="lt1"/>
+            </a:fontRef>
+          </p:style>
+          <p:txBody>
+            <a:bodyPr rtlCol="0" anchor="ctr"/>
+            <a:lstStyle/>
+            <a:p>
+              <a:pPr algn="ctr"/>
+              <a:endParaRPr lang="en-US"/>
+            </a:p>
+          </p:txBody>
+        </p:sp>
+      </p:grpSp>
+      <p:grpSp>
+        <p:nvGrpSpPr>
+          <p:cNvPr id="107" name="Group 106">
+            <a:extLst>
+              <a:ext uri="{FF2B5EF4-FFF2-40B4-BE49-F238E27FC236}">
+                <a16:creationId xmlns:a16="http://schemas.microsoft.com/office/drawing/2014/main" id="{5A999C65-2FBB-4300-B543-9A3068E63820}"/>
+              </a:ext>
+            </a:extLst>
+          </p:cNvPr>
+          <p:cNvGrpSpPr/>
+          <p:nvPr/>
+        </p:nvGrpSpPr>
+        <p:grpSpPr>
+          <a:xfrm>
+            <a:off x="5962947" y="4281576"/>
+            <a:ext cx="764624" cy="945930"/>
+            <a:chOff x="8724839" y="3778608"/>
+            <a:chExt cx="764624" cy="945930"/>
+          </a:xfrm>
+        </p:grpSpPr>
+        <p:grpSp>
+          <p:nvGrpSpPr>
+            <p:cNvPr id="108" name="Group 107">
+              <a:extLst>
+                <a:ext uri="{FF2B5EF4-FFF2-40B4-BE49-F238E27FC236}">
+                  <a16:creationId xmlns:a16="http://schemas.microsoft.com/office/drawing/2014/main" id="{37069436-F529-43E4-9C52-DF7E3431C227}"/>
+                </a:ext>
+              </a:extLst>
+            </p:cNvPr>
+            <p:cNvGrpSpPr/>
+            <p:nvPr/>
+          </p:nvGrpSpPr>
+          <p:grpSpPr>
+            <a:xfrm>
+              <a:off x="8724839" y="3778608"/>
+              <a:ext cx="678244" cy="945930"/>
+              <a:chOff x="5070915" y="3804746"/>
+              <a:chExt cx="678244" cy="945930"/>
+            </a:xfrm>
+          </p:grpSpPr>
+          <p:grpSp>
+            <p:nvGrpSpPr>
+              <p:cNvPr id="112" name="Group 111">
+                <a:extLst>
+                  <a:ext uri="{FF2B5EF4-FFF2-40B4-BE49-F238E27FC236}">
+                    <a16:creationId xmlns:a16="http://schemas.microsoft.com/office/drawing/2014/main" id="{B56EB15D-B1BF-4510-A135-EF7A0C508264}"/>
+                  </a:ext>
+                </a:extLst>
+              </p:cNvPr>
+              <p:cNvGrpSpPr/>
+              <p:nvPr/>
+            </p:nvGrpSpPr>
+            <p:grpSpPr>
+              <a:xfrm>
+                <a:off x="5070915" y="3804746"/>
+                <a:ext cx="678244" cy="945930"/>
+                <a:chOff x="4466895" y="3090041"/>
+                <a:chExt cx="2007476" cy="2375339"/>
+              </a:xfrm>
+            </p:grpSpPr>
+            <p:sp>
+              <p:nvSpPr>
+                <p:cNvPr id="114" name="Rectangle 113">
+                  <a:extLst>
+                    <a:ext uri="{FF2B5EF4-FFF2-40B4-BE49-F238E27FC236}">
+                      <a16:creationId xmlns:a16="http://schemas.microsoft.com/office/drawing/2014/main" id="{A8E263DD-3A03-4AAF-BF99-C7BABFF7F5C5}"/>
+                    </a:ext>
+                  </a:extLst>
+                </p:cNvPr>
+                <p:cNvSpPr/>
+                <p:nvPr/>
+              </p:nvSpPr>
+              <p:spPr>
+                <a:xfrm>
+                  <a:off x="4466896" y="3090042"/>
+                  <a:ext cx="2007475" cy="2375338"/>
+                </a:xfrm>
+                <a:prstGeom prst="rect">
+                  <a:avLst/>
+                </a:prstGeom>
+                <a:noFill/>
+                <a:ln w="19050">
+                  <a:solidFill>
+                    <a:schemeClr val="tx1"/>
+                  </a:solidFill>
+                </a:ln>
+              </p:spPr>
+              <p:style>
+                <a:lnRef idx="2">
+                  <a:schemeClr val="accent1">
+                    <a:shade val="50000"/>
+                  </a:schemeClr>
+                </a:lnRef>
+                <a:fillRef idx="1">
+                  <a:schemeClr val="accent1"/>
+                </a:fillRef>
+                <a:effectRef idx="0">
+                  <a:schemeClr val="accent1"/>
+                </a:effectRef>
+                <a:fontRef idx="minor">
+                  <a:schemeClr val="lt1"/>
+                </a:fontRef>
+              </p:style>
+              <p:txBody>
+                <a:bodyPr rtlCol="0" anchor="ctr"/>
+                <a:lstStyle/>
+                <a:p>
+                  <a:pPr algn="ctr"/>
+                  <a:endParaRPr lang="en-US"/>
+                </a:p>
+              </p:txBody>
+            </p:sp>
+            <p:cxnSp>
+              <p:nvCxnSpPr>
+                <p:cNvPr id="115" name="Straight Connector 114">
+                  <a:extLst>
+                    <a:ext uri="{FF2B5EF4-FFF2-40B4-BE49-F238E27FC236}">
+                      <a16:creationId xmlns:a16="http://schemas.microsoft.com/office/drawing/2014/main" id="{16367067-8ECC-457C-88A2-6F6623F2CB13}"/>
+                    </a:ext>
+                  </a:extLst>
+                </p:cNvPr>
+                <p:cNvCxnSpPr>
+                  <a:cxnSpLocks/>
+                </p:cNvCxnSpPr>
+                <p:nvPr/>
+              </p:nvCxnSpPr>
+              <p:spPr>
+                <a:xfrm>
+                  <a:off x="5806965" y="3090041"/>
+                  <a:ext cx="0" cy="2375339"/>
+                </a:xfrm>
+                <a:prstGeom prst="line">
+                  <a:avLst/>
+                </a:prstGeom>
+                <a:ln w="19050">
+                  <a:solidFill>
+                    <a:schemeClr val="tx1"/>
+                  </a:solidFill>
+                </a:ln>
+              </p:spPr>
+              <p:style>
+                <a:lnRef idx="1">
+                  <a:schemeClr val="accent1"/>
+                </a:lnRef>
+                <a:fillRef idx="0">
+                  <a:schemeClr val="accent1"/>
+                </a:fillRef>
+                <a:effectRef idx="0">
+                  <a:schemeClr val="accent1"/>
+                </a:effectRef>
+                <a:fontRef idx="minor">
+                  <a:schemeClr val="tx1"/>
+                </a:fontRef>
+              </p:style>
+            </p:cxnSp>
+            <p:cxnSp>
+              <p:nvCxnSpPr>
+                <p:cNvPr id="116" name="Straight Connector 115">
+                  <a:extLst>
+                    <a:ext uri="{FF2B5EF4-FFF2-40B4-BE49-F238E27FC236}">
+                      <a16:creationId xmlns:a16="http://schemas.microsoft.com/office/drawing/2014/main" id="{FA837831-90A5-4BA6-A146-046F0DAEA447}"/>
+                    </a:ext>
+                  </a:extLst>
+                </p:cNvPr>
+                <p:cNvCxnSpPr/>
+                <p:nvPr/>
+              </p:nvCxnSpPr>
+              <p:spPr>
+                <a:xfrm>
+                  <a:off x="4466896" y="3626070"/>
+                  <a:ext cx="2007475" cy="0"/>
+                </a:xfrm>
+                <a:prstGeom prst="line">
+                  <a:avLst/>
+                </a:prstGeom>
+                <a:ln w="19050">
+                  <a:solidFill>
+                    <a:schemeClr val="tx1"/>
+                  </a:solidFill>
+                </a:ln>
+              </p:spPr>
+              <p:style>
+                <a:lnRef idx="1">
+                  <a:schemeClr val="accent1"/>
+                </a:lnRef>
+                <a:fillRef idx="0">
+                  <a:schemeClr val="accent1"/>
+                </a:fillRef>
+                <a:effectRef idx="0">
+                  <a:schemeClr val="accent1"/>
+                </a:effectRef>
+                <a:fontRef idx="minor">
+                  <a:schemeClr val="tx1"/>
+                </a:fontRef>
+              </p:style>
+            </p:cxnSp>
+            <p:cxnSp>
+              <p:nvCxnSpPr>
+                <p:cNvPr id="117" name="Straight Connector 116">
+                  <a:extLst>
+                    <a:ext uri="{FF2B5EF4-FFF2-40B4-BE49-F238E27FC236}">
+                      <a16:creationId xmlns:a16="http://schemas.microsoft.com/office/drawing/2014/main" id="{9313C83E-58B0-49E2-9B8D-484B6749CFA1}"/>
+                    </a:ext>
+                  </a:extLst>
+                </p:cNvPr>
+                <p:cNvCxnSpPr/>
+                <p:nvPr/>
+              </p:nvCxnSpPr>
+              <p:spPr>
+                <a:xfrm>
+                  <a:off x="4466895" y="4261945"/>
+                  <a:ext cx="2007475" cy="0"/>
+                </a:xfrm>
+                <a:prstGeom prst="line">
+                  <a:avLst/>
+                </a:prstGeom>
+                <a:ln w="19050">
+                  <a:solidFill>
+                    <a:schemeClr val="tx1"/>
+                  </a:solidFill>
+                </a:ln>
+              </p:spPr>
+              <p:style>
+                <a:lnRef idx="1">
+                  <a:schemeClr val="accent1"/>
+                </a:lnRef>
+                <a:fillRef idx="0">
+                  <a:schemeClr val="accent1"/>
+                </a:fillRef>
+                <a:effectRef idx="0">
+                  <a:schemeClr val="accent1"/>
+                </a:effectRef>
+                <a:fontRef idx="minor">
+                  <a:schemeClr val="tx1"/>
+                </a:fontRef>
+              </p:style>
+            </p:cxnSp>
+            <p:cxnSp>
+              <p:nvCxnSpPr>
+                <p:cNvPr id="118" name="Straight Connector 117">
+                  <a:extLst>
+                    <a:ext uri="{FF2B5EF4-FFF2-40B4-BE49-F238E27FC236}">
+                      <a16:creationId xmlns:a16="http://schemas.microsoft.com/office/drawing/2014/main" id="{D8A225A8-427C-464D-A8DB-7EF3D13428C4}"/>
+                    </a:ext>
+                  </a:extLst>
+                </p:cNvPr>
+                <p:cNvCxnSpPr/>
+                <p:nvPr/>
+              </p:nvCxnSpPr>
+              <p:spPr>
+                <a:xfrm>
+                  <a:off x="4466895" y="4850525"/>
+                  <a:ext cx="2007475" cy="0"/>
+                </a:xfrm>
+                <a:prstGeom prst="line">
+                  <a:avLst/>
+                </a:prstGeom>
+                <a:ln w="19050">
+                  <a:solidFill>
+                    <a:schemeClr val="tx1"/>
+                  </a:solidFill>
+                </a:ln>
+              </p:spPr>
+              <p:style>
+                <a:lnRef idx="1">
+                  <a:schemeClr val="accent1"/>
+                </a:lnRef>
+                <a:fillRef idx="0">
+                  <a:schemeClr val="accent1"/>
+                </a:fillRef>
+                <a:effectRef idx="0">
+                  <a:schemeClr val="accent1"/>
+                </a:effectRef>
+                <a:fontRef idx="minor">
+                  <a:schemeClr val="tx1"/>
+                </a:fontRef>
+              </p:style>
+            </p:cxnSp>
+            <p:cxnSp>
+              <p:nvCxnSpPr>
+                <p:cNvPr id="119" name="Straight Connector 118">
+                  <a:extLst>
+                    <a:ext uri="{FF2B5EF4-FFF2-40B4-BE49-F238E27FC236}">
+                      <a16:creationId xmlns:a16="http://schemas.microsoft.com/office/drawing/2014/main" id="{AC3D5C24-C41E-4A46-9DF0-C7065FD6C281}"/>
+                    </a:ext>
+                  </a:extLst>
+                </p:cNvPr>
+                <p:cNvCxnSpPr>
+                  <a:cxnSpLocks/>
+                </p:cNvCxnSpPr>
+                <p:nvPr/>
+              </p:nvCxnSpPr>
+              <p:spPr>
+                <a:xfrm>
+                  <a:off x="5139558" y="3090041"/>
+                  <a:ext cx="0" cy="2375339"/>
+                </a:xfrm>
+                <a:prstGeom prst="line">
+                  <a:avLst/>
+                </a:prstGeom>
+                <a:ln w="19050">
+                  <a:solidFill>
+                    <a:schemeClr val="tx1"/>
+                  </a:solidFill>
+                </a:ln>
+              </p:spPr>
+              <p:style>
+                <a:lnRef idx="1">
+                  <a:schemeClr val="accent1"/>
+                </a:lnRef>
+                <a:fillRef idx="0">
+                  <a:schemeClr val="accent1"/>
+                </a:fillRef>
+                <a:effectRef idx="0">
+                  <a:schemeClr val="accent1"/>
+                </a:effectRef>
+                <a:fontRef idx="minor">
+                  <a:schemeClr val="tx1"/>
+                </a:fontRef>
+              </p:style>
+            </p:cxnSp>
+          </p:grpSp>
+          <p:cxnSp>
+            <p:nvCxnSpPr>
+              <p:cNvPr id="113" name="Straight Connector 112">
+                <a:extLst>
+                  <a:ext uri="{FF2B5EF4-FFF2-40B4-BE49-F238E27FC236}">
+                    <a16:creationId xmlns:a16="http://schemas.microsoft.com/office/drawing/2014/main" id="{9978DC76-6820-49E7-BE26-C5D2D544AECF}"/>
+                  </a:ext>
+                </a:extLst>
+              </p:cNvPr>
+              <p:cNvCxnSpPr/>
+              <p:nvPr/>
+            </p:nvCxnSpPr>
+            <p:spPr>
+              <a:xfrm>
+                <a:off x="5070915" y="3804746"/>
+                <a:ext cx="678244" cy="0"/>
+              </a:xfrm>
+              <a:prstGeom prst="line">
+                <a:avLst/>
+              </a:prstGeom>
+              <a:ln w="38100">
+                <a:solidFill>
+                  <a:schemeClr val="tx1"/>
+                </a:solidFill>
+              </a:ln>
+            </p:spPr>
+            <p:style>
+              <a:lnRef idx="1">
+                <a:schemeClr val="accent1"/>
+              </a:lnRef>
+              <a:fillRef idx="0">
+                <a:schemeClr val="accent1"/>
+              </a:fillRef>
+              <a:effectRef idx="0">
+                <a:schemeClr val="accent1"/>
+              </a:effectRef>
+              <a:fontRef idx="minor">
+                <a:schemeClr val="tx1"/>
+              </a:fontRef>
+            </p:style>
+          </p:cxnSp>
+        </p:grpSp>
+        <p:sp>
+          <p:nvSpPr>
+            <p:cNvPr id="109" name="Oval 108">
+              <a:extLst>
+                <a:ext uri="{FF2B5EF4-FFF2-40B4-BE49-F238E27FC236}">
+                  <a16:creationId xmlns:a16="http://schemas.microsoft.com/office/drawing/2014/main" id="{10F0E26F-1DDE-4B09-8B3B-0809E49A5427}"/>
+                </a:ext>
+              </a:extLst>
+            </p:cNvPr>
+            <p:cNvSpPr/>
+            <p:nvPr/>
+          </p:nvSpPr>
+          <p:spPr>
+            <a:xfrm>
+              <a:off x="8864609" y="4512774"/>
+              <a:ext cx="178676" cy="178676"/>
+            </a:xfrm>
+            <a:prstGeom prst="ellipse">
+              <a:avLst/>
+            </a:prstGeom>
+            <a:solidFill>
+              <a:schemeClr val="tx1"/>
+            </a:solidFill>
+            <a:ln>
+              <a:solidFill>
+                <a:schemeClr val="tx1"/>
+              </a:solidFill>
+            </a:ln>
+          </p:spPr>
+          <p:style>
+            <a:lnRef idx="2">
+              <a:schemeClr val="accent1">
+                <a:shade val="50000"/>
+              </a:schemeClr>
+            </a:lnRef>
+            <a:fillRef idx="1">
+              <a:schemeClr val="accent1"/>
+            </a:fillRef>
+            <a:effectRef idx="0">
+              <a:schemeClr val="accent1"/>
+            </a:effectRef>
+            <a:fontRef idx="minor">
+              <a:schemeClr val="lt1"/>
+            </a:fontRef>
+          </p:style>
+          <p:txBody>
+            <a:bodyPr rtlCol="0" anchor="ctr"/>
+            <a:lstStyle/>
+            <a:p>
+              <a:pPr algn="ctr"/>
+              <a:endParaRPr lang="en-US"/>
+            </a:p>
+          </p:txBody>
+        </p:sp>
+        <p:sp>
+          <p:nvSpPr>
+            <p:cNvPr id="110" name="Oval 109">
+              <a:extLst>
+                <a:ext uri="{FF2B5EF4-FFF2-40B4-BE49-F238E27FC236}">
+                  <a16:creationId xmlns:a16="http://schemas.microsoft.com/office/drawing/2014/main" id="{016E325B-0E81-4610-9EBD-DE0CDBEE9643}"/>
+                </a:ext>
+              </a:extLst>
+            </p:cNvPr>
+            <p:cNvSpPr/>
+            <p:nvPr/>
+          </p:nvSpPr>
+          <p:spPr>
+            <a:xfrm>
+              <a:off x="9080307" y="4266222"/>
+              <a:ext cx="178676" cy="178676"/>
+            </a:xfrm>
+            <a:prstGeom prst="ellipse">
+              <a:avLst/>
+            </a:prstGeom>
+            <a:solidFill>
+              <a:schemeClr val="tx1"/>
+            </a:solidFill>
+            <a:ln>
+              <a:solidFill>
+                <a:schemeClr val="tx1"/>
+              </a:solidFill>
+            </a:ln>
+          </p:spPr>
+          <p:style>
+            <a:lnRef idx="2">
+              <a:schemeClr val="accent1">
+                <a:shade val="50000"/>
+              </a:schemeClr>
+            </a:lnRef>
+            <a:fillRef idx="1">
+              <a:schemeClr val="accent1"/>
+            </a:fillRef>
+            <a:effectRef idx="0">
+              <a:schemeClr val="accent1"/>
+            </a:effectRef>
+            <a:fontRef idx="minor">
+              <a:schemeClr val="lt1"/>
+            </a:fontRef>
+          </p:style>
+          <p:txBody>
+            <a:bodyPr rtlCol="0" anchor="ctr"/>
+            <a:lstStyle/>
+            <a:p>
+              <a:pPr algn="ctr"/>
+              <a:endParaRPr lang="en-US"/>
+            </a:p>
+          </p:txBody>
+        </p:sp>
+        <p:sp>
+          <p:nvSpPr>
+            <p:cNvPr id="111" name="Oval 110">
+              <a:extLst>
+                <a:ext uri="{FF2B5EF4-FFF2-40B4-BE49-F238E27FC236}">
+                  <a16:creationId xmlns:a16="http://schemas.microsoft.com/office/drawing/2014/main" id="{E6A82C53-5B44-4F06-BA0D-41A01DABD29C}"/>
+                </a:ext>
+              </a:extLst>
+            </p:cNvPr>
+            <p:cNvSpPr/>
+            <p:nvPr/>
+          </p:nvSpPr>
+          <p:spPr>
+            <a:xfrm>
+              <a:off x="9310787" y="4027246"/>
+              <a:ext cx="178676" cy="178676"/>
+            </a:xfrm>
+            <a:prstGeom prst="ellipse">
+              <a:avLst/>
+            </a:prstGeom>
+            <a:solidFill>
+              <a:schemeClr val="tx1"/>
+            </a:solidFill>
+            <a:ln>
+              <a:solidFill>
+                <a:schemeClr val="tx1"/>
+              </a:solidFill>
+            </a:ln>
+          </p:spPr>
+          <p:style>
+            <a:lnRef idx="2">
+              <a:schemeClr val="accent1">
+                <a:shade val="50000"/>
+              </a:schemeClr>
+            </a:lnRef>
+            <a:fillRef idx="1">
+              <a:schemeClr val="accent1"/>
+            </a:fillRef>
+            <a:effectRef idx="0">
+              <a:schemeClr val="accent1"/>
+            </a:effectRef>
+            <a:fontRef idx="minor">
+              <a:schemeClr val="lt1"/>
+            </a:fontRef>
+          </p:style>
+          <p:txBody>
+            <a:bodyPr rtlCol="0" anchor="ctr"/>
+            <a:lstStyle/>
+            <a:p>
+              <a:pPr algn="ctr"/>
+              <a:endParaRPr lang="en-US"/>
+            </a:p>
+          </p:txBody>
+        </p:sp>
+      </p:grpSp>
+    </p:spTree>
+    <p:extLst>
+      <p:ext uri="{BB962C8B-B14F-4D97-AF65-F5344CB8AC3E}">
+        <p14:creationId xmlns:p14="http://schemas.microsoft.com/office/powerpoint/2010/main" val="3120181636"/>
       </p:ext>
     </p:extLst>
   </p:cSld>
